--- a/documents/breast_cancer_ppt.pptx
+++ b/documents/breast_cancer_ppt.pptx
@@ -15,15 +15,16 @@
     <p:sldId id="259" r:id="rId9"/>
     <p:sldId id="261" r:id="rId10"/>
     <p:sldId id="294" r:id="rId11"/>
-    <p:sldId id="295" r:id="rId12"/>
-    <p:sldId id="272" r:id="rId13"/>
-    <p:sldId id="281" r:id="rId14"/>
-    <p:sldId id="282" r:id="rId15"/>
-    <p:sldId id="288" r:id="rId16"/>
-    <p:sldId id="289" r:id="rId17"/>
-    <p:sldId id="292" r:id="rId18"/>
-    <p:sldId id="291" r:id="rId19"/>
-    <p:sldId id="273" r:id="rId20"/>
+    <p:sldId id="296" r:id="rId12"/>
+    <p:sldId id="295" r:id="rId13"/>
+    <p:sldId id="272" r:id="rId14"/>
+    <p:sldId id="281" r:id="rId15"/>
+    <p:sldId id="282" r:id="rId16"/>
+    <p:sldId id="288" r:id="rId17"/>
+    <p:sldId id="289" r:id="rId18"/>
+    <p:sldId id="292" r:id="rId19"/>
+    <p:sldId id="291" r:id="rId20"/>
+    <p:sldId id="273" r:id="rId21"/>
   </p:sldIdLst>
   <p:sldSz cx="12192000" cy="6858000"/>
   <p:notesSz cx="12192000" cy="6858000"/>
@@ -124,7 +125,7 @@
   </p:defaultTextStyle>
   <p:extLst>
     <p:ext uri="{EFAFB233-063F-42B5-8137-9DF3F51BA10A}">
-      <p15:sldGuideLst xmlns="" xmlns:p15="http://schemas.microsoft.com/office/powerpoint/2012/main">
+      <p15:sldGuideLst xmlns:p15="http://schemas.microsoft.com/office/powerpoint/2012/main" xmlns="">
         <p15:guide id="1" orient="horz" pos="2880">
           <p15:clr>
             <a:srgbClr val="A4A3A4"/>
@@ -15006,13 +15007,13 @@
           <a:p>
             <a:pPr algn="ctr"/>
             <a:r>
-              <a:rPr lang="en-GB" sz="3600" u="sng" spc="-5" dirty="0" smtClean="0">
+              <a:rPr lang="en-GB" u="sng" spc="-5" dirty="0" smtClean="0">
                 <a:latin typeface="+mn-lt"/>
               </a:rPr>
               <a:t>Classification Algorithms used for this problem</a:t>
             </a:r>
             <a:br>
-              <a:rPr lang="en-GB" sz="3600" u="sng" spc="-5" dirty="0" smtClean="0">
+              <a:rPr lang="en-GB" u="sng" spc="-5" dirty="0" smtClean="0">
                 <a:latin typeface="+mn-lt"/>
               </a:rPr>
             </a:br>
@@ -15190,6 +15191,509 @@
         </p:nvSpPr>
         <p:spPr>
           <a:xfrm>
+            <a:off x="1595406" y="0"/>
+            <a:ext cx="8986011" cy="523220"/>
+          </a:xfrm>
+        </p:spPr>
+        <p:txBody>
+          <a:bodyPr/>
+          <a:lstStyle/>
+          <a:p>
+            <a:pPr algn="ctr"/>
+            <a:r>
+              <a:rPr lang="en-GB" dirty="0" smtClean="0">
+                <a:latin typeface="+mn-lt"/>
+              </a:rPr>
+              <a:t>Predicted Test Data</a:t>
+            </a:r>
+            <a:endParaRPr lang="en-GB" dirty="0">
+              <a:latin typeface="+mn-lt"/>
+            </a:endParaRPr>
+          </a:p>
+        </p:txBody>
+      </p:sp>
+      <p:sp>
+        <p:nvSpPr>
+          <p:cNvPr id="3" name="Text Placeholder 2"/>
+          <p:cNvSpPr>
+            <a:spLocks noGrp="1"/>
+          </p:cNvSpPr>
+          <p:nvPr>
+            <p:ph type="body" idx="1"/>
+          </p:nvPr>
+        </p:nvSpPr>
+        <p:spPr>
+          <a:xfrm>
+            <a:off x="523836" y="571480"/>
+            <a:ext cx="11072890" cy="5847755"/>
+          </a:xfrm>
+        </p:spPr>
+        <p:txBody>
+          <a:bodyPr/>
+          <a:lstStyle/>
+          <a:p>
+            <a:pPr>
+              <a:buFont typeface="Wingdings" pitchFamily="2" charset="2"/>
+              <a:buChar char="v"/>
+            </a:pPr>
+            <a:r>
+              <a:rPr lang="en-GB" dirty="0" smtClean="0">
+                <a:latin typeface="+mn-lt"/>
+              </a:rPr>
+              <a:t> 	Logistic </a:t>
+            </a:r>
+            <a:r>
+              <a:rPr lang="en-GB" dirty="0" smtClean="0">
+                <a:latin typeface="+mn-lt"/>
+              </a:rPr>
+              <a:t>Regression</a:t>
+            </a:r>
+          </a:p>
+          <a:p>
+            <a:pPr>
+              <a:buFont typeface="Wingdings" pitchFamily="2" charset="2"/>
+              <a:buChar char="v"/>
+            </a:pPr>
+            <a:endParaRPr lang="en-GB" dirty="0" smtClean="0">
+              <a:latin typeface="+mn-lt"/>
+            </a:endParaRPr>
+          </a:p>
+          <a:p>
+            <a:pPr>
+              <a:buFont typeface="Wingdings" pitchFamily="2" charset="2"/>
+              <a:buChar char="v"/>
+            </a:pPr>
+            <a:endParaRPr lang="en-GB" dirty="0" smtClean="0">
+              <a:latin typeface="+mn-lt"/>
+            </a:endParaRPr>
+          </a:p>
+          <a:p>
+            <a:pPr>
+              <a:buFont typeface="Wingdings" pitchFamily="2" charset="2"/>
+              <a:buChar char="v"/>
+            </a:pPr>
+            <a:endParaRPr lang="en-GB" dirty="0" smtClean="0">
+              <a:latin typeface="+mn-lt"/>
+            </a:endParaRPr>
+          </a:p>
+          <a:p>
+            <a:pPr>
+              <a:buFont typeface="Wingdings" pitchFamily="2" charset="2"/>
+              <a:buChar char="v"/>
+            </a:pPr>
+            <a:endParaRPr lang="en-GB" dirty="0" smtClean="0">
+              <a:latin typeface="+mn-lt"/>
+            </a:endParaRPr>
+          </a:p>
+          <a:p>
+            <a:pPr>
+              <a:buFont typeface="Wingdings" pitchFamily="2" charset="2"/>
+              <a:buChar char="v"/>
+            </a:pPr>
+            <a:r>
+              <a:rPr lang="en-GB" dirty="0" smtClean="0">
+                <a:latin typeface="+mn-lt"/>
+              </a:rPr>
+              <a:t> 	Random Forest</a:t>
+            </a:r>
+          </a:p>
+          <a:p>
+            <a:pPr>
+              <a:buFont typeface="Wingdings" pitchFamily="2" charset="2"/>
+              <a:buChar char="v"/>
+            </a:pPr>
+            <a:endParaRPr lang="en-GB" dirty="0" smtClean="0">
+              <a:latin typeface="+mn-lt"/>
+            </a:endParaRPr>
+          </a:p>
+          <a:p>
+            <a:pPr>
+              <a:buFont typeface="Wingdings" pitchFamily="2" charset="2"/>
+              <a:buChar char="v"/>
+            </a:pPr>
+            <a:endParaRPr lang="en-GB" dirty="0" smtClean="0">
+              <a:latin typeface="+mn-lt"/>
+            </a:endParaRPr>
+          </a:p>
+          <a:p>
+            <a:pPr>
+              <a:buFont typeface="Wingdings" pitchFamily="2" charset="2"/>
+              <a:buChar char="v"/>
+            </a:pPr>
+            <a:endParaRPr lang="en-GB" dirty="0" smtClean="0">
+              <a:latin typeface="+mn-lt"/>
+            </a:endParaRPr>
+          </a:p>
+          <a:p>
+            <a:pPr>
+              <a:buFont typeface="Wingdings" pitchFamily="2" charset="2"/>
+              <a:buChar char="v"/>
+            </a:pPr>
+            <a:endParaRPr lang="en-GB" dirty="0" smtClean="0">
+              <a:latin typeface="+mn-lt"/>
+            </a:endParaRPr>
+          </a:p>
+          <a:p>
+            <a:pPr>
+              <a:buFont typeface="Wingdings" pitchFamily="2" charset="2"/>
+              <a:buChar char="v"/>
+            </a:pPr>
+            <a:endParaRPr lang="en-GB" dirty="0" smtClean="0">
+              <a:latin typeface="+mn-lt"/>
+            </a:endParaRPr>
+          </a:p>
+          <a:p>
+            <a:pPr>
+              <a:buFont typeface="Wingdings" pitchFamily="2" charset="2"/>
+              <a:buChar char="v"/>
+            </a:pPr>
+            <a:r>
+              <a:rPr lang="en-GB" dirty="0" smtClean="0">
+                <a:latin typeface="+mn-lt"/>
+              </a:rPr>
+              <a:t> 	SVM</a:t>
+            </a:r>
+          </a:p>
+          <a:p>
+            <a:pPr>
+              <a:buFont typeface="Wingdings" pitchFamily="2" charset="2"/>
+              <a:buChar char="v"/>
+            </a:pPr>
+            <a:endParaRPr lang="en-GB" dirty="0" smtClean="0">
+              <a:latin typeface="+mn-lt"/>
+            </a:endParaRPr>
+          </a:p>
+          <a:p>
+            <a:pPr>
+              <a:buFont typeface="Wingdings" pitchFamily="2" charset="2"/>
+              <a:buChar char="v"/>
+            </a:pPr>
+            <a:endParaRPr lang="en-GB" dirty="0" smtClean="0">
+              <a:latin typeface="+mn-lt"/>
+            </a:endParaRPr>
+          </a:p>
+          <a:p>
+            <a:pPr>
+              <a:buFont typeface="Wingdings" pitchFamily="2" charset="2"/>
+              <a:buChar char="v"/>
+            </a:pPr>
+            <a:endParaRPr lang="en-GB" dirty="0" smtClean="0">
+              <a:latin typeface="+mn-lt"/>
+            </a:endParaRPr>
+          </a:p>
+          <a:p>
+            <a:pPr>
+              <a:buFont typeface="Wingdings" pitchFamily="2" charset="2"/>
+              <a:buChar char="v"/>
+            </a:pPr>
+            <a:endParaRPr lang="en-GB" dirty="0" smtClean="0">
+              <a:latin typeface="+mn-lt"/>
+            </a:endParaRPr>
+          </a:p>
+          <a:p>
+            <a:pPr>
+              <a:buFont typeface="Wingdings" pitchFamily="2" charset="2"/>
+              <a:buChar char="v"/>
+            </a:pPr>
+            <a:endParaRPr lang="en-GB" dirty="0" smtClean="0">
+              <a:latin typeface="+mn-lt"/>
+            </a:endParaRPr>
+          </a:p>
+          <a:p>
+            <a:pPr>
+              <a:buFont typeface="Wingdings" pitchFamily="2" charset="2"/>
+              <a:buChar char="v"/>
+            </a:pPr>
+            <a:r>
+              <a:rPr lang="en-GB" dirty="0" smtClean="0">
+                <a:latin typeface="+mn-lt"/>
+              </a:rPr>
+              <a:t> 	KNN</a:t>
+            </a:r>
+          </a:p>
+          <a:p>
+            <a:endParaRPr lang="en-GB" dirty="0">
+              <a:latin typeface="+mn-lt"/>
+            </a:endParaRPr>
+          </a:p>
+        </p:txBody>
+      </p:sp>
+      <p:pic>
+        <p:nvPicPr>
+          <p:cNvPr id="1026" name="Picture 2"/>
+          <p:cNvPicPr>
+            <a:picLocks noChangeAspect="1" noChangeArrowheads="1"/>
+          </p:cNvPicPr>
+          <p:nvPr/>
+        </p:nvPicPr>
+        <p:blipFill>
+          <a:blip r:embed="rId2"/>
+          <a:srcRect/>
+          <a:stretch>
+            <a:fillRect/>
+          </a:stretch>
+        </p:blipFill>
+        <p:spPr bwMode="auto">
+          <a:xfrm>
+            <a:off x="4095736" y="642918"/>
+            <a:ext cx="4143404" cy="1428760"/>
+          </a:xfrm>
+          <a:prstGeom prst="rect">
+            <a:avLst/>
+          </a:prstGeom>
+          <a:noFill/>
+          <a:ln w="9525">
+            <a:noFill/>
+            <a:miter lim="800000"/>
+            <a:headEnd/>
+            <a:tailEnd/>
+          </a:ln>
+          <a:effectLst/>
+        </p:spPr>
+      </p:pic>
+      <p:pic>
+        <p:nvPicPr>
+          <p:cNvPr id="1027" name="Picture 3"/>
+          <p:cNvPicPr>
+            <a:picLocks noChangeAspect="1" noChangeArrowheads="1"/>
+          </p:cNvPicPr>
+          <p:nvPr/>
+        </p:nvPicPr>
+        <p:blipFill>
+          <a:blip r:embed="rId3"/>
+          <a:srcRect/>
+          <a:stretch>
+            <a:fillRect/>
+          </a:stretch>
+        </p:blipFill>
+        <p:spPr bwMode="auto">
+          <a:xfrm>
+            <a:off x="4095736" y="2071678"/>
+            <a:ext cx="4143404" cy="1428760"/>
+          </a:xfrm>
+          <a:prstGeom prst="rect">
+            <a:avLst/>
+          </a:prstGeom>
+          <a:noFill/>
+          <a:ln w="9525">
+            <a:noFill/>
+            <a:miter lim="800000"/>
+            <a:headEnd/>
+            <a:tailEnd/>
+          </a:ln>
+          <a:effectLst/>
+        </p:spPr>
+      </p:pic>
+      <p:pic>
+        <p:nvPicPr>
+          <p:cNvPr id="1028" name="Picture 4"/>
+          <p:cNvPicPr>
+            <a:picLocks noChangeAspect="1" noChangeArrowheads="1"/>
+          </p:cNvPicPr>
+          <p:nvPr/>
+        </p:nvPicPr>
+        <p:blipFill>
+          <a:blip r:embed="rId4"/>
+          <a:srcRect/>
+          <a:stretch>
+            <a:fillRect/>
+          </a:stretch>
+        </p:blipFill>
+        <p:spPr bwMode="auto">
+          <a:xfrm>
+            <a:off x="4095736" y="3571876"/>
+            <a:ext cx="4143404" cy="1638300"/>
+          </a:xfrm>
+          <a:prstGeom prst="rect">
+            <a:avLst/>
+          </a:prstGeom>
+          <a:noFill/>
+          <a:ln w="9525">
+            <a:noFill/>
+            <a:miter lim="800000"/>
+            <a:headEnd/>
+            <a:tailEnd/>
+          </a:ln>
+          <a:effectLst/>
+        </p:spPr>
+      </p:pic>
+      <p:pic>
+        <p:nvPicPr>
+          <p:cNvPr id="1029" name="Picture 5"/>
+          <p:cNvPicPr>
+            <a:picLocks noChangeAspect="1" noChangeArrowheads="1"/>
+          </p:cNvPicPr>
+          <p:nvPr/>
+        </p:nvPicPr>
+        <p:blipFill>
+          <a:blip r:embed="rId5"/>
+          <a:srcRect/>
+          <a:stretch>
+            <a:fillRect/>
+          </a:stretch>
+        </p:blipFill>
+        <p:spPr bwMode="auto">
+          <a:xfrm>
+            <a:off x="4095736" y="5286388"/>
+            <a:ext cx="4143404" cy="1571612"/>
+          </a:xfrm>
+          <a:prstGeom prst="rect">
+            <a:avLst/>
+          </a:prstGeom>
+          <a:noFill/>
+          <a:ln w="9525">
+            <a:noFill/>
+            <a:miter lim="800000"/>
+            <a:headEnd/>
+            <a:tailEnd/>
+          </a:ln>
+          <a:effectLst/>
+        </p:spPr>
+      </p:pic>
+      <p:sp>
+        <p:nvSpPr>
+          <p:cNvPr id="8" name="Rectangle 7"/>
+          <p:cNvSpPr/>
+          <p:nvPr/>
+        </p:nvSpPr>
+        <p:spPr>
+          <a:xfrm>
+            <a:off x="1143000" y="6488668"/>
+            <a:ext cx="1144737" cy="461665"/>
+          </a:xfrm>
+          <a:prstGeom prst="rect">
+            <a:avLst/>
+          </a:prstGeom>
+        </p:spPr>
+        <p:txBody>
+          <a:bodyPr wrap="none">
+            <a:spAutoFit/>
+          </a:bodyPr>
+          <a:lstStyle/>
+          <a:p>
+            <a:pPr marL="12700">
+              <a:spcBef>
+                <a:spcPts val="40"/>
+              </a:spcBef>
+            </a:pPr>
+            <a:r>
+              <a:rPr lang="en-GB" sz="1200" spc="-5" dirty="0" err="1" smtClean="0"/>
+              <a:t>Hemant</a:t>
+            </a:r>
+            <a:r>
+              <a:rPr lang="en-GB" sz="1200" spc="-5" dirty="0" smtClean="0"/>
+              <a:t> &amp; Jane</a:t>
+            </a:r>
+          </a:p>
+          <a:p>
+            <a:pPr marL="12700">
+              <a:lnSpc>
+                <a:spcPct val="100000"/>
+              </a:lnSpc>
+              <a:spcBef>
+                <a:spcPts val="40"/>
+              </a:spcBef>
+            </a:pPr>
+            <a:endParaRPr lang="en-GB" sz="1200" spc="-5" dirty="0"/>
+          </a:p>
+        </p:txBody>
+      </p:sp>
+      <p:sp>
+        <p:nvSpPr>
+          <p:cNvPr id="9" name="object 45"/>
+          <p:cNvSpPr txBox="1">
+            <a:spLocks noGrp="1"/>
+          </p:cNvSpPr>
+          <p:nvPr>
+            <p:ph type="sldNum" sz="quarter" idx="7"/>
+          </p:nvPr>
+        </p:nvSpPr>
+        <p:spPr>
+          <a:xfrm>
+            <a:off x="10367518" y="6620937"/>
+            <a:ext cx="244475" cy="204470"/>
+          </a:xfrm>
+          <a:prstGeom prst="rect">
+            <a:avLst/>
+          </a:prstGeom>
+        </p:spPr>
+        <p:txBody>
+          <a:bodyPr vert="horz" wrap="square" lIns="0" tIns="5080" rIns="0" bIns="0" rtlCol="0">
+            <a:spAutoFit/>
+          </a:bodyPr>
+          <a:lstStyle/>
+          <a:p>
+            <a:pPr marL="38100">
+              <a:lnSpc>
+                <a:spcPct val="100000"/>
+              </a:lnSpc>
+              <a:spcBef>
+                <a:spcPts val="40"/>
+              </a:spcBef>
+            </a:pPr>
+            <a:fld id="{81D60167-4931-47E6-BA6A-407CBD079E47}" type="slidenum">
+              <a:rPr spc="-5" dirty="0"/>
+              <a:pPr marL="38100">
+                <a:lnSpc>
+                  <a:spcPct val="100000"/>
+                </a:lnSpc>
+                <a:spcBef>
+                  <a:spcPts val="40"/>
+                </a:spcBef>
+              </a:pPr>
+              <a:t>11</a:t>
+            </a:fld>
+            <a:endParaRPr spc="-5" dirty="0"/>
+          </a:p>
+        </p:txBody>
+      </p:sp>
+    </p:spTree>
+  </p:cSld>
+  <p:clrMapOvr>
+    <a:masterClrMapping/>
+  </p:clrMapOvr>
+  <p:transition spd="med">
+    <p:wheel spokes="3"/>
+  </p:transition>
+  <p:timing>
+    <p:tnLst>
+      <p:par>
+        <p:cTn id="1" dur="indefinite" restart="never" nodeType="tmRoot"/>
+      </p:par>
+    </p:tnLst>
+  </p:timing>
+</p:sld>
+</file>
+
+<file path=ppt/slides/slide12.xml><?xml version="1.0" encoding="utf-8"?>
+<p:sld xmlns:a="http://schemas.openxmlformats.org/drawingml/2006/main" xmlns:r="http://schemas.openxmlformats.org/officeDocument/2006/relationships" xmlns:p="http://schemas.openxmlformats.org/presentationml/2006/main">
+  <p:cSld>
+    <p:spTree>
+      <p:nvGrpSpPr>
+        <p:cNvPr id="1" name=""/>
+        <p:cNvGrpSpPr/>
+        <p:nvPr/>
+      </p:nvGrpSpPr>
+      <p:grpSpPr>
+        <a:xfrm>
+          <a:off x="0" y="0"/>
+          <a:ext cx="0" cy="0"/>
+          <a:chOff x="0" y="0"/>
+          <a:chExt cx="0" cy="0"/>
+        </a:xfrm>
+      </p:grpSpPr>
+      <p:sp>
+        <p:nvSpPr>
+          <p:cNvPr id="2" name="Title 1"/>
+          <p:cNvSpPr>
+            <a:spLocks noGrp="1"/>
+          </p:cNvSpPr>
+          <p:nvPr>
+            <p:ph type="title"/>
+          </p:nvPr>
+        </p:nvSpPr>
+        <p:spPr>
+          <a:xfrm>
             <a:off x="1666844" y="0"/>
             <a:ext cx="8986011" cy="523220"/>
           </a:xfrm>
@@ -15198,17 +15702,12 @@
           <a:bodyPr/>
           <a:lstStyle/>
           <a:p>
+            <a:pPr algn="ctr"/>
             <a:r>
               <a:rPr lang="en-GB" u="sng" dirty="0" smtClean="0">
                 <a:latin typeface="+mn-lt"/>
               </a:rPr>
-              <a:t>Classification </a:t>
-            </a:r>
-            <a:r>
-              <a:rPr lang="en-GB" u="sng" dirty="0" smtClean="0">
-                <a:latin typeface="+mn-lt"/>
-              </a:rPr>
-              <a:t>Report</a:t>
+              <a:t>Classification Report</a:t>
             </a:r>
             <a:endParaRPr lang="en-GB" u="sng" dirty="0">
               <a:latin typeface="+mn-lt"/>
@@ -15471,7 +15970,7 @@
         <p:spPr bwMode="auto">
           <a:xfrm>
             <a:off x="1952596" y="2428868"/>
-            <a:ext cx="5357850" cy="1357322"/>
+            <a:ext cx="5286412" cy="1357322"/>
           </a:xfrm>
           <a:prstGeom prst="rect">
             <a:avLst/>
@@ -15504,7 +16003,7 @@
         <p:spPr bwMode="auto">
           <a:xfrm>
             <a:off x="1952596" y="3857628"/>
-            <a:ext cx="5429288" cy="1285884"/>
+            <a:ext cx="5286412" cy="1285884"/>
           </a:xfrm>
           <a:prstGeom prst="rect">
             <a:avLst/>
@@ -15537,7 +16036,7 @@
         <p:spPr bwMode="auto">
           <a:xfrm>
             <a:off x="1881158" y="5357826"/>
-            <a:ext cx="5500726" cy="1285884"/>
+            <a:ext cx="5429288" cy="1285884"/>
           </a:xfrm>
           <a:prstGeom prst="rect">
             <a:avLst/>
@@ -15643,7 +16142,7 @@
                   <a:spcPts val="40"/>
                 </a:spcBef>
               </a:pPr>
-              <a:t>11</a:t>
+              <a:t>12</a:t>
             </a:fld>
             <a:endParaRPr spc="-5" dirty="0"/>
           </a:p>
@@ -15667,7 +16166,7 @@
 </p:sld>
 </file>
 
-<file path=ppt/slides/slide12.xml><?xml version="1.0" encoding="utf-8"?>
+<file path=ppt/slides/slide13.xml><?xml version="1.0" encoding="utf-8"?>
 <p:sld xmlns:a="http://schemas.openxmlformats.org/drawingml/2006/main" xmlns:r="http://schemas.openxmlformats.org/officeDocument/2006/relationships" xmlns:p="http://schemas.openxmlformats.org/presentationml/2006/main" showMasterSp="0">
   <p:cSld>
     <p:spTree>
@@ -19350,8 +19849,8 @@
         </p:nvSpPr>
         <p:spPr>
           <a:xfrm>
-            <a:off x="3505200" y="692861"/>
-            <a:ext cx="5029200" cy="566822"/>
+            <a:off x="3524232" y="428604"/>
+            <a:ext cx="5029200" cy="536044"/>
           </a:xfrm>
           <a:prstGeom prst="rect">
             <a:avLst/>
@@ -19372,41 +19871,41 @@
               </a:spcBef>
             </a:pPr>
             <a:r>
-              <a:rPr lang="en-GB" sz="3600" b="0" u="sng" spc="-30" dirty="0">
+              <a:rPr lang="en-GB" u="sng" spc="-30" dirty="0">
                 <a:latin typeface="+mn-lt"/>
                 <a:cs typeface="Caladea"/>
               </a:rPr>
               <a:t>Best Model </a:t>
             </a:r>
             <a:r>
-              <a:rPr sz="3600" b="0" u="sng" spc="-30" dirty="0">
+              <a:rPr u="sng" spc="-30" dirty="0">
                 <a:latin typeface="+mn-lt"/>
                 <a:cs typeface="Caladea"/>
               </a:rPr>
               <a:t>A</a:t>
             </a:r>
             <a:r>
-              <a:rPr sz="3600" b="0" u="sng" dirty="0">
+              <a:rPr u="sng" dirty="0">
                 <a:latin typeface="+mn-lt"/>
                 <a:cs typeface="Caladea"/>
               </a:rPr>
               <a:t>ccu</a:t>
             </a:r>
             <a:r>
-              <a:rPr sz="3600" b="0" u="sng" spc="-70" dirty="0">
+              <a:rPr u="sng" spc="-70" dirty="0">
                 <a:latin typeface="+mn-lt"/>
                 <a:cs typeface="Caladea"/>
               </a:rPr>
               <a:t>r</a:t>
             </a:r>
             <a:r>
-              <a:rPr sz="3600" b="0" u="sng" spc="-5" dirty="0">
+              <a:rPr u="sng" spc="-5" dirty="0">
                 <a:latin typeface="+mn-lt"/>
                 <a:cs typeface="Caladea"/>
               </a:rPr>
               <a:t>acy</a:t>
             </a:r>
-            <a:endParaRPr sz="3600" u="sng" dirty="0">
+            <a:endParaRPr u="sng" dirty="0">
               <a:latin typeface="+mn-lt"/>
               <a:cs typeface="Caladea"/>
             </a:endParaRPr>
@@ -19452,7 +19951,7 @@
                   <a:spcPts val="40"/>
                 </a:spcBef>
               </a:pPr>
-              <a:t>12</a:t>
+              <a:t>13</a:t>
             </a:fld>
             <a:endParaRPr spc="-5" dirty="0"/>
           </a:p>
@@ -19683,7 +20182,7 @@
 </p:sld>
 </file>
 
-<file path=ppt/slides/slide13.xml><?xml version="1.0" encoding="utf-8"?>
+<file path=ppt/slides/slide14.xml><?xml version="1.0" encoding="utf-8"?>
 <p:sld xmlns:a="http://schemas.openxmlformats.org/drawingml/2006/main" xmlns:r="http://schemas.openxmlformats.org/officeDocument/2006/relationships" xmlns:p="http://schemas.openxmlformats.org/presentationml/2006/main">
   <p:cSld>
     <p:spTree>
@@ -19905,7 +20404,7 @@
           </a:bodyPr>
           <a:lstStyle/>
           <a:p>
-            <a:pPr marL="12700">
+            <a:pPr marL="12700" algn="l">
               <a:lnSpc>
                 <a:spcPct val="100000"/>
               </a:lnSpc>
@@ -19914,7 +20413,7 @@
               </a:spcBef>
             </a:pPr>
             <a:r>
-              <a:rPr sz="3600" u="sng" spc="-90">
+              <a:rPr u="sng" spc="-90">
                 <a:latin typeface="+mn-lt"/>
               </a:rPr>
               <a:t>Challenge</a:t>
@@ -20003,7 +20502,7 @@
                 <a:tabLst/>
                 <a:defRPr/>
               </a:pPr>
-              <a:t>13</a:t>
+              <a:t>14</a:t>
             </a:fld>
             <a:endParaRPr kumimoji="0" lang="en-GB" sz="1200" b="0" i="0" u="none" strike="noStrike" kern="1200" cap="none" spc="-5" normalizeH="0" baseline="0" noProof="0" dirty="0">
               <a:ln>
@@ -20152,7 +20651,7 @@
 </p:sld>
 </file>
 
-<file path=ppt/slides/slide14.xml><?xml version="1.0" encoding="utf-8"?>
+<file path=ppt/slides/slide15.xml><?xml version="1.0" encoding="utf-8"?>
 <p:sld xmlns:a="http://schemas.openxmlformats.org/drawingml/2006/main" xmlns:r="http://schemas.openxmlformats.org/officeDocument/2006/relationships" xmlns:p="http://schemas.openxmlformats.org/presentationml/2006/main">
   <p:cSld>
     <p:spTree>
@@ -20182,7 +20681,7 @@
         <p:spPr>
           <a:xfrm>
             <a:off x="1602994" y="258825"/>
-            <a:ext cx="8986011" cy="553998"/>
+            <a:ext cx="8986011" cy="523220"/>
           </a:xfrm>
         </p:spPr>
         <p:txBody>
@@ -20191,19 +20690,19 @@
           <a:p>
             <a:pPr algn="ctr"/>
             <a:r>
-              <a:rPr lang="en-GB" sz="3600" u="sng" spc="-90" dirty="0">
+              <a:rPr lang="en-GB" u="sng" spc="-90" dirty="0">
                 <a:latin typeface="+mn-lt"/>
               </a:rPr>
               <a:t>Learning</a:t>
             </a:r>
             <a:r>
-              <a:rPr lang="en-GB" sz="3600" u="sng" spc="-270" dirty="0">
+              <a:rPr lang="en-GB" u="sng" spc="-270" dirty="0">
                 <a:latin typeface="+mn-lt"/>
               </a:rPr>
               <a:t> </a:t>
             </a:r>
             <a:r>
-              <a:rPr lang="en-GB" sz="3600" u="sng" spc="-90" dirty="0">
+              <a:rPr lang="en-GB" u="sng" spc="-90" dirty="0">
                 <a:latin typeface="+mn-lt"/>
               </a:rPr>
               <a:t>Outcomes</a:t>
@@ -20286,7 +20785,7 @@
                 <a:tabLst/>
                 <a:defRPr/>
               </a:pPr>
-              <a:t>14</a:t>
+              <a:t>15</a:t>
             </a:fld>
             <a:endParaRPr kumimoji="0" lang="en-GB" sz="1200" b="0" i="0" u="none" strike="noStrike" kern="1200" cap="none" spc="-5" normalizeH="0" baseline="0" noProof="0" dirty="0">
               <a:ln>
@@ -20507,7 +21006,7 @@
 </p:sld>
 </file>
 
-<file path=ppt/slides/slide15.xml><?xml version="1.0" encoding="utf-8"?>
+<file path=ppt/slides/slide16.xml><?xml version="1.0" encoding="utf-8"?>
 <p:sld xmlns:a="http://schemas.openxmlformats.org/drawingml/2006/main" xmlns:r="http://schemas.openxmlformats.org/officeDocument/2006/relationships" xmlns:p="http://schemas.openxmlformats.org/presentationml/2006/main">
   <p:cSld>
     <p:spTree>
@@ -20529,7 +21028,7 @@
           <p:cNvPr id="2" name="Title 1">
             <a:extLst>
               <a:ext uri="{FF2B5EF4-FFF2-40B4-BE49-F238E27FC236}">
-                <a16:creationId xmlns="" xmlns:a16="http://schemas.microsoft.com/office/drawing/2014/main" id="{D78755C9-053F-4B06-AC06-F6EB00DB67DB}"/>
+                <a16:creationId xmlns:a16="http://schemas.microsoft.com/office/drawing/2014/main" xmlns="" id="{D78755C9-053F-4B06-AC06-F6EB00DB67DB}"/>
               </a:ext>
             </a:extLst>
           </p:cNvPr>
@@ -20550,6 +21049,7 @@
           <a:bodyPr/>
           <a:lstStyle/>
           <a:p>
+            <a:pPr algn="l"/>
             <a:r>
               <a:rPr lang="en-US" dirty="0">
                 <a:latin typeface="+mn-lt"/>
@@ -20564,7 +21064,7 @@
           <p:cNvPr id="3" name="Text Placeholder 2">
             <a:extLst>
               <a:ext uri="{FF2B5EF4-FFF2-40B4-BE49-F238E27FC236}">
-                <a16:creationId xmlns="" xmlns:a16="http://schemas.microsoft.com/office/drawing/2014/main" id="{2C832020-C767-4F35-BF67-222F39104691}"/>
+                <a16:creationId xmlns:a16="http://schemas.microsoft.com/office/drawing/2014/main" xmlns="" id="{2C832020-C767-4F35-BF67-222F39104691}"/>
               </a:ext>
             </a:extLst>
           </p:cNvPr>
@@ -20843,7 +21343,7 @@
                   <a:spcPts val="40"/>
                 </a:spcBef>
               </a:pPr>
-              <a:t>15</a:t>
+              <a:t>16</a:t>
             </a:fld>
             <a:endParaRPr spc="-5" dirty="0"/>
           </a:p>
@@ -20852,7 +21352,7 @@
     </p:spTree>
     <p:extLst>
       <p:ext uri="{BB962C8B-B14F-4D97-AF65-F5344CB8AC3E}">
-        <p14:creationId xmlns="" xmlns:p14="http://schemas.microsoft.com/office/powerpoint/2010/main" val="242542250"/>
+        <p14:creationId xmlns:p14="http://schemas.microsoft.com/office/powerpoint/2010/main" xmlns="" val="242542250"/>
       </p:ext>
     </p:extLst>
   </p:cSld>
@@ -20872,7 +21372,7 @@
 </p:sld>
 </file>
 
-<file path=ppt/slides/slide16.xml><?xml version="1.0" encoding="utf-8"?>
+<file path=ppt/slides/slide17.xml><?xml version="1.0" encoding="utf-8"?>
 <p:sld xmlns:a="http://schemas.openxmlformats.org/drawingml/2006/main" xmlns:r="http://schemas.openxmlformats.org/officeDocument/2006/relationships" xmlns:p="http://schemas.openxmlformats.org/presentationml/2006/main">
   <p:cSld>
     <p:spTree>
@@ -20909,6 +21409,7 @@
           <a:bodyPr/>
           <a:lstStyle/>
           <a:p>
+            <a:pPr algn="l"/>
             <a:r>
               <a:rPr lang="en-GB" u="sng" dirty="0" smtClean="0">
                 <a:latin typeface="+mn-lt"/>
@@ -21044,23 +21545,8 @@
               <a:rPr lang="en-GB" dirty="0" smtClean="0">
                 <a:latin typeface="+mn-lt"/>
               </a:rPr>
-              <a:t> 	In this project, four classification algorithms are used to find the best results </a:t>
+              <a:t> 	In this project, four classification algorithms are used to find the best results 	and Random forest has given the best accuracy of 97%</a:t>
             </a:r>
-            <a:r>
-              <a:rPr lang="en-GB" dirty="0" smtClean="0">
-                <a:latin typeface="+mn-lt"/>
-              </a:rPr>
-              <a:t>	and </a:t>
-            </a:r>
-            <a:r>
-              <a:rPr lang="en-GB" dirty="0" smtClean="0">
-                <a:latin typeface="+mn-lt"/>
-              </a:rPr>
-              <a:t>Random forest has given the best accuracy of 97%</a:t>
-            </a:r>
-            <a:endParaRPr lang="en-GB" dirty="0" smtClean="0">
-              <a:latin typeface="+mn-lt"/>
-            </a:endParaRPr>
           </a:p>
           <a:p>
             <a:pPr>
@@ -21161,7 +21647,7 @@
                   <a:spcPts val="40"/>
                 </a:spcBef>
               </a:pPr>
-              <a:t>16</a:t>
+              <a:t>17</a:t>
             </a:fld>
             <a:endParaRPr spc="-5" dirty="0"/>
           </a:p>
@@ -21174,314 +21660,6 @@
   </p:clrMapOvr>
   <p:transition spd="med">
     <p:diamond/>
-  </p:transition>
-  <p:timing>
-    <p:tnLst>
-      <p:par>
-        <p:cTn id="1" dur="indefinite" restart="never" nodeType="tmRoot"/>
-      </p:par>
-    </p:tnLst>
-  </p:timing>
-</p:sld>
-</file>
-
-<file path=ppt/slides/slide17.xml><?xml version="1.0" encoding="utf-8"?>
-<p:sld xmlns:a="http://schemas.openxmlformats.org/drawingml/2006/main" xmlns:r="http://schemas.openxmlformats.org/officeDocument/2006/relationships" xmlns:p="http://schemas.openxmlformats.org/presentationml/2006/main">
-  <p:cSld>
-    <p:spTree>
-      <p:nvGrpSpPr>
-        <p:cNvPr id="1" name=""/>
-        <p:cNvGrpSpPr/>
-        <p:nvPr/>
-      </p:nvGrpSpPr>
-      <p:grpSpPr>
-        <a:xfrm>
-          <a:off x="0" y="0"/>
-          <a:ext cx="0" cy="0"/>
-          <a:chOff x="0" y="0"/>
-          <a:chExt cx="0" cy="0"/>
-        </a:xfrm>
-      </p:grpSpPr>
-      <p:sp>
-        <p:nvSpPr>
-          <p:cNvPr id="2" name="Title 1"/>
-          <p:cNvSpPr>
-            <a:spLocks noGrp="1"/>
-          </p:cNvSpPr>
-          <p:nvPr>
-            <p:ph type="title"/>
-          </p:nvPr>
-        </p:nvSpPr>
-        <p:spPr>
-          <a:xfrm>
-            <a:off x="1602994" y="258825"/>
-            <a:ext cx="8986011" cy="523220"/>
-          </a:xfrm>
-        </p:spPr>
-        <p:txBody>
-          <a:bodyPr/>
-          <a:lstStyle/>
-          <a:p>
-            <a:r>
-              <a:rPr lang="en-GB" u="sng" dirty="0" smtClean="0">
-                <a:latin typeface="+mn-lt"/>
-              </a:rPr>
-              <a:t>Acknowledgment</a:t>
-            </a:r>
-            <a:endParaRPr lang="en-GB" u="sng" dirty="0">
-              <a:latin typeface="+mn-lt"/>
-            </a:endParaRPr>
-          </a:p>
-        </p:txBody>
-      </p:sp>
-      <p:sp>
-        <p:nvSpPr>
-          <p:cNvPr id="3" name="Text Placeholder 2"/>
-          <p:cNvSpPr>
-            <a:spLocks noGrp="1"/>
-          </p:cNvSpPr>
-          <p:nvPr>
-            <p:ph type="body" idx="1"/>
-          </p:nvPr>
-        </p:nvSpPr>
-        <p:spPr>
-          <a:xfrm>
-            <a:off x="1652524" y="1461262"/>
-            <a:ext cx="8886951" cy="2154436"/>
-          </a:xfrm>
-        </p:spPr>
-        <p:txBody>
-          <a:bodyPr/>
-          <a:lstStyle/>
-          <a:p>
-            <a:r>
-              <a:rPr lang="en-GB" dirty="0" smtClean="0">
-                <a:latin typeface="+mn-lt"/>
-              </a:rPr>
-              <a:t>We would like to thank our Project Lead Mr. </a:t>
-            </a:r>
-            <a:r>
-              <a:rPr lang="en-GB" dirty="0" err="1" smtClean="0">
-                <a:latin typeface="+mn-lt"/>
-              </a:rPr>
-              <a:t>Mohit</a:t>
-            </a:r>
-            <a:r>
-              <a:rPr lang="en-GB" dirty="0" smtClean="0">
-                <a:latin typeface="+mn-lt"/>
-              </a:rPr>
-              <a:t> </a:t>
-            </a:r>
-            <a:r>
-              <a:rPr lang="en-GB" dirty="0" err="1" smtClean="0">
-                <a:latin typeface="+mn-lt"/>
-              </a:rPr>
-              <a:t>Kashyap</a:t>
-            </a:r>
-            <a:r>
-              <a:rPr lang="en-GB" dirty="0" smtClean="0">
-                <a:latin typeface="+mn-lt"/>
-              </a:rPr>
-              <a:t> </a:t>
-            </a:r>
-            <a:r>
-              <a:rPr lang="en-GB" dirty="0" smtClean="0">
-                <a:latin typeface="+mn-lt"/>
-              </a:rPr>
-              <a:t> &amp; Mr. </a:t>
-            </a:r>
-            <a:r>
-              <a:rPr lang="en-GB" dirty="0" err="1" smtClean="0">
-                <a:latin typeface="+mn-lt"/>
-              </a:rPr>
-              <a:t>Virat</a:t>
-            </a:r>
-            <a:r>
-              <a:rPr lang="en-GB" dirty="0" smtClean="0">
-                <a:latin typeface="+mn-lt"/>
-              </a:rPr>
-              <a:t> </a:t>
-            </a:r>
-            <a:r>
-              <a:rPr lang="en-GB" dirty="0" err="1" smtClean="0">
-                <a:latin typeface="+mn-lt"/>
-              </a:rPr>
-              <a:t>Sagar</a:t>
-            </a:r>
-            <a:r>
-              <a:rPr lang="en-GB" dirty="0" smtClean="0">
-                <a:latin typeface="+mn-lt"/>
-              </a:rPr>
-              <a:t> </a:t>
-            </a:r>
-            <a:r>
-              <a:rPr lang="en-GB" dirty="0" smtClean="0">
-                <a:latin typeface="+mn-lt"/>
-              </a:rPr>
-              <a:t>for </a:t>
-            </a:r>
-            <a:r>
-              <a:rPr lang="en-GB" dirty="0" smtClean="0">
-                <a:latin typeface="+mn-lt"/>
-              </a:rPr>
-              <a:t>their </a:t>
-            </a:r>
-            <a:r>
-              <a:rPr lang="en-GB" dirty="0" smtClean="0">
-                <a:latin typeface="+mn-lt"/>
-              </a:rPr>
-              <a:t>continuous </a:t>
-            </a:r>
-            <a:r>
-              <a:rPr lang="en-GB" dirty="0" smtClean="0">
-                <a:latin typeface="+mn-lt"/>
-              </a:rPr>
-              <a:t>support and valuable suggestions throughout this work carried out by us. </a:t>
-            </a:r>
-          </a:p>
-          <a:p>
-            <a:endParaRPr lang="en-GB" dirty="0" smtClean="0">
-              <a:latin typeface="+mn-lt"/>
-            </a:endParaRPr>
-          </a:p>
-          <a:p>
-            <a:endParaRPr lang="en-GB" dirty="0" smtClean="0">
-              <a:latin typeface="+mn-lt"/>
-            </a:endParaRPr>
-          </a:p>
-          <a:p>
-            <a:r>
-              <a:rPr lang="en-GB" dirty="0" smtClean="0">
-                <a:latin typeface="+mn-lt"/>
-              </a:rPr>
-              <a:t>We would also like to thank Mr. </a:t>
-            </a:r>
-            <a:r>
-              <a:rPr lang="en-GB" dirty="0" err="1" smtClean="0">
-                <a:latin typeface="+mn-lt"/>
-              </a:rPr>
-              <a:t>Sudhanshu</a:t>
-            </a:r>
-            <a:r>
-              <a:rPr lang="en-GB" dirty="0" smtClean="0">
-                <a:latin typeface="+mn-lt"/>
-              </a:rPr>
-              <a:t> Kumar, CEO &amp; Chief AI Engineer, </a:t>
-            </a:r>
-            <a:r>
-              <a:rPr lang="en-GB" dirty="0" err="1" smtClean="0">
-                <a:latin typeface="+mn-lt"/>
-              </a:rPr>
-              <a:t>iNeuron</a:t>
-            </a:r>
-            <a:r>
-              <a:rPr lang="en-GB" dirty="0" smtClean="0">
-                <a:latin typeface="+mn-lt"/>
-              </a:rPr>
-              <a:t> Bangalore for giving us an opportunity to do an internship.</a:t>
-            </a:r>
-            <a:endParaRPr lang="en-GB" dirty="0">
-              <a:latin typeface="+mn-lt"/>
-            </a:endParaRPr>
-          </a:p>
-        </p:txBody>
-      </p:sp>
-      <p:sp>
-        <p:nvSpPr>
-          <p:cNvPr id="4" name="Rectangle 3"/>
-          <p:cNvSpPr/>
-          <p:nvPr/>
-        </p:nvSpPr>
-        <p:spPr>
-          <a:xfrm>
-            <a:off x="1447800" y="6581001"/>
-            <a:ext cx="1144737" cy="276999"/>
-          </a:xfrm>
-          <a:prstGeom prst="rect">
-            <a:avLst/>
-          </a:prstGeom>
-        </p:spPr>
-        <p:txBody>
-          <a:bodyPr wrap="none">
-            <a:spAutoFit/>
-          </a:bodyPr>
-          <a:lstStyle/>
-          <a:p>
-            <a:pPr marL="12700">
-              <a:lnSpc>
-                <a:spcPct val="100000"/>
-              </a:lnSpc>
-              <a:spcBef>
-                <a:spcPts val="40"/>
-              </a:spcBef>
-            </a:pPr>
-            <a:r>
-              <a:rPr lang="en-GB" sz="1200" spc="-5" dirty="0" err="1"/>
-              <a:t>Hemant</a:t>
-            </a:r>
-            <a:r>
-              <a:rPr lang="en-GB" sz="1200" spc="-5" dirty="0"/>
-              <a:t> &amp; Jane</a:t>
-            </a:r>
-          </a:p>
-        </p:txBody>
-      </p:sp>
-      <p:sp>
-        <p:nvSpPr>
-          <p:cNvPr id="5" name="object 45"/>
-          <p:cNvSpPr txBox="1">
-            <a:spLocks noGrp="1"/>
-          </p:cNvSpPr>
-          <p:nvPr>
-            <p:ph type="sldNum" sz="quarter" idx="7"/>
-          </p:nvPr>
-        </p:nvSpPr>
-        <p:spPr>
-          <a:xfrm>
-            <a:off x="10367518" y="6620937"/>
-            <a:ext cx="244475" cy="204470"/>
-          </a:xfrm>
-          <a:prstGeom prst="rect">
-            <a:avLst/>
-          </a:prstGeom>
-        </p:spPr>
-        <p:txBody>
-          <a:bodyPr vert="horz" wrap="square" lIns="0" tIns="5080" rIns="0" bIns="0" rtlCol="0">
-            <a:spAutoFit/>
-          </a:bodyPr>
-          <a:lstStyle/>
-          <a:p>
-            <a:pPr marL="38100">
-              <a:lnSpc>
-                <a:spcPct val="100000"/>
-              </a:lnSpc>
-              <a:spcBef>
-                <a:spcPts val="40"/>
-              </a:spcBef>
-            </a:pPr>
-            <a:fld id="{81D60167-4931-47E6-BA6A-407CBD079E47}" type="slidenum">
-              <a:rPr spc="-5" dirty="0"/>
-              <a:pPr marL="38100">
-                <a:lnSpc>
-                  <a:spcPct val="100000"/>
-                </a:lnSpc>
-                <a:spcBef>
-                  <a:spcPts val="40"/>
-                </a:spcBef>
-              </a:pPr>
-              <a:t>17</a:t>
-            </a:fld>
-            <a:endParaRPr spc="-5" dirty="0"/>
-          </a:p>
-        </p:txBody>
-      </p:sp>
-    </p:spTree>
-  </p:cSld>
-  <p:clrMapOvr>
-    <a:masterClrMapping/>
-  </p:clrMapOvr>
-  <p:transition spd="med">
-    <p:cover dir="u"/>
   </p:transition>
   <p:timing>
     <p:tnLst>
@@ -21530,6 +21708,286 @@
           <a:bodyPr/>
           <a:lstStyle/>
           <a:p>
+            <a:pPr algn="ctr"/>
+            <a:r>
+              <a:rPr lang="en-GB" u="sng" dirty="0" smtClean="0">
+                <a:latin typeface="+mn-lt"/>
+              </a:rPr>
+              <a:t>Acknowledgment</a:t>
+            </a:r>
+            <a:endParaRPr lang="en-GB" u="sng" dirty="0">
+              <a:latin typeface="+mn-lt"/>
+            </a:endParaRPr>
+          </a:p>
+        </p:txBody>
+      </p:sp>
+      <p:sp>
+        <p:nvSpPr>
+          <p:cNvPr id="3" name="Text Placeholder 2"/>
+          <p:cNvSpPr>
+            <a:spLocks noGrp="1"/>
+          </p:cNvSpPr>
+          <p:nvPr>
+            <p:ph type="body" idx="1"/>
+          </p:nvPr>
+        </p:nvSpPr>
+        <p:spPr>
+          <a:xfrm>
+            <a:off x="1652524" y="1461262"/>
+            <a:ext cx="8886951" cy="2154436"/>
+          </a:xfrm>
+        </p:spPr>
+        <p:txBody>
+          <a:bodyPr/>
+          <a:lstStyle/>
+          <a:p>
+            <a:r>
+              <a:rPr lang="en-GB" dirty="0" smtClean="0">
+                <a:latin typeface="+mn-lt"/>
+              </a:rPr>
+              <a:t>We would like to thank our Project Lead Mr. </a:t>
+            </a:r>
+            <a:r>
+              <a:rPr lang="en-GB" dirty="0" err="1" smtClean="0">
+                <a:latin typeface="+mn-lt"/>
+              </a:rPr>
+              <a:t>Mohit</a:t>
+            </a:r>
+            <a:r>
+              <a:rPr lang="en-GB" dirty="0" smtClean="0">
+                <a:latin typeface="+mn-lt"/>
+              </a:rPr>
+              <a:t> </a:t>
+            </a:r>
+            <a:r>
+              <a:rPr lang="en-GB" dirty="0" err="1" smtClean="0">
+                <a:latin typeface="+mn-lt"/>
+              </a:rPr>
+              <a:t>Kashyap</a:t>
+            </a:r>
+            <a:r>
+              <a:rPr lang="en-GB" dirty="0" smtClean="0">
+                <a:latin typeface="+mn-lt"/>
+              </a:rPr>
+              <a:t>  &amp; Mr. </a:t>
+            </a:r>
+            <a:r>
+              <a:rPr lang="en-GB" dirty="0" err="1" smtClean="0">
+                <a:latin typeface="+mn-lt"/>
+              </a:rPr>
+              <a:t>Virat</a:t>
+            </a:r>
+            <a:r>
+              <a:rPr lang="en-GB" dirty="0" smtClean="0">
+                <a:latin typeface="+mn-lt"/>
+              </a:rPr>
+              <a:t> </a:t>
+            </a:r>
+            <a:r>
+              <a:rPr lang="en-GB" dirty="0" err="1" smtClean="0">
+                <a:latin typeface="+mn-lt"/>
+              </a:rPr>
+              <a:t>Sagar</a:t>
+            </a:r>
+            <a:r>
+              <a:rPr lang="en-GB" dirty="0" smtClean="0">
+                <a:latin typeface="+mn-lt"/>
+              </a:rPr>
+              <a:t> for their continuous support and valuable suggestions throughout this work carried out by us. </a:t>
+            </a:r>
+          </a:p>
+          <a:p>
+            <a:endParaRPr lang="en-GB" dirty="0" smtClean="0">
+              <a:latin typeface="+mn-lt"/>
+            </a:endParaRPr>
+          </a:p>
+          <a:p>
+            <a:endParaRPr lang="en-GB" dirty="0" smtClean="0">
+              <a:latin typeface="+mn-lt"/>
+            </a:endParaRPr>
+          </a:p>
+          <a:p>
+            <a:r>
+              <a:rPr lang="en-GB" dirty="0" smtClean="0">
+                <a:latin typeface="+mn-lt"/>
+              </a:rPr>
+              <a:t>We would also like to thank Mr. </a:t>
+            </a:r>
+            <a:r>
+              <a:rPr lang="en-GB" dirty="0" err="1" smtClean="0">
+                <a:latin typeface="+mn-lt"/>
+              </a:rPr>
+              <a:t>Sudhanshu</a:t>
+            </a:r>
+            <a:r>
+              <a:rPr lang="en-GB" dirty="0" smtClean="0">
+                <a:latin typeface="+mn-lt"/>
+              </a:rPr>
+              <a:t> Kumar, CEO &amp; Chief AI Engineer, </a:t>
+            </a:r>
+            <a:r>
+              <a:rPr lang="en-GB" dirty="0" err="1" smtClean="0">
+                <a:latin typeface="+mn-lt"/>
+              </a:rPr>
+              <a:t>iNeuron</a:t>
+            </a:r>
+            <a:r>
+              <a:rPr lang="en-GB" dirty="0" smtClean="0">
+                <a:latin typeface="+mn-lt"/>
+              </a:rPr>
+              <a:t> Bangalore for giving us an opportunity to do an internship.</a:t>
+            </a:r>
+            <a:endParaRPr lang="en-GB" dirty="0">
+              <a:latin typeface="+mn-lt"/>
+            </a:endParaRPr>
+          </a:p>
+        </p:txBody>
+      </p:sp>
+      <p:sp>
+        <p:nvSpPr>
+          <p:cNvPr id="4" name="Rectangle 3"/>
+          <p:cNvSpPr/>
+          <p:nvPr/>
+        </p:nvSpPr>
+        <p:spPr>
+          <a:xfrm>
+            <a:off x="1447800" y="6581001"/>
+            <a:ext cx="1144737" cy="276999"/>
+          </a:xfrm>
+          <a:prstGeom prst="rect">
+            <a:avLst/>
+          </a:prstGeom>
+        </p:spPr>
+        <p:txBody>
+          <a:bodyPr wrap="none">
+            <a:spAutoFit/>
+          </a:bodyPr>
+          <a:lstStyle/>
+          <a:p>
+            <a:pPr marL="12700">
+              <a:lnSpc>
+                <a:spcPct val="100000"/>
+              </a:lnSpc>
+              <a:spcBef>
+                <a:spcPts val="40"/>
+              </a:spcBef>
+            </a:pPr>
+            <a:r>
+              <a:rPr lang="en-GB" sz="1200" spc="-5" dirty="0" err="1"/>
+              <a:t>Hemant</a:t>
+            </a:r>
+            <a:r>
+              <a:rPr lang="en-GB" sz="1200" spc="-5" dirty="0"/>
+              <a:t> &amp; Jane</a:t>
+            </a:r>
+          </a:p>
+        </p:txBody>
+      </p:sp>
+      <p:sp>
+        <p:nvSpPr>
+          <p:cNvPr id="5" name="object 45"/>
+          <p:cNvSpPr txBox="1">
+            <a:spLocks noGrp="1"/>
+          </p:cNvSpPr>
+          <p:nvPr>
+            <p:ph type="sldNum" sz="quarter" idx="7"/>
+          </p:nvPr>
+        </p:nvSpPr>
+        <p:spPr>
+          <a:xfrm>
+            <a:off x="10367518" y="6620937"/>
+            <a:ext cx="244475" cy="204470"/>
+          </a:xfrm>
+          <a:prstGeom prst="rect">
+            <a:avLst/>
+          </a:prstGeom>
+        </p:spPr>
+        <p:txBody>
+          <a:bodyPr vert="horz" wrap="square" lIns="0" tIns="5080" rIns="0" bIns="0" rtlCol="0">
+            <a:spAutoFit/>
+          </a:bodyPr>
+          <a:lstStyle/>
+          <a:p>
+            <a:pPr marL="38100">
+              <a:lnSpc>
+                <a:spcPct val="100000"/>
+              </a:lnSpc>
+              <a:spcBef>
+                <a:spcPts val="40"/>
+              </a:spcBef>
+            </a:pPr>
+            <a:fld id="{81D60167-4931-47E6-BA6A-407CBD079E47}" type="slidenum">
+              <a:rPr spc="-5" dirty="0"/>
+              <a:pPr marL="38100">
+                <a:lnSpc>
+                  <a:spcPct val="100000"/>
+                </a:lnSpc>
+                <a:spcBef>
+                  <a:spcPts val="40"/>
+                </a:spcBef>
+              </a:pPr>
+              <a:t>18</a:t>
+            </a:fld>
+            <a:endParaRPr spc="-5" dirty="0"/>
+          </a:p>
+        </p:txBody>
+      </p:sp>
+    </p:spTree>
+  </p:cSld>
+  <p:clrMapOvr>
+    <a:masterClrMapping/>
+  </p:clrMapOvr>
+  <p:transition spd="med">
+    <p:cover dir="u"/>
+  </p:transition>
+  <p:timing>
+    <p:tnLst>
+      <p:par>
+        <p:cTn id="1" dur="indefinite" restart="never" nodeType="tmRoot"/>
+      </p:par>
+    </p:tnLst>
+  </p:timing>
+</p:sld>
+</file>
+
+<file path=ppt/slides/slide19.xml><?xml version="1.0" encoding="utf-8"?>
+<p:sld xmlns:a="http://schemas.openxmlformats.org/drawingml/2006/main" xmlns:r="http://schemas.openxmlformats.org/officeDocument/2006/relationships" xmlns:p="http://schemas.openxmlformats.org/presentationml/2006/main">
+  <p:cSld>
+    <p:spTree>
+      <p:nvGrpSpPr>
+        <p:cNvPr id="1" name=""/>
+        <p:cNvGrpSpPr/>
+        <p:nvPr/>
+      </p:nvGrpSpPr>
+      <p:grpSpPr>
+        <a:xfrm>
+          <a:off x="0" y="0"/>
+          <a:ext cx="0" cy="0"/>
+          <a:chOff x="0" y="0"/>
+          <a:chExt cx="0" cy="0"/>
+        </a:xfrm>
+      </p:grpSpPr>
+      <p:sp>
+        <p:nvSpPr>
+          <p:cNvPr id="2" name="Title 1"/>
+          <p:cNvSpPr>
+            <a:spLocks noGrp="1"/>
+          </p:cNvSpPr>
+          <p:nvPr>
+            <p:ph type="title"/>
+          </p:nvPr>
+        </p:nvSpPr>
+        <p:spPr>
+          <a:xfrm>
+            <a:off x="1602994" y="258825"/>
+            <a:ext cx="8986011" cy="523220"/>
+          </a:xfrm>
+        </p:spPr>
+        <p:txBody>
+          <a:bodyPr/>
+          <a:lstStyle/>
+          <a:p>
+            <a:pPr algn="l"/>
             <a:r>
               <a:rPr lang="en-GB" u="sng" dirty="0" smtClean="0">
                 <a:latin typeface="+mn-lt"/>
@@ -21838,7 +22296,7 @@
                   <a:spcPts val="40"/>
                 </a:spcBef>
               </a:pPr>
-              <a:t>18</a:t>
+              <a:t>19</a:t>
             </a:fld>
             <a:endParaRPr spc="-5" dirty="0"/>
           </a:p>
@@ -21851,134 +22309,6 @@
   </p:clrMapOvr>
   <p:transition spd="med">
     <p:plus/>
-  </p:transition>
-  <p:timing>
-    <p:tnLst>
-      <p:par>
-        <p:cTn id="1" dur="indefinite" restart="never" nodeType="tmRoot"/>
-      </p:par>
-    </p:tnLst>
-  </p:timing>
-</p:sld>
-</file>
-
-<file path=ppt/slides/slide19.xml><?xml version="1.0" encoding="utf-8"?>
-<p:sld xmlns:a="http://schemas.openxmlformats.org/drawingml/2006/main" xmlns:r="http://schemas.openxmlformats.org/officeDocument/2006/relationships" xmlns:p="http://schemas.openxmlformats.org/presentationml/2006/main">
-  <p:cSld>
-    <p:spTree>
-      <p:nvGrpSpPr>
-        <p:cNvPr id="1" name=""/>
-        <p:cNvGrpSpPr/>
-        <p:nvPr/>
-      </p:nvGrpSpPr>
-      <p:grpSpPr>
-        <a:xfrm>
-          <a:off x="0" y="0"/>
-          <a:ext cx="0" cy="0"/>
-          <a:chOff x="0" y="0"/>
-          <a:chExt cx="0" cy="0"/>
-        </a:xfrm>
-      </p:grpSpPr>
-      <p:sp>
-        <p:nvSpPr>
-          <p:cNvPr id="4" name="object 4"/>
-          <p:cNvSpPr txBox="1">
-            <a:spLocks noGrp="1"/>
-          </p:cNvSpPr>
-          <p:nvPr>
-            <p:ph type="sldNum" sz="quarter" idx="7"/>
-          </p:nvPr>
-        </p:nvSpPr>
-        <p:spPr>
-          <a:prstGeom prst="rect">
-            <a:avLst/>
-          </a:prstGeom>
-        </p:spPr>
-        <p:txBody>
-          <a:bodyPr vert="horz" wrap="square" lIns="0" tIns="5080" rIns="0" bIns="0" rtlCol="0">
-            <a:spAutoFit/>
-          </a:bodyPr>
-          <a:lstStyle/>
-          <a:p>
-            <a:pPr marL="38100">
-              <a:lnSpc>
-                <a:spcPct val="100000"/>
-              </a:lnSpc>
-              <a:spcBef>
-                <a:spcPts val="40"/>
-              </a:spcBef>
-            </a:pPr>
-            <a:fld id="{81D60167-4931-47E6-BA6A-407CBD079E47}" type="slidenum">
-              <a:rPr spc="-5" dirty="0"/>
-              <a:pPr marL="38100">
-                <a:lnSpc>
-                  <a:spcPct val="100000"/>
-                </a:lnSpc>
-                <a:spcBef>
-                  <a:spcPts val="40"/>
-                </a:spcBef>
-              </a:pPr>
-              <a:t>19</a:t>
-            </a:fld>
-            <a:endParaRPr spc="-5" dirty="0"/>
-          </a:p>
-        </p:txBody>
-      </p:sp>
-      <p:sp>
-        <p:nvSpPr>
-          <p:cNvPr id="5" name="object 3"/>
-          <p:cNvSpPr txBox="1">
-            <a:spLocks noGrp="1"/>
-          </p:cNvSpPr>
-          <p:nvPr>
-            <p:ph type="ftr" sz="quarter" idx="5"/>
-          </p:nvPr>
-        </p:nvSpPr>
-        <p:spPr>
-          <a:xfrm>
-            <a:off x="1601469" y="6620937"/>
-            <a:ext cx="1671954" cy="189796"/>
-          </a:xfrm>
-          <a:prstGeom prst="rect">
-            <a:avLst/>
-          </a:prstGeom>
-        </p:spPr>
-        <p:txBody>
-          <a:bodyPr vert="horz" wrap="square" lIns="0" tIns="5080" rIns="0" bIns="0" rtlCol="0">
-            <a:spAutoFit/>
-          </a:bodyPr>
-          <a:lstStyle/>
-          <a:p>
-            <a:pPr marL="12700">
-              <a:lnSpc>
-                <a:spcPct val="100000"/>
-              </a:lnSpc>
-              <a:spcBef>
-                <a:spcPts val="40"/>
-              </a:spcBef>
-            </a:pPr>
-            <a:r>
-              <a:rPr lang="en-GB" spc="-5" dirty="0" err="1">
-                <a:latin typeface="+mn-lt"/>
-              </a:rPr>
-              <a:t>Hemant</a:t>
-            </a:r>
-            <a:r>
-              <a:rPr lang="en-GB" spc="-5" dirty="0">
-                <a:latin typeface="+mn-lt"/>
-              </a:rPr>
-              <a:t> &amp; Jane</a:t>
-            </a:r>
-          </a:p>
-        </p:txBody>
-      </p:sp>
-    </p:spTree>
-  </p:cSld>
-  <p:clrMapOvr>
-    <a:masterClrMapping/>
-  </p:clrMapOvr>
-  <p:transition spd="med">
-    <p:newsflash/>
   </p:transition>
   <p:timing>
     <p:tnLst>
@@ -22020,7 +22350,7 @@
         <p:spPr>
           <a:xfrm>
             <a:off x="1602994" y="258825"/>
-            <a:ext cx="8986011" cy="677108"/>
+            <a:ext cx="8986011" cy="615553"/>
           </a:xfrm>
         </p:spPr>
         <p:txBody>
@@ -22029,30 +22359,30 @@
           <a:p>
             <a:pPr algn="ctr"/>
             <a:r>
-              <a:rPr lang="en-GB" sz="4400" u="sng" spc="-20" dirty="0" smtClean="0">
+              <a:rPr lang="en-GB" sz="4000" u="sng" spc="-20" dirty="0" smtClean="0">
                 <a:latin typeface="+mn-lt"/>
               </a:rPr>
               <a:t>Breast </a:t>
             </a:r>
             <a:r>
-              <a:rPr lang="en-GB" sz="4400" u="sng" dirty="0" smtClean="0">
+              <a:rPr lang="en-GB" sz="4000" u="sng" dirty="0" smtClean="0">
                 <a:latin typeface="+mn-lt"/>
               </a:rPr>
               <a:t>Cancer</a:t>
             </a:r>
             <a:r>
-              <a:rPr lang="en-GB" sz="4400" u="sng" spc="10" dirty="0" smtClean="0">
+              <a:rPr lang="en-GB" sz="4000" u="sng" spc="10" dirty="0" smtClean="0">
                 <a:latin typeface="+mn-lt"/>
               </a:rPr>
               <a:t> </a:t>
             </a:r>
             <a:r>
-              <a:rPr lang="en-GB" sz="4400" u="sng" spc="-5" dirty="0" smtClean="0">
+              <a:rPr lang="en-GB" sz="4000" u="sng" spc="-5" dirty="0" smtClean="0">
                 <a:latin typeface="+mn-lt"/>
               </a:rPr>
               <a:t>Diagnosis</a:t>
             </a:r>
-            <a:endParaRPr lang="en-GB" sz="4400" u="sng" dirty="0">
+            <a:endParaRPr lang="en-GB" sz="4000" u="sng" dirty="0">
               <a:latin typeface="+mn-lt"/>
             </a:endParaRPr>
           </a:p>
@@ -22215,6 +22545,134 @@
   </p:clrMapOvr>
   <p:transition spd="med">
     <p:wedge/>
+  </p:transition>
+  <p:timing>
+    <p:tnLst>
+      <p:par>
+        <p:cTn id="1" dur="indefinite" restart="never" nodeType="tmRoot"/>
+      </p:par>
+    </p:tnLst>
+  </p:timing>
+</p:sld>
+</file>
+
+<file path=ppt/slides/slide20.xml><?xml version="1.0" encoding="utf-8"?>
+<p:sld xmlns:a="http://schemas.openxmlformats.org/drawingml/2006/main" xmlns:r="http://schemas.openxmlformats.org/officeDocument/2006/relationships" xmlns:p="http://schemas.openxmlformats.org/presentationml/2006/main">
+  <p:cSld>
+    <p:spTree>
+      <p:nvGrpSpPr>
+        <p:cNvPr id="1" name=""/>
+        <p:cNvGrpSpPr/>
+        <p:nvPr/>
+      </p:nvGrpSpPr>
+      <p:grpSpPr>
+        <a:xfrm>
+          <a:off x="0" y="0"/>
+          <a:ext cx="0" cy="0"/>
+          <a:chOff x="0" y="0"/>
+          <a:chExt cx="0" cy="0"/>
+        </a:xfrm>
+      </p:grpSpPr>
+      <p:sp>
+        <p:nvSpPr>
+          <p:cNvPr id="4" name="object 4"/>
+          <p:cNvSpPr txBox="1">
+            <a:spLocks noGrp="1"/>
+          </p:cNvSpPr>
+          <p:nvPr>
+            <p:ph type="sldNum" sz="quarter" idx="7"/>
+          </p:nvPr>
+        </p:nvSpPr>
+        <p:spPr>
+          <a:prstGeom prst="rect">
+            <a:avLst/>
+          </a:prstGeom>
+        </p:spPr>
+        <p:txBody>
+          <a:bodyPr vert="horz" wrap="square" lIns="0" tIns="5080" rIns="0" bIns="0" rtlCol="0">
+            <a:spAutoFit/>
+          </a:bodyPr>
+          <a:lstStyle/>
+          <a:p>
+            <a:pPr marL="38100">
+              <a:lnSpc>
+                <a:spcPct val="100000"/>
+              </a:lnSpc>
+              <a:spcBef>
+                <a:spcPts val="40"/>
+              </a:spcBef>
+            </a:pPr>
+            <a:fld id="{81D60167-4931-47E6-BA6A-407CBD079E47}" type="slidenum">
+              <a:rPr spc="-5" dirty="0"/>
+              <a:pPr marL="38100">
+                <a:lnSpc>
+                  <a:spcPct val="100000"/>
+                </a:lnSpc>
+                <a:spcBef>
+                  <a:spcPts val="40"/>
+                </a:spcBef>
+              </a:pPr>
+              <a:t>20</a:t>
+            </a:fld>
+            <a:endParaRPr spc="-5" dirty="0"/>
+          </a:p>
+        </p:txBody>
+      </p:sp>
+      <p:sp>
+        <p:nvSpPr>
+          <p:cNvPr id="5" name="object 3"/>
+          <p:cNvSpPr txBox="1">
+            <a:spLocks noGrp="1"/>
+          </p:cNvSpPr>
+          <p:nvPr>
+            <p:ph type="ftr" sz="quarter" idx="5"/>
+          </p:nvPr>
+        </p:nvSpPr>
+        <p:spPr>
+          <a:xfrm>
+            <a:off x="1601469" y="6620937"/>
+            <a:ext cx="1671954" cy="189796"/>
+          </a:xfrm>
+          <a:prstGeom prst="rect">
+            <a:avLst/>
+          </a:prstGeom>
+        </p:spPr>
+        <p:txBody>
+          <a:bodyPr vert="horz" wrap="square" lIns="0" tIns="5080" rIns="0" bIns="0" rtlCol="0">
+            <a:spAutoFit/>
+          </a:bodyPr>
+          <a:lstStyle/>
+          <a:p>
+            <a:pPr marL="12700">
+              <a:lnSpc>
+                <a:spcPct val="100000"/>
+              </a:lnSpc>
+              <a:spcBef>
+                <a:spcPts val="40"/>
+              </a:spcBef>
+            </a:pPr>
+            <a:r>
+              <a:rPr lang="en-GB" spc="-5" dirty="0" err="1">
+                <a:latin typeface="+mn-lt"/>
+              </a:rPr>
+              <a:t>Hemant</a:t>
+            </a:r>
+            <a:r>
+              <a:rPr lang="en-GB" spc="-5" dirty="0">
+                <a:latin typeface="+mn-lt"/>
+              </a:rPr>
+              <a:t> &amp; Jane</a:t>
+            </a:r>
+          </a:p>
+        </p:txBody>
+      </p:sp>
+    </p:spTree>
+  </p:cSld>
+  <p:clrMapOvr>
+    <a:masterClrMapping/>
+  </p:clrMapOvr>
+  <p:transition spd="med">
+    <p:newsflash/>
   </p:transition>
   <p:timing>
     <p:tnLst>
@@ -22365,7 +22823,7 @@
         <p:spPr>
           <a:xfrm>
             <a:off x="1602804" y="1273987"/>
-            <a:ext cx="8886951" cy="4310026"/>
+            <a:ext cx="8886951" cy="4426020"/>
           </a:xfrm>
           <a:prstGeom prst="rect">
             <a:avLst/>
@@ -22625,7 +23083,7 @@
             </a:endParaRPr>
           </a:p>
           <a:p>
-            <a:endParaRPr lang="en-GB" sz="1800" dirty="0">
+            <a:endParaRPr lang="en-GB" sz="2400" dirty="0">
               <a:latin typeface="+mn-lt"/>
               <a:ea typeface="MingLiU_HKSCS-ExtB" pitchFamily="18" charset="-120"/>
               <a:cs typeface="Myanmar Text"/>
@@ -22649,7 +23107,7 @@
                 <a:tab pos="241935" algn="l"/>
               </a:tabLst>
             </a:pPr>
-            <a:endParaRPr sz="1700" dirty="0">
+            <a:endParaRPr sz="2400" dirty="0">
               <a:latin typeface="+mn-lt"/>
             </a:endParaRPr>
           </a:p>
@@ -23097,6 +23555,7 @@
           <a:bodyPr/>
           <a:lstStyle/>
           <a:p>
+            <a:pPr algn="l"/>
             <a:r>
               <a:rPr lang="en-GB" u="sng" dirty="0">
                 <a:latin typeface="+mn-lt"/>
@@ -23267,7 +23726,7 @@
           <p:cNvPr id="3" name="Text Placeholder 2">
             <a:extLst>
               <a:ext uri="{FF2B5EF4-FFF2-40B4-BE49-F238E27FC236}">
-                <a16:creationId xmlns="" xmlns:a16="http://schemas.microsoft.com/office/drawing/2014/main" id="{D03B2B98-9CBB-42B4-97D6-2030004BE74B}"/>
+                <a16:creationId xmlns:a16="http://schemas.microsoft.com/office/drawing/2014/main" xmlns="" id="{D03B2B98-9CBB-42B4-97D6-2030004BE74B}"/>
               </a:ext>
             </a:extLst>
           </p:cNvPr>
@@ -23450,7 +23909,7 @@
           <p:cNvPr id="4" name="Title 1">
             <a:extLst>
               <a:ext uri="{FF2B5EF4-FFF2-40B4-BE49-F238E27FC236}">
-                <a16:creationId xmlns="" xmlns:a16="http://schemas.microsoft.com/office/drawing/2014/main" id="{5115E20E-D4AE-4AEF-A001-3A2C9C8BE74B}"/>
+                <a16:creationId xmlns:a16="http://schemas.microsoft.com/office/drawing/2014/main" xmlns="" id="{5115E20E-D4AE-4AEF-A001-3A2C9C8BE74B}"/>
               </a:ext>
             </a:extLst>
           </p:cNvPr>
@@ -23471,6 +23930,7 @@
           <a:bodyPr/>
           <a:lstStyle/>
           <a:p>
+            <a:pPr algn="ctr"/>
             <a:r>
               <a:rPr lang="en-GB" u="sng" dirty="0">
                 <a:latin typeface="+mn-lt"/>
@@ -23603,7 +24063,7 @@
     </p:spTree>
     <p:extLst>
       <p:ext uri="{BB962C8B-B14F-4D97-AF65-F5344CB8AC3E}">
-        <p14:creationId xmlns="" xmlns:p14="http://schemas.microsoft.com/office/powerpoint/2010/main" val="3590634898"/>
+        <p14:creationId xmlns:p14="http://schemas.microsoft.com/office/powerpoint/2010/main" xmlns="" val="3590634898"/>
       </p:ext>
     </p:extLst>
   </p:cSld>
@@ -26300,8 +26760,8 @@
         </p:nvSpPr>
         <p:spPr>
           <a:xfrm>
-            <a:off x="4343400" y="533400"/>
-            <a:ext cx="4118991" cy="1244571"/>
+            <a:off x="2309786" y="533400"/>
+            <a:ext cx="7358114" cy="536685"/>
           </a:xfrm>
           <a:prstGeom prst="rect">
             <a:avLst/>
@@ -26322,12 +26782,12 @@
               </a:spcBef>
             </a:pPr>
             <a:r>
-              <a:rPr lang="en-GB" sz="4000" b="0" u="sng" spc="-5" dirty="0">
+              <a:rPr lang="en-GB" u="sng" spc="-5" dirty="0">
                 <a:latin typeface="+mn-lt"/>
               </a:rPr>
               <a:t>Machine Learning Overview</a:t>
             </a:r>
-            <a:endParaRPr sz="4000" u="sng" dirty="0">
+            <a:endParaRPr u="sng" dirty="0">
               <a:latin typeface="+mn-lt"/>
               <a:cs typeface="Caladea"/>
             </a:endParaRPr>
@@ -26811,8 +27271,8 @@
         </p:nvSpPr>
         <p:spPr>
           <a:xfrm>
-            <a:off x="3436745" y="817829"/>
-            <a:ext cx="5586985" cy="443070"/>
+            <a:off x="2166910" y="817829"/>
+            <a:ext cx="7500989" cy="535403"/>
           </a:xfrm>
           <a:prstGeom prst="rect">
             <a:avLst/>
@@ -26824,7 +27284,7 @@
           </a:bodyPr>
           <a:lstStyle/>
           <a:p>
-            <a:pPr marL="12700">
+            <a:pPr marL="12700" algn="ctr">
               <a:lnSpc>
                 <a:spcPct val="100000"/>
               </a:lnSpc>
@@ -26833,41 +27293,41 @@
               </a:spcBef>
             </a:pPr>
             <a:r>
-              <a:rPr sz="2800" b="0" spc="-25" dirty="0">
+              <a:rPr u="sng" spc="-25" dirty="0">
                 <a:latin typeface="+mn-lt"/>
                 <a:cs typeface="Caladea"/>
               </a:rPr>
               <a:t>Why </a:t>
             </a:r>
             <a:r>
-              <a:rPr lang="en-US" sz="2800" b="0" dirty="0">
+              <a:rPr lang="en-US" u="sng" dirty="0">
                 <a:latin typeface="+mn-lt"/>
                 <a:cs typeface="Caladea"/>
               </a:rPr>
               <a:t>are we</a:t>
             </a:r>
             <a:r>
-              <a:rPr sz="2800" b="0" spc="-5" dirty="0">
+              <a:rPr u="sng" spc="-5" dirty="0">
                 <a:latin typeface="+mn-lt"/>
                 <a:cs typeface="Caladea"/>
               </a:rPr>
               <a:t> using Machine</a:t>
             </a:r>
             <a:r>
-              <a:rPr sz="2800" b="0" spc="15" dirty="0">
+              <a:rPr u="sng" spc="15" dirty="0">
                 <a:latin typeface="+mn-lt"/>
                 <a:cs typeface="Caladea"/>
               </a:rPr>
               <a:t> </a:t>
             </a:r>
             <a:r>
-              <a:rPr sz="2800" b="0" spc="-5" dirty="0">
+              <a:rPr u="sng" spc="-5" dirty="0">
                 <a:latin typeface="+mn-lt"/>
                 <a:cs typeface="Caladea"/>
               </a:rPr>
               <a:t>Learning?</a:t>
             </a:r>
-            <a:endParaRPr sz="2800" dirty="0">
+            <a:endParaRPr u="sng" dirty="0">
               <a:latin typeface="+mn-lt"/>
               <a:cs typeface="Caladea"/>
             </a:endParaRPr>
@@ -27774,7 +28234,7 @@
           <a:blip r:embed="rId2">
             <a:extLst>
               <a:ext uri="{28A0092B-C50C-407E-A947-70E740481C1C}">
-                <a14:useLocalDpi xmlns="" xmlns:wpc="http://schemas.microsoft.com/office/word/2010/wordprocessingCanvas" xmlns:cx="http://schemas.microsoft.com/office/drawing/2014/chartex" xmlns:cx1="http://schemas.microsoft.com/office/drawing/2015/9/8/chartex" xmlns:cx2="http://schemas.microsoft.com/office/drawing/2015/10/21/chartex" xmlns:cx3="http://schemas.microsoft.com/office/drawing/2016/5/9/chartex" xmlns:cx4="http://schemas.microsoft.com/office/drawing/2016/5/10/chartex" xmlns:cx5="http://schemas.microsoft.com/office/drawing/2016/5/11/chartex" xmlns:cx6="http://schemas.microsoft.com/office/drawing/2016/5/12/chartex" xmlns:cx7="http://schemas.microsoft.com/office/drawing/2016/5/13/chartex" xmlns:cx8="http://schemas.microsoft.com/office/drawing/2016/5/14/chartex" xmlns:mc="http://schemas.openxmlformats.org/markup-compatibility/2006" xmlns:aink="http://schemas.microsoft.com/office/drawing/2016/ink" xmlns:am3d="http://schemas.microsoft.com/office/drawing/2017/model3d" xmlns:o="urn:schemas-microsoft-com:office:office" xmlns:m="http://schemas.openxmlformats.org/officeDocument/2006/math" xmlns:v="urn:schemas-microsoft-com:vml" xmlns:wp14="http://schemas.microsoft.com/office/word/2010/wordprocessingDrawing" xmlns:wp="http://schemas.openxmlformats.org/drawingml/2006/wordprocessingDrawing" xmlns:w10="urn:schemas-microsoft-com:office:word" xmlns:w="http://schemas.openxmlformats.org/wordprocessingml/2006/main" xmlns:w14="http://schemas.microsoft.com/office/word/2010/wordml" xmlns:w15="http://schemas.microsoft.com/office/word/2012/wordml" xmlns:w16cid="http://schemas.microsoft.com/office/word/2016/wordml/cid" xmlns:w16se="http://schemas.microsoft.com/office/word/2015/wordml/symex" xmlns:wpg="http://schemas.microsoft.com/office/word/2010/wordprocessingGroup" xmlns:wpi="http://schemas.microsoft.com/office/word/2010/wordprocessingInk" xmlns:wne="http://schemas.microsoft.com/office/word/2006/wordml" xmlns:wps="http://schemas.microsoft.com/office/word/2010/wordprocessingShape" xmlns:a14="http://schemas.microsoft.com/office/drawing/2010/main" xmlns:pic="http://schemas.openxmlformats.org/drawingml/2006/picture" xmlns:lc="http://schemas.openxmlformats.org/drawingml/2006/lockedCanvas" val="0"/>
+                <a14:useLocalDpi xmlns:lc="http://schemas.openxmlformats.org/drawingml/2006/lockedCanvas" xmlns:pic="http://schemas.openxmlformats.org/drawingml/2006/picture" xmlns:a14="http://schemas.microsoft.com/office/drawing/2010/main" xmlns:wps="http://schemas.microsoft.com/office/word/2010/wordprocessingShape" xmlns:wne="http://schemas.microsoft.com/office/word/2006/wordml" xmlns:wpi="http://schemas.microsoft.com/office/word/2010/wordprocessingInk" xmlns:wpg="http://schemas.microsoft.com/office/word/2010/wordprocessingGroup" xmlns:w16se="http://schemas.microsoft.com/office/word/2015/wordml/symex" xmlns:w16cid="http://schemas.microsoft.com/office/word/2016/wordml/cid" xmlns:w15="http://schemas.microsoft.com/office/word/2012/wordml" xmlns:w14="http://schemas.microsoft.com/office/word/2010/wordml" xmlns:w="http://schemas.openxmlformats.org/wordprocessingml/2006/main" xmlns:w10="urn:schemas-microsoft-com:office:word" xmlns:wp="http://schemas.openxmlformats.org/drawingml/2006/wordprocessingDrawing" xmlns:wp14="http://schemas.microsoft.com/office/word/2010/wordprocessingDrawing" xmlns:v="urn:schemas-microsoft-com:vml" xmlns:m="http://schemas.openxmlformats.org/officeDocument/2006/math" xmlns:o="urn:schemas-microsoft-com:office:office" xmlns:am3d="http://schemas.microsoft.com/office/drawing/2017/model3d" xmlns:aink="http://schemas.microsoft.com/office/drawing/2016/ink" xmlns:mc="http://schemas.openxmlformats.org/markup-compatibility/2006" xmlns:cx8="http://schemas.microsoft.com/office/drawing/2016/5/14/chartex" xmlns:cx7="http://schemas.microsoft.com/office/drawing/2016/5/13/chartex" xmlns:cx6="http://schemas.microsoft.com/office/drawing/2016/5/12/chartex" xmlns:cx5="http://schemas.microsoft.com/office/drawing/2016/5/11/chartex" xmlns:cx4="http://schemas.microsoft.com/office/drawing/2016/5/10/chartex" xmlns:cx3="http://schemas.microsoft.com/office/drawing/2016/5/9/chartex" xmlns:cx2="http://schemas.microsoft.com/office/drawing/2015/10/21/chartex" xmlns:cx1="http://schemas.microsoft.com/office/drawing/2015/9/8/chartex" xmlns:cx="http://schemas.microsoft.com/office/drawing/2014/chartex" xmlns:wpc="http://schemas.microsoft.com/office/word/2010/wordprocessingCanvas" xmlns="" val="0"/>
               </a:ext>
             </a:extLst>
           </a:blip>

--- a/documents/breast_cancer_ppt.pptx
+++ b/documents/breast_cancer_ppt.pptx
@@ -15,16 +15,17 @@
     <p:sldId id="259" r:id="rId9"/>
     <p:sldId id="261" r:id="rId10"/>
     <p:sldId id="294" r:id="rId11"/>
-    <p:sldId id="296" r:id="rId12"/>
-    <p:sldId id="295" r:id="rId13"/>
-    <p:sldId id="272" r:id="rId14"/>
-    <p:sldId id="281" r:id="rId15"/>
-    <p:sldId id="282" r:id="rId16"/>
-    <p:sldId id="288" r:id="rId17"/>
-    <p:sldId id="289" r:id="rId18"/>
-    <p:sldId id="292" r:id="rId19"/>
-    <p:sldId id="291" r:id="rId20"/>
-    <p:sldId id="273" r:id="rId21"/>
+    <p:sldId id="297" r:id="rId12"/>
+    <p:sldId id="296" r:id="rId13"/>
+    <p:sldId id="295" r:id="rId14"/>
+    <p:sldId id="272" r:id="rId15"/>
+    <p:sldId id="281" r:id="rId16"/>
+    <p:sldId id="282" r:id="rId17"/>
+    <p:sldId id="288" r:id="rId18"/>
+    <p:sldId id="289" r:id="rId19"/>
+    <p:sldId id="292" r:id="rId20"/>
+    <p:sldId id="291" r:id="rId21"/>
+    <p:sldId id="273" r:id="rId22"/>
   </p:sldIdLst>
   <p:sldSz cx="12192000" cy="6858000"/>
   <p:notesSz cx="12192000" cy="6858000"/>
@@ -125,7 +126,7 @@
   </p:defaultTextStyle>
   <p:extLst>
     <p:ext uri="{EFAFB233-063F-42B5-8137-9DF3F51BA10A}">
-      <p15:sldGuideLst xmlns:p15="http://schemas.microsoft.com/office/powerpoint/2012/main" xmlns="">
+      <p15:sldGuideLst xmlns="" xmlns:p15="http://schemas.microsoft.com/office/powerpoint/2012/main">
         <p15:guide id="1" orient="horz" pos="2880">
           <p15:clr>
             <a:srgbClr val="A4A3A4"/>
@@ -15201,6 +15202,189 @@
           <a:p>
             <a:pPr algn="ctr"/>
             <a:r>
+              <a:rPr lang="en-GB" u="sng" dirty="0" smtClean="0">
+                <a:latin typeface="+mn-lt"/>
+              </a:rPr>
+              <a:t>Introduction to Random Forest Algorithm</a:t>
+            </a:r>
+            <a:endParaRPr lang="en-GB" u="sng" dirty="0">
+              <a:latin typeface="+mn-lt"/>
+            </a:endParaRPr>
+          </a:p>
+        </p:txBody>
+      </p:sp>
+      <p:sp>
+        <p:nvSpPr>
+          <p:cNvPr id="5" name="Rectangle 4"/>
+          <p:cNvSpPr/>
+          <p:nvPr/>
+        </p:nvSpPr>
+        <p:spPr>
+          <a:xfrm>
+            <a:off x="1905000" y="6581001"/>
+            <a:ext cx="1144737" cy="276999"/>
+          </a:xfrm>
+          <a:prstGeom prst="rect">
+            <a:avLst/>
+          </a:prstGeom>
+        </p:spPr>
+        <p:txBody>
+          <a:bodyPr wrap="none">
+            <a:spAutoFit/>
+          </a:bodyPr>
+          <a:lstStyle/>
+          <a:p>
+            <a:pPr marL="12700">
+              <a:lnSpc>
+                <a:spcPct val="100000"/>
+              </a:lnSpc>
+              <a:spcBef>
+                <a:spcPts val="40"/>
+              </a:spcBef>
+            </a:pPr>
+            <a:r>
+              <a:rPr lang="en-GB" sz="1200" spc="-5" dirty="0" err="1"/>
+              <a:t>Hemant</a:t>
+            </a:r>
+            <a:r>
+              <a:rPr lang="en-GB" sz="1200" spc="-5" dirty="0"/>
+              <a:t> &amp; Jane</a:t>
+            </a:r>
+          </a:p>
+        </p:txBody>
+      </p:sp>
+      <p:sp>
+        <p:nvSpPr>
+          <p:cNvPr id="7" name="object 45"/>
+          <p:cNvSpPr txBox="1">
+            <a:spLocks noGrp="1"/>
+          </p:cNvSpPr>
+          <p:nvPr>
+            <p:ph type="sldNum" sz="quarter" idx="7"/>
+          </p:nvPr>
+        </p:nvSpPr>
+        <p:spPr>
+          <a:xfrm>
+            <a:off x="10367518" y="6620937"/>
+            <a:ext cx="244475" cy="204470"/>
+          </a:xfrm>
+          <a:prstGeom prst="rect">
+            <a:avLst/>
+          </a:prstGeom>
+        </p:spPr>
+        <p:txBody>
+          <a:bodyPr vert="horz" wrap="square" lIns="0" tIns="5080" rIns="0" bIns="0" rtlCol="0">
+            <a:spAutoFit/>
+          </a:bodyPr>
+          <a:lstStyle/>
+          <a:p>
+            <a:pPr marL="38100">
+              <a:lnSpc>
+                <a:spcPct val="100000"/>
+              </a:lnSpc>
+              <a:spcBef>
+                <a:spcPts val="40"/>
+              </a:spcBef>
+            </a:pPr>
+            <a:fld id="{81D60167-4931-47E6-BA6A-407CBD079E47}" type="slidenum">
+              <a:rPr spc="-5" dirty="0"/>
+              <a:pPr marL="38100">
+                <a:lnSpc>
+                  <a:spcPct val="100000"/>
+                </a:lnSpc>
+                <a:spcBef>
+                  <a:spcPts val="40"/>
+                </a:spcBef>
+              </a:pPr>
+              <a:t>11</a:t>
+            </a:fld>
+            <a:endParaRPr spc="-5" dirty="0"/>
+          </a:p>
+        </p:txBody>
+      </p:sp>
+      <p:pic>
+        <p:nvPicPr>
+          <p:cNvPr id="1026" name="Picture 2" descr="C:\Users\jane alam\Downloads\Blank Diagram.jpeg"/>
+          <p:cNvPicPr>
+            <a:picLocks noChangeAspect="1" noChangeArrowheads="1"/>
+          </p:cNvPicPr>
+          <p:nvPr/>
+        </p:nvPicPr>
+        <p:blipFill>
+          <a:blip r:embed="rId2"/>
+          <a:srcRect/>
+          <a:stretch>
+            <a:fillRect/>
+          </a:stretch>
+        </p:blipFill>
+        <p:spPr bwMode="auto">
+          <a:xfrm>
+            <a:off x="666712" y="685800"/>
+            <a:ext cx="10801388" cy="5886472"/>
+          </a:xfrm>
+          <a:prstGeom prst="rect">
+            <a:avLst/>
+          </a:prstGeom>
+          <a:noFill/>
+        </p:spPr>
+      </p:pic>
+    </p:spTree>
+  </p:cSld>
+  <p:clrMapOvr>
+    <a:masterClrMapping/>
+  </p:clrMapOvr>
+  <p:transition spd="med">
+    <p:plus/>
+  </p:transition>
+  <p:timing>
+    <p:tnLst>
+      <p:par>
+        <p:cTn id="1" dur="indefinite" restart="never" nodeType="tmRoot"/>
+      </p:par>
+    </p:tnLst>
+  </p:timing>
+</p:sld>
+</file>
+
+<file path=ppt/slides/slide12.xml><?xml version="1.0" encoding="utf-8"?>
+<p:sld xmlns:a="http://schemas.openxmlformats.org/drawingml/2006/main" xmlns:r="http://schemas.openxmlformats.org/officeDocument/2006/relationships" xmlns:p="http://schemas.openxmlformats.org/presentationml/2006/main">
+  <p:cSld>
+    <p:spTree>
+      <p:nvGrpSpPr>
+        <p:cNvPr id="1" name=""/>
+        <p:cNvGrpSpPr/>
+        <p:nvPr/>
+      </p:nvGrpSpPr>
+      <p:grpSpPr>
+        <a:xfrm>
+          <a:off x="0" y="0"/>
+          <a:ext cx="0" cy="0"/>
+          <a:chOff x="0" y="0"/>
+          <a:chExt cx="0" cy="0"/>
+        </a:xfrm>
+      </p:grpSpPr>
+      <p:sp>
+        <p:nvSpPr>
+          <p:cNvPr id="2" name="Title 1"/>
+          <p:cNvSpPr>
+            <a:spLocks noGrp="1"/>
+          </p:cNvSpPr>
+          <p:nvPr>
+            <p:ph type="title"/>
+          </p:nvPr>
+        </p:nvSpPr>
+        <p:spPr>
+          <a:xfrm>
+            <a:off x="1595406" y="0"/>
+            <a:ext cx="8986011" cy="523220"/>
+          </a:xfrm>
+        </p:spPr>
+        <p:txBody>
+          <a:bodyPr/>
+          <a:lstStyle/>
+          <a:p>
+            <a:pPr algn="ctr"/>
+            <a:r>
               <a:rPr lang="en-GB" dirty="0" smtClean="0">
                 <a:latin typeface="+mn-lt"/>
               </a:rPr>
@@ -15240,13 +15424,7 @@
               <a:rPr lang="en-GB" dirty="0" smtClean="0">
                 <a:latin typeface="+mn-lt"/>
               </a:rPr>
-              <a:t> 	Logistic </a:t>
-            </a:r>
-            <a:r>
-              <a:rPr lang="en-GB" dirty="0" smtClean="0">
-                <a:latin typeface="+mn-lt"/>
-              </a:rPr>
-              <a:t>Regression</a:t>
+              <a:t> 	Logistic Regression</a:t>
             </a:r>
           </a:p>
           <a:p>
@@ -15641,7 +15819,7 @@
                   <a:spcPts val="40"/>
                 </a:spcBef>
               </a:pPr>
-              <a:t>11</a:t>
+              <a:t>12</a:t>
             </a:fld>
             <a:endParaRPr spc="-5" dirty="0"/>
           </a:p>
@@ -15665,7 +15843,7 @@
 </p:sld>
 </file>
 
-<file path=ppt/slides/slide12.xml><?xml version="1.0" encoding="utf-8"?>
+<file path=ppt/slides/slide13.xml><?xml version="1.0" encoding="utf-8"?>
 <p:sld xmlns:a="http://schemas.openxmlformats.org/drawingml/2006/main" xmlns:r="http://schemas.openxmlformats.org/officeDocument/2006/relationships" xmlns:p="http://schemas.openxmlformats.org/presentationml/2006/main">
   <p:cSld>
     <p:spTree>
@@ -16142,7 +16320,7 @@
                   <a:spcPts val="40"/>
                 </a:spcBef>
               </a:pPr>
-              <a:t>12</a:t>
+              <a:t>13</a:t>
             </a:fld>
             <a:endParaRPr spc="-5" dirty="0"/>
           </a:p>
@@ -16166,7 +16344,7 @@
 </p:sld>
 </file>
 
-<file path=ppt/slides/slide13.xml><?xml version="1.0" encoding="utf-8"?>
+<file path=ppt/slides/slide14.xml><?xml version="1.0" encoding="utf-8"?>
 <p:sld xmlns:a="http://schemas.openxmlformats.org/drawingml/2006/main" xmlns:r="http://schemas.openxmlformats.org/officeDocument/2006/relationships" xmlns:p="http://schemas.openxmlformats.org/presentationml/2006/main" showMasterSp="0">
   <p:cSld>
     <p:spTree>
@@ -19951,7 +20129,7 @@
                   <a:spcPts val="40"/>
                 </a:spcBef>
               </a:pPr>
-              <a:t>13</a:t>
+              <a:t>14</a:t>
             </a:fld>
             <a:endParaRPr spc="-5" dirty="0"/>
           </a:p>
@@ -20182,7 +20360,7 @@
 </p:sld>
 </file>
 
-<file path=ppt/slides/slide14.xml><?xml version="1.0" encoding="utf-8"?>
+<file path=ppt/slides/slide15.xml><?xml version="1.0" encoding="utf-8"?>
 <p:sld xmlns:a="http://schemas.openxmlformats.org/drawingml/2006/main" xmlns:r="http://schemas.openxmlformats.org/officeDocument/2006/relationships" xmlns:p="http://schemas.openxmlformats.org/presentationml/2006/main">
   <p:cSld>
     <p:spTree>
@@ -20502,7 +20680,7 @@
                 <a:tabLst/>
                 <a:defRPr/>
               </a:pPr>
-              <a:t>14</a:t>
+              <a:t>15</a:t>
             </a:fld>
             <a:endParaRPr kumimoji="0" lang="en-GB" sz="1200" b="0" i="0" u="none" strike="noStrike" kern="1200" cap="none" spc="-5" normalizeH="0" baseline="0" noProof="0" dirty="0">
               <a:ln>
@@ -20651,7 +20829,7 @@
 </p:sld>
 </file>
 
-<file path=ppt/slides/slide15.xml><?xml version="1.0" encoding="utf-8"?>
+<file path=ppt/slides/slide16.xml><?xml version="1.0" encoding="utf-8"?>
 <p:sld xmlns:a="http://schemas.openxmlformats.org/drawingml/2006/main" xmlns:r="http://schemas.openxmlformats.org/officeDocument/2006/relationships" xmlns:p="http://schemas.openxmlformats.org/presentationml/2006/main">
   <p:cSld>
     <p:spTree>
@@ -20785,7 +20963,7 @@
                 <a:tabLst/>
                 <a:defRPr/>
               </a:pPr>
-              <a:t>15</a:t>
+              <a:t>16</a:t>
             </a:fld>
             <a:endParaRPr kumimoji="0" lang="en-GB" sz="1200" b="0" i="0" u="none" strike="noStrike" kern="1200" cap="none" spc="-5" normalizeH="0" baseline="0" noProof="0" dirty="0">
               <a:ln>
@@ -21006,7 +21184,7 @@
 </p:sld>
 </file>
 
-<file path=ppt/slides/slide16.xml><?xml version="1.0" encoding="utf-8"?>
+<file path=ppt/slides/slide17.xml><?xml version="1.0" encoding="utf-8"?>
 <p:sld xmlns:a="http://schemas.openxmlformats.org/drawingml/2006/main" xmlns:r="http://schemas.openxmlformats.org/officeDocument/2006/relationships" xmlns:p="http://schemas.openxmlformats.org/presentationml/2006/main">
   <p:cSld>
     <p:spTree>
@@ -21028,7 +21206,7 @@
           <p:cNvPr id="2" name="Title 1">
             <a:extLst>
               <a:ext uri="{FF2B5EF4-FFF2-40B4-BE49-F238E27FC236}">
-                <a16:creationId xmlns:a16="http://schemas.microsoft.com/office/drawing/2014/main" xmlns="" id="{D78755C9-053F-4B06-AC06-F6EB00DB67DB}"/>
+                <a16:creationId xmlns="" xmlns:a16="http://schemas.microsoft.com/office/drawing/2014/main" id="{D78755C9-053F-4B06-AC06-F6EB00DB67DB}"/>
               </a:ext>
             </a:extLst>
           </p:cNvPr>
@@ -21064,7 +21242,7 @@
           <p:cNvPr id="3" name="Text Placeholder 2">
             <a:extLst>
               <a:ext uri="{FF2B5EF4-FFF2-40B4-BE49-F238E27FC236}">
-                <a16:creationId xmlns:a16="http://schemas.microsoft.com/office/drawing/2014/main" xmlns="" id="{2C832020-C767-4F35-BF67-222F39104691}"/>
+                <a16:creationId xmlns="" xmlns:a16="http://schemas.microsoft.com/office/drawing/2014/main" id="{2C832020-C767-4F35-BF67-222F39104691}"/>
               </a:ext>
             </a:extLst>
           </p:cNvPr>
@@ -21343,7 +21521,7 @@
                   <a:spcPts val="40"/>
                 </a:spcBef>
               </a:pPr>
-              <a:t>16</a:t>
+              <a:t>17</a:t>
             </a:fld>
             <a:endParaRPr spc="-5" dirty="0"/>
           </a:p>
@@ -21352,7 +21530,7 @@
     </p:spTree>
     <p:extLst>
       <p:ext uri="{BB962C8B-B14F-4D97-AF65-F5344CB8AC3E}">
-        <p14:creationId xmlns:p14="http://schemas.microsoft.com/office/powerpoint/2010/main" xmlns="" val="242542250"/>
+        <p14:creationId xmlns="" xmlns:p14="http://schemas.microsoft.com/office/powerpoint/2010/main" val="242542250"/>
       </p:ext>
     </p:extLst>
   </p:cSld>
@@ -21372,7 +21550,7 @@
 </p:sld>
 </file>
 
-<file path=ppt/slides/slide17.xml><?xml version="1.0" encoding="utf-8"?>
+<file path=ppt/slides/slide18.xml><?xml version="1.0" encoding="utf-8"?>
 <p:sld xmlns:a="http://schemas.openxmlformats.org/drawingml/2006/main" xmlns:r="http://schemas.openxmlformats.org/officeDocument/2006/relationships" xmlns:p="http://schemas.openxmlformats.org/presentationml/2006/main">
   <p:cSld>
     <p:spTree>
@@ -21647,7 +21825,7 @@
                   <a:spcPts val="40"/>
                 </a:spcBef>
               </a:pPr>
-              <a:t>17</a:t>
+              <a:t>18</a:t>
             </a:fld>
             <a:endParaRPr spc="-5" dirty="0"/>
           </a:p>
@@ -21671,7 +21849,7 @@
 </p:sld>
 </file>
 
-<file path=ppt/slides/slide18.xml><?xml version="1.0" encoding="utf-8"?>
+<file path=ppt/slides/slide19.xml><?xml version="1.0" encoding="utf-8"?>
 <p:sld xmlns:a="http://schemas.openxmlformats.org/drawingml/2006/main" xmlns:r="http://schemas.openxmlformats.org/officeDocument/2006/relationships" xmlns:p="http://schemas.openxmlformats.org/presentationml/2006/main">
   <p:cSld>
     <p:spTree>
@@ -21926,7 +22104,7 @@
                   <a:spcPts val="40"/>
                 </a:spcBef>
               </a:pPr>
-              <a:t>18</a:t>
+              <a:t>19</a:t>
             </a:fld>
             <a:endParaRPr spc="-5" dirty="0"/>
           </a:p>
@@ -21939,376 +22117,6 @@
   </p:clrMapOvr>
   <p:transition spd="med">
     <p:cover dir="u"/>
-  </p:transition>
-  <p:timing>
-    <p:tnLst>
-      <p:par>
-        <p:cTn id="1" dur="indefinite" restart="never" nodeType="tmRoot"/>
-      </p:par>
-    </p:tnLst>
-  </p:timing>
-</p:sld>
-</file>
-
-<file path=ppt/slides/slide19.xml><?xml version="1.0" encoding="utf-8"?>
-<p:sld xmlns:a="http://schemas.openxmlformats.org/drawingml/2006/main" xmlns:r="http://schemas.openxmlformats.org/officeDocument/2006/relationships" xmlns:p="http://schemas.openxmlformats.org/presentationml/2006/main">
-  <p:cSld>
-    <p:spTree>
-      <p:nvGrpSpPr>
-        <p:cNvPr id="1" name=""/>
-        <p:cNvGrpSpPr/>
-        <p:nvPr/>
-      </p:nvGrpSpPr>
-      <p:grpSpPr>
-        <a:xfrm>
-          <a:off x="0" y="0"/>
-          <a:ext cx="0" cy="0"/>
-          <a:chOff x="0" y="0"/>
-          <a:chExt cx="0" cy="0"/>
-        </a:xfrm>
-      </p:grpSpPr>
-      <p:sp>
-        <p:nvSpPr>
-          <p:cNvPr id="2" name="Title 1"/>
-          <p:cNvSpPr>
-            <a:spLocks noGrp="1"/>
-          </p:cNvSpPr>
-          <p:nvPr>
-            <p:ph type="title"/>
-          </p:nvPr>
-        </p:nvSpPr>
-        <p:spPr>
-          <a:xfrm>
-            <a:off x="1602994" y="258825"/>
-            <a:ext cx="8986011" cy="523220"/>
-          </a:xfrm>
-        </p:spPr>
-        <p:txBody>
-          <a:bodyPr/>
-          <a:lstStyle/>
-          <a:p>
-            <a:pPr algn="l"/>
-            <a:r>
-              <a:rPr lang="en-GB" u="sng" dirty="0" smtClean="0">
-                <a:latin typeface="+mn-lt"/>
-              </a:rPr>
-              <a:t>References</a:t>
-            </a:r>
-            <a:endParaRPr lang="en-GB" u="sng" dirty="0">
-              <a:latin typeface="+mn-lt"/>
-            </a:endParaRPr>
-          </a:p>
-        </p:txBody>
-      </p:sp>
-      <p:sp>
-        <p:nvSpPr>
-          <p:cNvPr id="3" name="Text Placeholder 2"/>
-          <p:cNvSpPr>
-            <a:spLocks noGrp="1"/>
-          </p:cNvSpPr>
-          <p:nvPr>
-            <p:ph type="body" idx="1"/>
-          </p:nvPr>
-        </p:nvSpPr>
-        <p:spPr>
-          <a:xfrm>
-            <a:off x="1652524" y="1461262"/>
-            <a:ext cx="8886951" cy="4308872"/>
-          </a:xfrm>
-        </p:spPr>
-        <p:txBody>
-          <a:bodyPr/>
-          <a:lstStyle/>
-          <a:p>
-            <a:pPr>
-              <a:buFont typeface="Wingdings" pitchFamily="2" charset="2"/>
-              <a:buChar char="v"/>
-            </a:pPr>
-            <a:r>
-              <a:rPr lang="en-GB" dirty="0" smtClean="0">
-                <a:latin typeface="+mn-lt"/>
-              </a:rPr>
-              <a:t> 	Ultrasound characterisation of breast masses, The Indian  journal of   	radiology imaging by S. </a:t>
-            </a:r>
-            <a:r>
-              <a:rPr lang="en-GB" dirty="0" err="1" smtClean="0">
-                <a:latin typeface="+mn-lt"/>
-              </a:rPr>
-              <a:t>Gokhale</a:t>
-            </a:r>
-            <a:r>
-              <a:rPr lang="en-GB" dirty="0" smtClean="0">
-                <a:latin typeface="+mn-lt"/>
-              </a:rPr>
-              <a:t>., Vol. 19, pp. 242-249, 2009.</a:t>
-            </a:r>
-          </a:p>
-          <a:p>
-            <a:r>
-              <a:rPr lang="en-GB" dirty="0" smtClean="0">
-                <a:latin typeface="+mn-lt"/>
-              </a:rPr>
-              <a:t>	K. </a:t>
-            </a:r>
-            <a:r>
-              <a:rPr lang="en-GB" dirty="0" err="1" smtClean="0">
-                <a:latin typeface="+mn-lt"/>
-              </a:rPr>
-              <a:t>Elissa</a:t>
-            </a:r>
-            <a:r>
-              <a:rPr lang="en-GB" dirty="0" smtClean="0">
-                <a:latin typeface="+mn-lt"/>
-              </a:rPr>
-              <a:t>, Title of paper if known, unpublished.</a:t>
-            </a:r>
-          </a:p>
-          <a:p>
-            <a:endParaRPr lang="en-GB" dirty="0" smtClean="0">
-              <a:latin typeface="+mn-lt"/>
-            </a:endParaRPr>
-          </a:p>
-          <a:p>
-            <a:pPr>
-              <a:buFont typeface="Wingdings" pitchFamily="2" charset="2"/>
-              <a:buChar char="v"/>
-            </a:pPr>
-            <a:r>
-              <a:rPr lang="en-GB" dirty="0" smtClean="0">
-                <a:latin typeface="+mn-lt"/>
-              </a:rPr>
-              <a:t> 	Breast Cancer Prediction Using Genetic Algorithm Based Ensemble Approach 	by </a:t>
-            </a:r>
-            <a:r>
-              <a:rPr lang="en-GB" dirty="0" err="1" smtClean="0">
-                <a:latin typeface="+mn-lt"/>
-              </a:rPr>
-              <a:t>Pragya</a:t>
-            </a:r>
-            <a:r>
-              <a:rPr lang="en-GB" dirty="0" smtClean="0">
-                <a:latin typeface="+mn-lt"/>
-              </a:rPr>
-              <a:t> </a:t>
-            </a:r>
-            <a:r>
-              <a:rPr lang="en-GB" dirty="0" err="1" smtClean="0">
-                <a:latin typeface="+mn-lt"/>
-              </a:rPr>
-              <a:t>Chauhan</a:t>
-            </a:r>
-            <a:r>
-              <a:rPr lang="en-GB" dirty="0" smtClean="0">
-                <a:latin typeface="+mn-lt"/>
-              </a:rPr>
-              <a:t> and </a:t>
-            </a:r>
-            <a:r>
-              <a:rPr lang="en-GB" dirty="0" err="1" smtClean="0">
-                <a:latin typeface="+mn-lt"/>
-              </a:rPr>
-              <a:t>Amit</a:t>
-            </a:r>
-            <a:r>
-              <a:rPr lang="en-GB" dirty="0" smtClean="0">
-                <a:latin typeface="+mn-lt"/>
-              </a:rPr>
-              <a:t> Swami, 18 October 2018</a:t>
-            </a:r>
-          </a:p>
-          <a:p>
-            <a:pPr>
-              <a:buFont typeface="Wingdings" pitchFamily="2" charset="2"/>
-              <a:buChar char="v"/>
-            </a:pPr>
-            <a:endParaRPr lang="en-GB" dirty="0" smtClean="0">
-              <a:latin typeface="+mn-lt"/>
-            </a:endParaRPr>
-          </a:p>
-          <a:p>
-            <a:pPr>
-              <a:buFont typeface="Wingdings" pitchFamily="2" charset="2"/>
-              <a:buChar char="v"/>
-            </a:pPr>
-            <a:r>
-              <a:rPr lang="en-GB" dirty="0" smtClean="0">
-                <a:latin typeface="+mn-lt"/>
-              </a:rPr>
-              <a:t> 	On Breast Cancer Detection: An Application of Machine Learning 	Algorithms on the Wisconsin Diagnostic Dataset by </a:t>
-            </a:r>
-            <a:r>
-              <a:rPr lang="en-GB" dirty="0" err="1" smtClean="0">
-                <a:latin typeface="+mn-lt"/>
-              </a:rPr>
-              <a:t>Abien</a:t>
-            </a:r>
-            <a:r>
-              <a:rPr lang="en-GB" dirty="0" smtClean="0">
-                <a:latin typeface="+mn-lt"/>
-              </a:rPr>
-              <a:t> Fred  </a:t>
-            </a:r>
-            <a:r>
-              <a:rPr lang="en-GB" dirty="0" err="1" smtClean="0">
-                <a:latin typeface="+mn-lt"/>
-              </a:rPr>
-              <a:t>M.Agarap</a:t>
-            </a:r>
-            <a:r>
-              <a:rPr lang="en-GB" dirty="0" smtClean="0">
-                <a:latin typeface="+mn-lt"/>
-              </a:rPr>
-              <a:t>, 7 	February 2019</a:t>
-            </a:r>
-          </a:p>
-          <a:p>
-            <a:pPr>
-              <a:buFont typeface="Wingdings" pitchFamily="2" charset="2"/>
-              <a:buChar char="v"/>
-            </a:pPr>
-            <a:endParaRPr lang="en-GB" dirty="0" smtClean="0">
-              <a:latin typeface="+mn-lt"/>
-            </a:endParaRPr>
-          </a:p>
-          <a:p>
-            <a:pPr>
-              <a:buFont typeface="Wingdings" pitchFamily="2" charset="2"/>
-              <a:buChar char="v"/>
-            </a:pPr>
-            <a:r>
-              <a:rPr lang="en-GB" dirty="0" smtClean="0">
-                <a:latin typeface="+mn-lt"/>
-              </a:rPr>
-              <a:t> 	Analysis of Machine Learning Techniques for Breast Cancer Prediction by 	the </a:t>
-            </a:r>
-            <a:r>
-              <a:rPr lang="en-GB" dirty="0" err="1" smtClean="0">
-                <a:latin typeface="+mn-lt"/>
-              </a:rPr>
-              <a:t>Priyanka</a:t>
-            </a:r>
-            <a:r>
-              <a:rPr lang="en-GB" dirty="0" smtClean="0">
-                <a:latin typeface="+mn-lt"/>
-              </a:rPr>
-              <a:t> Gupta and Prof. </a:t>
-            </a:r>
-            <a:r>
-              <a:rPr lang="en-GB" dirty="0" err="1" smtClean="0">
-                <a:latin typeface="+mn-lt"/>
-              </a:rPr>
-              <a:t>Shalini</a:t>
-            </a:r>
-            <a:r>
-              <a:rPr lang="en-GB" dirty="0" smtClean="0">
-                <a:latin typeface="+mn-lt"/>
-              </a:rPr>
-              <a:t> L of VIT university, Vellore, 5 May 2018.</a:t>
-            </a:r>
-          </a:p>
-          <a:p>
-            <a:endParaRPr lang="en-GB" dirty="0">
-              <a:latin typeface="+mn-lt"/>
-            </a:endParaRPr>
-          </a:p>
-        </p:txBody>
-      </p:sp>
-      <p:sp>
-        <p:nvSpPr>
-          <p:cNvPr id="4" name="Rectangle 3"/>
-          <p:cNvSpPr/>
-          <p:nvPr/>
-        </p:nvSpPr>
-        <p:spPr>
-          <a:xfrm>
-            <a:off x="1447800" y="6581001"/>
-            <a:ext cx="1144737" cy="276999"/>
-          </a:xfrm>
-          <a:prstGeom prst="rect">
-            <a:avLst/>
-          </a:prstGeom>
-        </p:spPr>
-        <p:txBody>
-          <a:bodyPr wrap="none">
-            <a:spAutoFit/>
-          </a:bodyPr>
-          <a:lstStyle/>
-          <a:p>
-            <a:pPr marL="12700">
-              <a:lnSpc>
-                <a:spcPct val="100000"/>
-              </a:lnSpc>
-              <a:spcBef>
-                <a:spcPts val="40"/>
-              </a:spcBef>
-            </a:pPr>
-            <a:r>
-              <a:rPr lang="en-GB" sz="1200" spc="-5" dirty="0" err="1"/>
-              <a:t>Hemant</a:t>
-            </a:r>
-            <a:r>
-              <a:rPr lang="en-GB" sz="1200" spc="-5" dirty="0"/>
-              <a:t> &amp; Jane</a:t>
-            </a:r>
-          </a:p>
-        </p:txBody>
-      </p:sp>
-      <p:sp>
-        <p:nvSpPr>
-          <p:cNvPr id="5" name="object 45"/>
-          <p:cNvSpPr txBox="1">
-            <a:spLocks noGrp="1"/>
-          </p:cNvSpPr>
-          <p:nvPr>
-            <p:ph type="sldNum" sz="quarter" idx="7"/>
-          </p:nvPr>
-        </p:nvSpPr>
-        <p:spPr>
-          <a:xfrm>
-            <a:off x="10367518" y="6620937"/>
-            <a:ext cx="244475" cy="204470"/>
-          </a:xfrm>
-          <a:prstGeom prst="rect">
-            <a:avLst/>
-          </a:prstGeom>
-        </p:spPr>
-        <p:txBody>
-          <a:bodyPr vert="horz" wrap="square" lIns="0" tIns="5080" rIns="0" bIns="0" rtlCol="0">
-            <a:spAutoFit/>
-          </a:bodyPr>
-          <a:lstStyle/>
-          <a:p>
-            <a:pPr marL="38100">
-              <a:lnSpc>
-                <a:spcPct val="100000"/>
-              </a:lnSpc>
-              <a:spcBef>
-                <a:spcPts val="40"/>
-              </a:spcBef>
-            </a:pPr>
-            <a:fld id="{81D60167-4931-47E6-BA6A-407CBD079E47}" type="slidenum">
-              <a:rPr spc="-5" dirty="0"/>
-              <a:pPr marL="38100">
-                <a:lnSpc>
-                  <a:spcPct val="100000"/>
-                </a:lnSpc>
-                <a:spcBef>
-                  <a:spcPts val="40"/>
-                </a:spcBef>
-              </a:pPr>
-              <a:t>19</a:t>
-            </a:fld>
-            <a:endParaRPr spc="-5" dirty="0"/>
-          </a:p>
-        </p:txBody>
-      </p:sp>
-    </p:spTree>
-  </p:cSld>
-  <p:clrMapOvr>
-    <a:masterClrMapping/>
-  </p:clrMapOvr>
-  <p:transition spd="med">
-    <p:plus/>
   </p:transition>
   <p:timing>
     <p:tnLst>
@@ -22575,7 +22383,293 @@
       </p:grpSpPr>
       <p:sp>
         <p:nvSpPr>
-          <p:cNvPr id="4" name="object 4"/>
+          <p:cNvPr id="2" name="Title 1"/>
+          <p:cNvSpPr>
+            <a:spLocks noGrp="1"/>
+          </p:cNvSpPr>
+          <p:nvPr>
+            <p:ph type="title"/>
+          </p:nvPr>
+        </p:nvSpPr>
+        <p:spPr>
+          <a:xfrm>
+            <a:off x="1602994" y="258825"/>
+            <a:ext cx="8986011" cy="523220"/>
+          </a:xfrm>
+        </p:spPr>
+        <p:txBody>
+          <a:bodyPr/>
+          <a:lstStyle/>
+          <a:p>
+            <a:pPr algn="l"/>
+            <a:r>
+              <a:rPr lang="en-GB" u="sng" dirty="0" smtClean="0">
+                <a:latin typeface="+mn-lt"/>
+              </a:rPr>
+              <a:t>References</a:t>
+            </a:r>
+            <a:endParaRPr lang="en-GB" u="sng" dirty="0">
+              <a:latin typeface="+mn-lt"/>
+            </a:endParaRPr>
+          </a:p>
+        </p:txBody>
+      </p:sp>
+      <p:sp>
+        <p:nvSpPr>
+          <p:cNvPr id="3" name="Text Placeholder 2"/>
+          <p:cNvSpPr>
+            <a:spLocks noGrp="1"/>
+          </p:cNvSpPr>
+          <p:nvPr>
+            <p:ph type="body" idx="1"/>
+          </p:nvPr>
+        </p:nvSpPr>
+        <p:spPr>
+          <a:xfrm>
+            <a:off x="1652524" y="1461262"/>
+            <a:ext cx="8886951" cy="4308872"/>
+          </a:xfrm>
+        </p:spPr>
+        <p:txBody>
+          <a:bodyPr/>
+          <a:lstStyle/>
+          <a:p>
+            <a:pPr>
+              <a:buFont typeface="Wingdings" pitchFamily="2" charset="2"/>
+              <a:buChar char="v"/>
+            </a:pPr>
+            <a:r>
+              <a:rPr lang="en-GB" dirty="0" smtClean="0">
+                <a:latin typeface="+mn-lt"/>
+              </a:rPr>
+              <a:t> 	Ultrasound characterisation of breast masses, The Indian  journal of   	radiology imaging by S. </a:t>
+            </a:r>
+            <a:r>
+              <a:rPr lang="en-GB" dirty="0" err="1" smtClean="0">
+                <a:latin typeface="+mn-lt"/>
+              </a:rPr>
+              <a:t>Gokhale</a:t>
+            </a:r>
+            <a:r>
+              <a:rPr lang="en-GB" dirty="0" smtClean="0">
+                <a:latin typeface="+mn-lt"/>
+              </a:rPr>
+              <a:t>., Vol. 19, pp. 242-249, 2009.</a:t>
+            </a:r>
+          </a:p>
+          <a:p>
+            <a:r>
+              <a:rPr lang="en-GB" dirty="0" smtClean="0">
+                <a:latin typeface="+mn-lt"/>
+              </a:rPr>
+              <a:t>	K. </a:t>
+            </a:r>
+            <a:r>
+              <a:rPr lang="en-GB" dirty="0" err="1" smtClean="0">
+                <a:latin typeface="+mn-lt"/>
+              </a:rPr>
+              <a:t>Elissa</a:t>
+            </a:r>
+            <a:r>
+              <a:rPr lang="en-GB" dirty="0" smtClean="0">
+                <a:latin typeface="+mn-lt"/>
+              </a:rPr>
+              <a:t>, Title of paper if known, unpublished.</a:t>
+            </a:r>
+          </a:p>
+          <a:p>
+            <a:endParaRPr lang="en-GB" dirty="0" smtClean="0">
+              <a:latin typeface="+mn-lt"/>
+            </a:endParaRPr>
+          </a:p>
+          <a:p>
+            <a:pPr>
+              <a:buFont typeface="Wingdings" pitchFamily="2" charset="2"/>
+              <a:buChar char="v"/>
+            </a:pPr>
+            <a:r>
+              <a:rPr lang="en-GB" dirty="0" smtClean="0">
+                <a:latin typeface="+mn-lt"/>
+              </a:rPr>
+              <a:t> 	Breast Cancer Prediction Using Genetic Algorithm Based Ensemble Approach 	by </a:t>
+            </a:r>
+            <a:r>
+              <a:rPr lang="en-GB" dirty="0" err="1" smtClean="0">
+                <a:latin typeface="+mn-lt"/>
+              </a:rPr>
+              <a:t>Pragya</a:t>
+            </a:r>
+            <a:r>
+              <a:rPr lang="en-GB" dirty="0" smtClean="0">
+                <a:latin typeface="+mn-lt"/>
+              </a:rPr>
+              <a:t> </a:t>
+            </a:r>
+            <a:r>
+              <a:rPr lang="en-GB" dirty="0" err="1" smtClean="0">
+                <a:latin typeface="+mn-lt"/>
+              </a:rPr>
+              <a:t>Chauhan</a:t>
+            </a:r>
+            <a:r>
+              <a:rPr lang="en-GB" dirty="0" smtClean="0">
+                <a:latin typeface="+mn-lt"/>
+              </a:rPr>
+              <a:t> and </a:t>
+            </a:r>
+            <a:r>
+              <a:rPr lang="en-GB" dirty="0" err="1" smtClean="0">
+                <a:latin typeface="+mn-lt"/>
+              </a:rPr>
+              <a:t>Amit</a:t>
+            </a:r>
+            <a:r>
+              <a:rPr lang="en-GB" dirty="0" smtClean="0">
+                <a:latin typeface="+mn-lt"/>
+              </a:rPr>
+              <a:t> Swami, 18 October 2018</a:t>
+            </a:r>
+          </a:p>
+          <a:p>
+            <a:pPr>
+              <a:buFont typeface="Wingdings" pitchFamily="2" charset="2"/>
+              <a:buChar char="v"/>
+            </a:pPr>
+            <a:endParaRPr lang="en-GB" dirty="0" smtClean="0">
+              <a:latin typeface="+mn-lt"/>
+            </a:endParaRPr>
+          </a:p>
+          <a:p>
+            <a:pPr>
+              <a:buFont typeface="Wingdings" pitchFamily="2" charset="2"/>
+              <a:buChar char="v"/>
+            </a:pPr>
+            <a:r>
+              <a:rPr lang="en-GB" dirty="0" smtClean="0">
+                <a:latin typeface="+mn-lt"/>
+              </a:rPr>
+              <a:t> 	On Breast Cancer Detection: An Application of Machine Learning 	Algorithms on the Wisconsin Diagnostic Dataset by </a:t>
+            </a:r>
+            <a:r>
+              <a:rPr lang="en-GB" dirty="0" err="1" smtClean="0">
+                <a:latin typeface="+mn-lt"/>
+              </a:rPr>
+              <a:t>Abien</a:t>
+            </a:r>
+            <a:r>
+              <a:rPr lang="en-GB" dirty="0" smtClean="0">
+                <a:latin typeface="+mn-lt"/>
+              </a:rPr>
+              <a:t> Fred  </a:t>
+            </a:r>
+            <a:r>
+              <a:rPr lang="en-GB" dirty="0" err="1" smtClean="0">
+                <a:latin typeface="+mn-lt"/>
+              </a:rPr>
+              <a:t>M.Agarap</a:t>
+            </a:r>
+            <a:r>
+              <a:rPr lang="en-GB" dirty="0" smtClean="0">
+                <a:latin typeface="+mn-lt"/>
+              </a:rPr>
+              <a:t>, 7 	February 2019</a:t>
+            </a:r>
+          </a:p>
+          <a:p>
+            <a:pPr>
+              <a:buFont typeface="Wingdings" pitchFamily="2" charset="2"/>
+              <a:buChar char="v"/>
+            </a:pPr>
+            <a:endParaRPr lang="en-GB" dirty="0" smtClean="0">
+              <a:latin typeface="+mn-lt"/>
+            </a:endParaRPr>
+          </a:p>
+          <a:p>
+            <a:pPr>
+              <a:buFont typeface="Wingdings" pitchFamily="2" charset="2"/>
+              <a:buChar char="v"/>
+            </a:pPr>
+            <a:r>
+              <a:rPr lang="en-GB" dirty="0" smtClean="0">
+                <a:latin typeface="+mn-lt"/>
+              </a:rPr>
+              <a:t> 	Analysis of Machine Learning Techniques for Breast Cancer Prediction by 	the </a:t>
+            </a:r>
+            <a:r>
+              <a:rPr lang="en-GB" dirty="0" err="1" smtClean="0">
+                <a:latin typeface="+mn-lt"/>
+              </a:rPr>
+              <a:t>Priyanka</a:t>
+            </a:r>
+            <a:r>
+              <a:rPr lang="en-GB" dirty="0" smtClean="0">
+                <a:latin typeface="+mn-lt"/>
+              </a:rPr>
+              <a:t> Gupta and Prof. </a:t>
+            </a:r>
+            <a:r>
+              <a:rPr lang="en-GB" dirty="0" err="1" smtClean="0">
+                <a:latin typeface="+mn-lt"/>
+              </a:rPr>
+              <a:t>Shalini</a:t>
+            </a:r>
+            <a:r>
+              <a:rPr lang="en-GB" dirty="0" smtClean="0">
+                <a:latin typeface="+mn-lt"/>
+              </a:rPr>
+              <a:t> L of VIT university, Vellore, 5 May 2018.</a:t>
+            </a:r>
+          </a:p>
+          <a:p>
+            <a:endParaRPr lang="en-GB" dirty="0">
+              <a:latin typeface="+mn-lt"/>
+            </a:endParaRPr>
+          </a:p>
+        </p:txBody>
+      </p:sp>
+      <p:sp>
+        <p:nvSpPr>
+          <p:cNvPr id="4" name="Rectangle 3"/>
+          <p:cNvSpPr/>
+          <p:nvPr/>
+        </p:nvSpPr>
+        <p:spPr>
+          <a:xfrm>
+            <a:off x="1447800" y="6581001"/>
+            <a:ext cx="1144737" cy="276999"/>
+          </a:xfrm>
+          <a:prstGeom prst="rect">
+            <a:avLst/>
+          </a:prstGeom>
+        </p:spPr>
+        <p:txBody>
+          <a:bodyPr wrap="none">
+            <a:spAutoFit/>
+          </a:bodyPr>
+          <a:lstStyle/>
+          <a:p>
+            <a:pPr marL="12700">
+              <a:lnSpc>
+                <a:spcPct val="100000"/>
+              </a:lnSpc>
+              <a:spcBef>
+                <a:spcPts val="40"/>
+              </a:spcBef>
+            </a:pPr>
+            <a:r>
+              <a:rPr lang="en-GB" sz="1200" spc="-5" dirty="0" err="1"/>
+              <a:t>Hemant</a:t>
+            </a:r>
+            <a:r>
+              <a:rPr lang="en-GB" sz="1200" spc="-5" dirty="0"/>
+              <a:t> &amp; Jane</a:t>
+            </a:r>
+          </a:p>
+        </p:txBody>
+      </p:sp>
+      <p:sp>
+        <p:nvSpPr>
+          <p:cNvPr id="5" name="object 45"/>
           <p:cNvSpPr txBox="1">
             <a:spLocks noGrp="1"/>
           </p:cNvSpPr>
@@ -22584,6 +22678,10 @@
           </p:nvPr>
         </p:nvSpPr>
         <p:spPr>
+          <a:xfrm>
+            <a:off x="10367518" y="6620937"/>
+            <a:ext cx="244475" cy="204470"/>
+          </a:xfrm>
           <a:prstGeom prst="rect">
             <a:avLst/>
           </a:prstGeom>
@@ -22613,6 +22711,86 @@
                 </a:spcBef>
               </a:pPr>
               <a:t>20</a:t>
+            </a:fld>
+            <a:endParaRPr spc="-5" dirty="0"/>
+          </a:p>
+        </p:txBody>
+      </p:sp>
+    </p:spTree>
+  </p:cSld>
+  <p:clrMapOvr>
+    <a:masterClrMapping/>
+  </p:clrMapOvr>
+  <p:transition spd="med">
+    <p:plus/>
+  </p:transition>
+  <p:timing>
+    <p:tnLst>
+      <p:par>
+        <p:cTn id="1" dur="indefinite" restart="never" nodeType="tmRoot"/>
+      </p:par>
+    </p:tnLst>
+  </p:timing>
+</p:sld>
+</file>
+
+<file path=ppt/slides/slide21.xml><?xml version="1.0" encoding="utf-8"?>
+<p:sld xmlns:a="http://schemas.openxmlformats.org/drawingml/2006/main" xmlns:r="http://schemas.openxmlformats.org/officeDocument/2006/relationships" xmlns:p="http://schemas.openxmlformats.org/presentationml/2006/main">
+  <p:cSld>
+    <p:spTree>
+      <p:nvGrpSpPr>
+        <p:cNvPr id="1" name=""/>
+        <p:cNvGrpSpPr/>
+        <p:nvPr/>
+      </p:nvGrpSpPr>
+      <p:grpSpPr>
+        <a:xfrm>
+          <a:off x="0" y="0"/>
+          <a:ext cx="0" cy="0"/>
+          <a:chOff x="0" y="0"/>
+          <a:chExt cx="0" cy="0"/>
+        </a:xfrm>
+      </p:grpSpPr>
+      <p:sp>
+        <p:nvSpPr>
+          <p:cNvPr id="4" name="object 4"/>
+          <p:cNvSpPr txBox="1">
+            <a:spLocks noGrp="1"/>
+          </p:cNvSpPr>
+          <p:nvPr>
+            <p:ph type="sldNum" sz="quarter" idx="7"/>
+          </p:nvPr>
+        </p:nvSpPr>
+        <p:spPr>
+          <a:prstGeom prst="rect">
+            <a:avLst/>
+          </a:prstGeom>
+        </p:spPr>
+        <p:txBody>
+          <a:bodyPr vert="horz" wrap="square" lIns="0" tIns="5080" rIns="0" bIns="0" rtlCol="0">
+            <a:spAutoFit/>
+          </a:bodyPr>
+          <a:lstStyle/>
+          <a:p>
+            <a:pPr marL="38100">
+              <a:lnSpc>
+                <a:spcPct val="100000"/>
+              </a:lnSpc>
+              <a:spcBef>
+                <a:spcPts val="40"/>
+              </a:spcBef>
+            </a:pPr>
+            <a:fld id="{81D60167-4931-47E6-BA6A-407CBD079E47}" type="slidenum">
+              <a:rPr spc="-5" dirty="0"/>
+              <a:pPr marL="38100">
+                <a:lnSpc>
+                  <a:spcPct val="100000"/>
+                </a:lnSpc>
+                <a:spcBef>
+                  <a:spcPts val="40"/>
+                </a:spcBef>
+              </a:pPr>
+              <a:t>21</a:t>
             </a:fld>
             <a:endParaRPr spc="-5" dirty="0"/>
           </a:p>
@@ -23726,7 +23904,7 @@
           <p:cNvPr id="3" name="Text Placeholder 2">
             <a:extLst>
               <a:ext uri="{FF2B5EF4-FFF2-40B4-BE49-F238E27FC236}">
-                <a16:creationId xmlns:a16="http://schemas.microsoft.com/office/drawing/2014/main" xmlns="" id="{D03B2B98-9CBB-42B4-97D6-2030004BE74B}"/>
+                <a16:creationId xmlns="" xmlns:a16="http://schemas.microsoft.com/office/drawing/2014/main" id="{D03B2B98-9CBB-42B4-97D6-2030004BE74B}"/>
               </a:ext>
             </a:extLst>
           </p:cNvPr>
@@ -23909,7 +24087,7 @@
           <p:cNvPr id="4" name="Title 1">
             <a:extLst>
               <a:ext uri="{FF2B5EF4-FFF2-40B4-BE49-F238E27FC236}">
-                <a16:creationId xmlns:a16="http://schemas.microsoft.com/office/drawing/2014/main" xmlns="" id="{5115E20E-D4AE-4AEF-A001-3A2C9C8BE74B}"/>
+                <a16:creationId xmlns="" xmlns:a16="http://schemas.microsoft.com/office/drawing/2014/main" id="{5115E20E-D4AE-4AEF-A001-3A2C9C8BE74B}"/>
               </a:ext>
             </a:extLst>
           </p:cNvPr>
@@ -24063,7 +24241,7 @@
     </p:spTree>
     <p:extLst>
       <p:ext uri="{BB962C8B-B14F-4D97-AF65-F5344CB8AC3E}">
-        <p14:creationId xmlns:p14="http://schemas.microsoft.com/office/powerpoint/2010/main" xmlns="" val="3590634898"/>
+        <p14:creationId xmlns="" xmlns:p14="http://schemas.microsoft.com/office/powerpoint/2010/main" val="3590634898"/>
       </p:ext>
     </p:extLst>
   </p:cSld>
@@ -28234,7 +28412,7 @@
           <a:blip r:embed="rId2">
             <a:extLst>
               <a:ext uri="{28A0092B-C50C-407E-A947-70E740481C1C}">
-                <a14:useLocalDpi xmlns:lc="http://schemas.openxmlformats.org/drawingml/2006/lockedCanvas" xmlns:pic="http://schemas.openxmlformats.org/drawingml/2006/picture" xmlns:a14="http://schemas.microsoft.com/office/drawing/2010/main" xmlns:wps="http://schemas.microsoft.com/office/word/2010/wordprocessingShape" xmlns:wne="http://schemas.microsoft.com/office/word/2006/wordml" xmlns:wpi="http://schemas.microsoft.com/office/word/2010/wordprocessingInk" xmlns:wpg="http://schemas.microsoft.com/office/word/2010/wordprocessingGroup" xmlns:w16se="http://schemas.microsoft.com/office/word/2015/wordml/symex" xmlns:w16cid="http://schemas.microsoft.com/office/word/2016/wordml/cid" xmlns:w15="http://schemas.microsoft.com/office/word/2012/wordml" xmlns:w14="http://schemas.microsoft.com/office/word/2010/wordml" xmlns:w="http://schemas.openxmlformats.org/wordprocessingml/2006/main" xmlns:w10="urn:schemas-microsoft-com:office:word" xmlns:wp="http://schemas.openxmlformats.org/drawingml/2006/wordprocessingDrawing" xmlns:wp14="http://schemas.microsoft.com/office/word/2010/wordprocessingDrawing" xmlns:v="urn:schemas-microsoft-com:vml" xmlns:m="http://schemas.openxmlformats.org/officeDocument/2006/math" xmlns:o="urn:schemas-microsoft-com:office:office" xmlns:am3d="http://schemas.microsoft.com/office/drawing/2017/model3d" xmlns:aink="http://schemas.microsoft.com/office/drawing/2016/ink" xmlns:mc="http://schemas.openxmlformats.org/markup-compatibility/2006" xmlns:cx8="http://schemas.microsoft.com/office/drawing/2016/5/14/chartex" xmlns:cx7="http://schemas.microsoft.com/office/drawing/2016/5/13/chartex" xmlns:cx6="http://schemas.microsoft.com/office/drawing/2016/5/12/chartex" xmlns:cx5="http://schemas.microsoft.com/office/drawing/2016/5/11/chartex" xmlns:cx4="http://schemas.microsoft.com/office/drawing/2016/5/10/chartex" xmlns:cx3="http://schemas.microsoft.com/office/drawing/2016/5/9/chartex" xmlns:cx2="http://schemas.microsoft.com/office/drawing/2015/10/21/chartex" xmlns:cx1="http://schemas.microsoft.com/office/drawing/2015/9/8/chartex" xmlns:cx="http://schemas.microsoft.com/office/drawing/2014/chartex" xmlns:wpc="http://schemas.microsoft.com/office/word/2010/wordprocessingCanvas" xmlns="" val="0"/>
+                <a14:useLocalDpi xmlns="" xmlns:wpc="http://schemas.microsoft.com/office/word/2010/wordprocessingCanvas" xmlns:cx="http://schemas.microsoft.com/office/drawing/2014/chartex" xmlns:cx1="http://schemas.microsoft.com/office/drawing/2015/9/8/chartex" xmlns:cx2="http://schemas.microsoft.com/office/drawing/2015/10/21/chartex" xmlns:cx3="http://schemas.microsoft.com/office/drawing/2016/5/9/chartex" xmlns:cx4="http://schemas.microsoft.com/office/drawing/2016/5/10/chartex" xmlns:cx5="http://schemas.microsoft.com/office/drawing/2016/5/11/chartex" xmlns:cx6="http://schemas.microsoft.com/office/drawing/2016/5/12/chartex" xmlns:cx7="http://schemas.microsoft.com/office/drawing/2016/5/13/chartex" xmlns:cx8="http://schemas.microsoft.com/office/drawing/2016/5/14/chartex" xmlns:mc="http://schemas.openxmlformats.org/markup-compatibility/2006" xmlns:aink="http://schemas.microsoft.com/office/drawing/2016/ink" xmlns:am3d="http://schemas.microsoft.com/office/drawing/2017/model3d" xmlns:o="urn:schemas-microsoft-com:office:office" xmlns:m="http://schemas.openxmlformats.org/officeDocument/2006/math" xmlns:v="urn:schemas-microsoft-com:vml" xmlns:wp14="http://schemas.microsoft.com/office/word/2010/wordprocessingDrawing" xmlns:wp="http://schemas.openxmlformats.org/drawingml/2006/wordprocessingDrawing" xmlns:w10="urn:schemas-microsoft-com:office:word" xmlns:w="http://schemas.openxmlformats.org/wordprocessingml/2006/main" xmlns:w14="http://schemas.microsoft.com/office/word/2010/wordml" xmlns:w15="http://schemas.microsoft.com/office/word/2012/wordml" xmlns:w16cid="http://schemas.microsoft.com/office/word/2016/wordml/cid" xmlns:w16se="http://schemas.microsoft.com/office/word/2015/wordml/symex" xmlns:wpg="http://schemas.microsoft.com/office/word/2010/wordprocessingGroup" xmlns:wpi="http://schemas.microsoft.com/office/word/2010/wordprocessingInk" xmlns:wne="http://schemas.microsoft.com/office/word/2006/wordml" xmlns:wps="http://schemas.microsoft.com/office/word/2010/wordprocessingShape" xmlns:a14="http://schemas.microsoft.com/office/drawing/2010/main" xmlns:pic="http://schemas.openxmlformats.org/drawingml/2006/picture" xmlns:lc="http://schemas.openxmlformats.org/drawingml/2006/lockedCanvas" val="0"/>
               </a:ext>
             </a:extLst>
           </a:blip>

--- a/documents/breast_cancer_ppt.pptx
+++ b/documents/breast_cancer_ppt.pptx
@@ -15,17 +15,16 @@
     <p:sldId id="259" r:id="rId9"/>
     <p:sldId id="261" r:id="rId10"/>
     <p:sldId id="294" r:id="rId11"/>
-    <p:sldId id="297" r:id="rId12"/>
-    <p:sldId id="296" r:id="rId13"/>
-    <p:sldId id="295" r:id="rId14"/>
-    <p:sldId id="272" r:id="rId15"/>
-    <p:sldId id="281" r:id="rId16"/>
-    <p:sldId id="282" r:id="rId17"/>
-    <p:sldId id="288" r:id="rId18"/>
-    <p:sldId id="289" r:id="rId19"/>
-    <p:sldId id="292" r:id="rId20"/>
-    <p:sldId id="291" r:id="rId21"/>
-    <p:sldId id="273" r:id="rId22"/>
+    <p:sldId id="295" r:id="rId12"/>
+    <p:sldId id="272" r:id="rId13"/>
+    <p:sldId id="297" r:id="rId14"/>
+    <p:sldId id="281" r:id="rId15"/>
+    <p:sldId id="282" r:id="rId16"/>
+    <p:sldId id="288" r:id="rId17"/>
+    <p:sldId id="289" r:id="rId18"/>
+    <p:sldId id="292" r:id="rId19"/>
+    <p:sldId id="291" r:id="rId20"/>
+    <p:sldId id="273" r:id="rId21"/>
   </p:sldIdLst>
   <p:sldSz cx="12192000" cy="6858000"/>
   <p:notesSz cx="12192000" cy="6858000"/>
@@ -126,7 +125,7 @@
   </p:defaultTextStyle>
   <p:extLst>
     <p:ext uri="{EFAFB233-063F-42B5-8137-9DF3F51BA10A}">
-      <p15:sldGuideLst xmlns="" xmlns:p15="http://schemas.microsoft.com/office/powerpoint/2012/main">
+      <p15:sldGuideLst xmlns:p15="http://schemas.microsoft.com/office/powerpoint/2012/main" xmlns="">
         <p15:guide id="1" orient="horz" pos="2880">
           <p15:clr>
             <a:srgbClr val="A4A3A4"/>
@@ -15192,686 +15191,6 @@
         </p:nvSpPr>
         <p:spPr>
           <a:xfrm>
-            <a:off x="1595406" y="0"/>
-            <a:ext cx="8986011" cy="523220"/>
-          </a:xfrm>
-        </p:spPr>
-        <p:txBody>
-          <a:bodyPr/>
-          <a:lstStyle/>
-          <a:p>
-            <a:pPr algn="ctr"/>
-            <a:r>
-              <a:rPr lang="en-GB" u="sng" dirty="0" smtClean="0">
-                <a:latin typeface="+mn-lt"/>
-              </a:rPr>
-              <a:t>Introduction to Random Forest Algorithm</a:t>
-            </a:r>
-            <a:endParaRPr lang="en-GB" u="sng" dirty="0">
-              <a:latin typeface="+mn-lt"/>
-            </a:endParaRPr>
-          </a:p>
-        </p:txBody>
-      </p:sp>
-      <p:sp>
-        <p:nvSpPr>
-          <p:cNvPr id="5" name="Rectangle 4"/>
-          <p:cNvSpPr/>
-          <p:nvPr/>
-        </p:nvSpPr>
-        <p:spPr>
-          <a:xfrm>
-            <a:off x="1905000" y="6581001"/>
-            <a:ext cx="1144737" cy="276999"/>
-          </a:xfrm>
-          <a:prstGeom prst="rect">
-            <a:avLst/>
-          </a:prstGeom>
-        </p:spPr>
-        <p:txBody>
-          <a:bodyPr wrap="none">
-            <a:spAutoFit/>
-          </a:bodyPr>
-          <a:lstStyle/>
-          <a:p>
-            <a:pPr marL="12700">
-              <a:lnSpc>
-                <a:spcPct val="100000"/>
-              </a:lnSpc>
-              <a:spcBef>
-                <a:spcPts val="40"/>
-              </a:spcBef>
-            </a:pPr>
-            <a:r>
-              <a:rPr lang="en-GB" sz="1200" spc="-5" dirty="0" err="1"/>
-              <a:t>Hemant</a:t>
-            </a:r>
-            <a:r>
-              <a:rPr lang="en-GB" sz="1200" spc="-5" dirty="0"/>
-              <a:t> &amp; Jane</a:t>
-            </a:r>
-          </a:p>
-        </p:txBody>
-      </p:sp>
-      <p:sp>
-        <p:nvSpPr>
-          <p:cNvPr id="7" name="object 45"/>
-          <p:cNvSpPr txBox="1">
-            <a:spLocks noGrp="1"/>
-          </p:cNvSpPr>
-          <p:nvPr>
-            <p:ph type="sldNum" sz="quarter" idx="7"/>
-          </p:nvPr>
-        </p:nvSpPr>
-        <p:spPr>
-          <a:xfrm>
-            <a:off x="10367518" y="6620937"/>
-            <a:ext cx="244475" cy="204470"/>
-          </a:xfrm>
-          <a:prstGeom prst="rect">
-            <a:avLst/>
-          </a:prstGeom>
-        </p:spPr>
-        <p:txBody>
-          <a:bodyPr vert="horz" wrap="square" lIns="0" tIns="5080" rIns="0" bIns="0" rtlCol="0">
-            <a:spAutoFit/>
-          </a:bodyPr>
-          <a:lstStyle/>
-          <a:p>
-            <a:pPr marL="38100">
-              <a:lnSpc>
-                <a:spcPct val="100000"/>
-              </a:lnSpc>
-              <a:spcBef>
-                <a:spcPts val="40"/>
-              </a:spcBef>
-            </a:pPr>
-            <a:fld id="{81D60167-4931-47E6-BA6A-407CBD079E47}" type="slidenum">
-              <a:rPr spc="-5" dirty="0"/>
-              <a:pPr marL="38100">
-                <a:lnSpc>
-                  <a:spcPct val="100000"/>
-                </a:lnSpc>
-                <a:spcBef>
-                  <a:spcPts val="40"/>
-                </a:spcBef>
-              </a:pPr>
-              <a:t>11</a:t>
-            </a:fld>
-            <a:endParaRPr spc="-5" dirty="0"/>
-          </a:p>
-        </p:txBody>
-      </p:sp>
-      <p:pic>
-        <p:nvPicPr>
-          <p:cNvPr id="1026" name="Picture 2" descr="C:\Users\jane alam\Downloads\Blank Diagram.jpeg"/>
-          <p:cNvPicPr>
-            <a:picLocks noChangeAspect="1" noChangeArrowheads="1"/>
-          </p:cNvPicPr>
-          <p:nvPr/>
-        </p:nvPicPr>
-        <p:blipFill>
-          <a:blip r:embed="rId2"/>
-          <a:srcRect/>
-          <a:stretch>
-            <a:fillRect/>
-          </a:stretch>
-        </p:blipFill>
-        <p:spPr bwMode="auto">
-          <a:xfrm>
-            <a:off x="666712" y="685800"/>
-            <a:ext cx="10801388" cy="5886472"/>
-          </a:xfrm>
-          <a:prstGeom prst="rect">
-            <a:avLst/>
-          </a:prstGeom>
-          <a:noFill/>
-        </p:spPr>
-      </p:pic>
-    </p:spTree>
-  </p:cSld>
-  <p:clrMapOvr>
-    <a:masterClrMapping/>
-  </p:clrMapOvr>
-  <p:transition spd="med">
-    <p:plus/>
-  </p:transition>
-  <p:timing>
-    <p:tnLst>
-      <p:par>
-        <p:cTn id="1" dur="indefinite" restart="never" nodeType="tmRoot"/>
-      </p:par>
-    </p:tnLst>
-  </p:timing>
-</p:sld>
-</file>
-
-<file path=ppt/slides/slide12.xml><?xml version="1.0" encoding="utf-8"?>
-<p:sld xmlns:a="http://schemas.openxmlformats.org/drawingml/2006/main" xmlns:r="http://schemas.openxmlformats.org/officeDocument/2006/relationships" xmlns:p="http://schemas.openxmlformats.org/presentationml/2006/main">
-  <p:cSld>
-    <p:spTree>
-      <p:nvGrpSpPr>
-        <p:cNvPr id="1" name=""/>
-        <p:cNvGrpSpPr/>
-        <p:nvPr/>
-      </p:nvGrpSpPr>
-      <p:grpSpPr>
-        <a:xfrm>
-          <a:off x="0" y="0"/>
-          <a:ext cx="0" cy="0"/>
-          <a:chOff x="0" y="0"/>
-          <a:chExt cx="0" cy="0"/>
-        </a:xfrm>
-      </p:grpSpPr>
-      <p:sp>
-        <p:nvSpPr>
-          <p:cNvPr id="2" name="Title 1"/>
-          <p:cNvSpPr>
-            <a:spLocks noGrp="1"/>
-          </p:cNvSpPr>
-          <p:nvPr>
-            <p:ph type="title"/>
-          </p:nvPr>
-        </p:nvSpPr>
-        <p:spPr>
-          <a:xfrm>
-            <a:off x="1595406" y="0"/>
-            <a:ext cx="8986011" cy="523220"/>
-          </a:xfrm>
-        </p:spPr>
-        <p:txBody>
-          <a:bodyPr/>
-          <a:lstStyle/>
-          <a:p>
-            <a:pPr algn="ctr"/>
-            <a:r>
-              <a:rPr lang="en-GB" dirty="0" smtClean="0">
-                <a:latin typeface="+mn-lt"/>
-              </a:rPr>
-              <a:t>Predicted Test Data</a:t>
-            </a:r>
-            <a:endParaRPr lang="en-GB" dirty="0">
-              <a:latin typeface="+mn-lt"/>
-            </a:endParaRPr>
-          </a:p>
-        </p:txBody>
-      </p:sp>
-      <p:sp>
-        <p:nvSpPr>
-          <p:cNvPr id="3" name="Text Placeholder 2"/>
-          <p:cNvSpPr>
-            <a:spLocks noGrp="1"/>
-          </p:cNvSpPr>
-          <p:nvPr>
-            <p:ph type="body" idx="1"/>
-          </p:nvPr>
-        </p:nvSpPr>
-        <p:spPr>
-          <a:xfrm>
-            <a:off x="523836" y="571480"/>
-            <a:ext cx="11072890" cy="5847755"/>
-          </a:xfrm>
-        </p:spPr>
-        <p:txBody>
-          <a:bodyPr/>
-          <a:lstStyle/>
-          <a:p>
-            <a:pPr>
-              <a:buFont typeface="Wingdings" pitchFamily="2" charset="2"/>
-              <a:buChar char="v"/>
-            </a:pPr>
-            <a:r>
-              <a:rPr lang="en-GB" dirty="0" smtClean="0">
-                <a:latin typeface="+mn-lt"/>
-              </a:rPr>
-              <a:t> 	Logistic Regression</a:t>
-            </a:r>
-          </a:p>
-          <a:p>
-            <a:pPr>
-              <a:buFont typeface="Wingdings" pitchFamily="2" charset="2"/>
-              <a:buChar char="v"/>
-            </a:pPr>
-            <a:endParaRPr lang="en-GB" dirty="0" smtClean="0">
-              <a:latin typeface="+mn-lt"/>
-            </a:endParaRPr>
-          </a:p>
-          <a:p>
-            <a:pPr>
-              <a:buFont typeface="Wingdings" pitchFamily="2" charset="2"/>
-              <a:buChar char="v"/>
-            </a:pPr>
-            <a:endParaRPr lang="en-GB" dirty="0" smtClean="0">
-              <a:latin typeface="+mn-lt"/>
-            </a:endParaRPr>
-          </a:p>
-          <a:p>
-            <a:pPr>
-              <a:buFont typeface="Wingdings" pitchFamily="2" charset="2"/>
-              <a:buChar char="v"/>
-            </a:pPr>
-            <a:endParaRPr lang="en-GB" dirty="0" smtClean="0">
-              <a:latin typeface="+mn-lt"/>
-            </a:endParaRPr>
-          </a:p>
-          <a:p>
-            <a:pPr>
-              <a:buFont typeface="Wingdings" pitchFamily="2" charset="2"/>
-              <a:buChar char="v"/>
-            </a:pPr>
-            <a:endParaRPr lang="en-GB" dirty="0" smtClean="0">
-              <a:latin typeface="+mn-lt"/>
-            </a:endParaRPr>
-          </a:p>
-          <a:p>
-            <a:pPr>
-              <a:buFont typeface="Wingdings" pitchFamily="2" charset="2"/>
-              <a:buChar char="v"/>
-            </a:pPr>
-            <a:r>
-              <a:rPr lang="en-GB" dirty="0" smtClean="0">
-                <a:latin typeface="+mn-lt"/>
-              </a:rPr>
-              <a:t> 	Random Forest</a:t>
-            </a:r>
-          </a:p>
-          <a:p>
-            <a:pPr>
-              <a:buFont typeface="Wingdings" pitchFamily="2" charset="2"/>
-              <a:buChar char="v"/>
-            </a:pPr>
-            <a:endParaRPr lang="en-GB" dirty="0" smtClean="0">
-              <a:latin typeface="+mn-lt"/>
-            </a:endParaRPr>
-          </a:p>
-          <a:p>
-            <a:pPr>
-              <a:buFont typeface="Wingdings" pitchFamily="2" charset="2"/>
-              <a:buChar char="v"/>
-            </a:pPr>
-            <a:endParaRPr lang="en-GB" dirty="0" smtClean="0">
-              <a:latin typeface="+mn-lt"/>
-            </a:endParaRPr>
-          </a:p>
-          <a:p>
-            <a:pPr>
-              <a:buFont typeface="Wingdings" pitchFamily="2" charset="2"/>
-              <a:buChar char="v"/>
-            </a:pPr>
-            <a:endParaRPr lang="en-GB" dirty="0" smtClean="0">
-              <a:latin typeface="+mn-lt"/>
-            </a:endParaRPr>
-          </a:p>
-          <a:p>
-            <a:pPr>
-              <a:buFont typeface="Wingdings" pitchFamily="2" charset="2"/>
-              <a:buChar char="v"/>
-            </a:pPr>
-            <a:endParaRPr lang="en-GB" dirty="0" smtClean="0">
-              <a:latin typeface="+mn-lt"/>
-            </a:endParaRPr>
-          </a:p>
-          <a:p>
-            <a:pPr>
-              <a:buFont typeface="Wingdings" pitchFamily="2" charset="2"/>
-              <a:buChar char="v"/>
-            </a:pPr>
-            <a:endParaRPr lang="en-GB" dirty="0" smtClean="0">
-              <a:latin typeface="+mn-lt"/>
-            </a:endParaRPr>
-          </a:p>
-          <a:p>
-            <a:pPr>
-              <a:buFont typeface="Wingdings" pitchFamily="2" charset="2"/>
-              <a:buChar char="v"/>
-            </a:pPr>
-            <a:r>
-              <a:rPr lang="en-GB" dirty="0" smtClean="0">
-                <a:latin typeface="+mn-lt"/>
-              </a:rPr>
-              <a:t> 	SVM</a:t>
-            </a:r>
-          </a:p>
-          <a:p>
-            <a:pPr>
-              <a:buFont typeface="Wingdings" pitchFamily="2" charset="2"/>
-              <a:buChar char="v"/>
-            </a:pPr>
-            <a:endParaRPr lang="en-GB" dirty="0" smtClean="0">
-              <a:latin typeface="+mn-lt"/>
-            </a:endParaRPr>
-          </a:p>
-          <a:p>
-            <a:pPr>
-              <a:buFont typeface="Wingdings" pitchFamily="2" charset="2"/>
-              <a:buChar char="v"/>
-            </a:pPr>
-            <a:endParaRPr lang="en-GB" dirty="0" smtClean="0">
-              <a:latin typeface="+mn-lt"/>
-            </a:endParaRPr>
-          </a:p>
-          <a:p>
-            <a:pPr>
-              <a:buFont typeface="Wingdings" pitchFamily="2" charset="2"/>
-              <a:buChar char="v"/>
-            </a:pPr>
-            <a:endParaRPr lang="en-GB" dirty="0" smtClean="0">
-              <a:latin typeface="+mn-lt"/>
-            </a:endParaRPr>
-          </a:p>
-          <a:p>
-            <a:pPr>
-              <a:buFont typeface="Wingdings" pitchFamily="2" charset="2"/>
-              <a:buChar char="v"/>
-            </a:pPr>
-            <a:endParaRPr lang="en-GB" dirty="0" smtClean="0">
-              <a:latin typeface="+mn-lt"/>
-            </a:endParaRPr>
-          </a:p>
-          <a:p>
-            <a:pPr>
-              <a:buFont typeface="Wingdings" pitchFamily="2" charset="2"/>
-              <a:buChar char="v"/>
-            </a:pPr>
-            <a:endParaRPr lang="en-GB" dirty="0" smtClean="0">
-              <a:latin typeface="+mn-lt"/>
-            </a:endParaRPr>
-          </a:p>
-          <a:p>
-            <a:pPr>
-              <a:buFont typeface="Wingdings" pitchFamily="2" charset="2"/>
-              <a:buChar char="v"/>
-            </a:pPr>
-            <a:r>
-              <a:rPr lang="en-GB" dirty="0" smtClean="0">
-                <a:latin typeface="+mn-lt"/>
-              </a:rPr>
-              <a:t> 	KNN</a:t>
-            </a:r>
-          </a:p>
-          <a:p>
-            <a:endParaRPr lang="en-GB" dirty="0">
-              <a:latin typeface="+mn-lt"/>
-            </a:endParaRPr>
-          </a:p>
-        </p:txBody>
-      </p:sp>
-      <p:pic>
-        <p:nvPicPr>
-          <p:cNvPr id="1026" name="Picture 2"/>
-          <p:cNvPicPr>
-            <a:picLocks noChangeAspect="1" noChangeArrowheads="1"/>
-          </p:cNvPicPr>
-          <p:nvPr/>
-        </p:nvPicPr>
-        <p:blipFill>
-          <a:blip r:embed="rId2"/>
-          <a:srcRect/>
-          <a:stretch>
-            <a:fillRect/>
-          </a:stretch>
-        </p:blipFill>
-        <p:spPr bwMode="auto">
-          <a:xfrm>
-            <a:off x="4095736" y="642918"/>
-            <a:ext cx="4143404" cy="1428760"/>
-          </a:xfrm>
-          <a:prstGeom prst="rect">
-            <a:avLst/>
-          </a:prstGeom>
-          <a:noFill/>
-          <a:ln w="9525">
-            <a:noFill/>
-            <a:miter lim="800000"/>
-            <a:headEnd/>
-            <a:tailEnd/>
-          </a:ln>
-          <a:effectLst/>
-        </p:spPr>
-      </p:pic>
-      <p:pic>
-        <p:nvPicPr>
-          <p:cNvPr id="1027" name="Picture 3"/>
-          <p:cNvPicPr>
-            <a:picLocks noChangeAspect="1" noChangeArrowheads="1"/>
-          </p:cNvPicPr>
-          <p:nvPr/>
-        </p:nvPicPr>
-        <p:blipFill>
-          <a:blip r:embed="rId3"/>
-          <a:srcRect/>
-          <a:stretch>
-            <a:fillRect/>
-          </a:stretch>
-        </p:blipFill>
-        <p:spPr bwMode="auto">
-          <a:xfrm>
-            <a:off x="4095736" y="2071678"/>
-            <a:ext cx="4143404" cy="1428760"/>
-          </a:xfrm>
-          <a:prstGeom prst="rect">
-            <a:avLst/>
-          </a:prstGeom>
-          <a:noFill/>
-          <a:ln w="9525">
-            <a:noFill/>
-            <a:miter lim="800000"/>
-            <a:headEnd/>
-            <a:tailEnd/>
-          </a:ln>
-          <a:effectLst/>
-        </p:spPr>
-      </p:pic>
-      <p:pic>
-        <p:nvPicPr>
-          <p:cNvPr id="1028" name="Picture 4"/>
-          <p:cNvPicPr>
-            <a:picLocks noChangeAspect="1" noChangeArrowheads="1"/>
-          </p:cNvPicPr>
-          <p:nvPr/>
-        </p:nvPicPr>
-        <p:blipFill>
-          <a:blip r:embed="rId4"/>
-          <a:srcRect/>
-          <a:stretch>
-            <a:fillRect/>
-          </a:stretch>
-        </p:blipFill>
-        <p:spPr bwMode="auto">
-          <a:xfrm>
-            <a:off x="4095736" y="3571876"/>
-            <a:ext cx="4143404" cy="1638300"/>
-          </a:xfrm>
-          <a:prstGeom prst="rect">
-            <a:avLst/>
-          </a:prstGeom>
-          <a:noFill/>
-          <a:ln w="9525">
-            <a:noFill/>
-            <a:miter lim="800000"/>
-            <a:headEnd/>
-            <a:tailEnd/>
-          </a:ln>
-          <a:effectLst/>
-        </p:spPr>
-      </p:pic>
-      <p:pic>
-        <p:nvPicPr>
-          <p:cNvPr id="1029" name="Picture 5"/>
-          <p:cNvPicPr>
-            <a:picLocks noChangeAspect="1" noChangeArrowheads="1"/>
-          </p:cNvPicPr>
-          <p:nvPr/>
-        </p:nvPicPr>
-        <p:blipFill>
-          <a:blip r:embed="rId5"/>
-          <a:srcRect/>
-          <a:stretch>
-            <a:fillRect/>
-          </a:stretch>
-        </p:blipFill>
-        <p:spPr bwMode="auto">
-          <a:xfrm>
-            <a:off x="4095736" y="5286388"/>
-            <a:ext cx="4143404" cy="1571612"/>
-          </a:xfrm>
-          <a:prstGeom prst="rect">
-            <a:avLst/>
-          </a:prstGeom>
-          <a:noFill/>
-          <a:ln w="9525">
-            <a:noFill/>
-            <a:miter lim="800000"/>
-            <a:headEnd/>
-            <a:tailEnd/>
-          </a:ln>
-          <a:effectLst/>
-        </p:spPr>
-      </p:pic>
-      <p:sp>
-        <p:nvSpPr>
-          <p:cNvPr id="8" name="Rectangle 7"/>
-          <p:cNvSpPr/>
-          <p:nvPr/>
-        </p:nvSpPr>
-        <p:spPr>
-          <a:xfrm>
-            <a:off x="1143000" y="6488668"/>
-            <a:ext cx="1144737" cy="461665"/>
-          </a:xfrm>
-          <a:prstGeom prst="rect">
-            <a:avLst/>
-          </a:prstGeom>
-        </p:spPr>
-        <p:txBody>
-          <a:bodyPr wrap="none">
-            <a:spAutoFit/>
-          </a:bodyPr>
-          <a:lstStyle/>
-          <a:p>
-            <a:pPr marL="12700">
-              <a:spcBef>
-                <a:spcPts val="40"/>
-              </a:spcBef>
-            </a:pPr>
-            <a:r>
-              <a:rPr lang="en-GB" sz="1200" spc="-5" dirty="0" err="1" smtClean="0"/>
-              <a:t>Hemant</a:t>
-            </a:r>
-            <a:r>
-              <a:rPr lang="en-GB" sz="1200" spc="-5" dirty="0" smtClean="0"/>
-              <a:t> &amp; Jane</a:t>
-            </a:r>
-          </a:p>
-          <a:p>
-            <a:pPr marL="12700">
-              <a:lnSpc>
-                <a:spcPct val="100000"/>
-              </a:lnSpc>
-              <a:spcBef>
-                <a:spcPts val="40"/>
-              </a:spcBef>
-            </a:pPr>
-            <a:endParaRPr lang="en-GB" sz="1200" spc="-5" dirty="0"/>
-          </a:p>
-        </p:txBody>
-      </p:sp>
-      <p:sp>
-        <p:nvSpPr>
-          <p:cNvPr id="9" name="object 45"/>
-          <p:cNvSpPr txBox="1">
-            <a:spLocks noGrp="1"/>
-          </p:cNvSpPr>
-          <p:nvPr>
-            <p:ph type="sldNum" sz="quarter" idx="7"/>
-          </p:nvPr>
-        </p:nvSpPr>
-        <p:spPr>
-          <a:xfrm>
-            <a:off x="10367518" y="6620937"/>
-            <a:ext cx="244475" cy="204470"/>
-          </a:xfrm>
-          <a:prstGeom prst="rect">
-            <a:avLst/>
-          </a:prstGeom>
-        </p:spPr>
-        <p:txBody>
-          <a:bodyPr vert="horz" wrap="square" lIns="0" tIns="5080" rIns="0" bIns="0" rtlCol="0">
-            <a:spAutoFit/>
-          </a:bodyPr>
-          <a:lstStyle/>
-          <a:p>
-            <a:pPr marL="38100">
-              <a:lnSpc>
-                <a:spcPct val="100000"/>
-              </a:lnSpc>
-              <a:spcBef>
-                <a:spcPts val="40"/>
-              </a:spcBef>
-            </a:pPr>
-            <a:fld id="{81D60167-4931-47E6-BA6A-407CBD079E47}" type="slidenum">
-              <a:rPr spc="-5" dirty="0"/>
-              <a:pPr marL="38100">
-                <a:lnSpc>
-                  <a:spcPct val="100000"/>
-                </a:lnSpc>
-                <a:spcBef>
-                  <a:spcPts val="40"/>
-                </a:spcBef>
-              </a:pPr>
-              <a:t>12</a:t>
-            </a:fld>
-            <a:endParaRPr spc="-5" dirty="0"/>
-          </a:p>
-        </p:txBody>
-      </p:sp>
-    </p:spTree>
-  </p:cSld>
-  <p:clrMapOvr>
-    <a:masterClrMapping/>
-  </p:clrMapOvr>
-  <p:transition spd="med">
-    <p:wheel spokes="3"/>
-  </p:transition>
-  <p:timing>
-    <p:tnLst>
-      <p:par>
-        <p:cTn id="1" dur="indefinite" restart="never" nodeType="tmRoot"/>
-      </p:par>
-    </p:tnLst>
-  </p:timing>
-</p:sld>
-</file>
-
-<file path=ppt/slides/slide13.xml><?xml version="1.0" encoding="utf-8"?>
-<p:sld xmlns:a="http://schemas.openxmlformats.org/drawingml/2006/main" xmlns:r="http://schemas.openxmlformats.org/officeDocument/2006/relationships" xmlns:p="http://schemas.openxmlformats.org/presentationml/2006/main">
-  <p:cSld>
-    <p:spTree>
-      <p:nvGrpSpPr>
-        <p:cNvPr id="1" name=""/>
-        <p:cNvGrpSpPr/>
-        <p:nvPr/>
-      </p:nvGrpSpPr>
-      <p:grpSpPr>
-        <a:xfrm>
-          <a:off x="0" y="0"/>
-          <a:ext cx="0" cy="0"/>
-          <a:chOff x="0" y="0"/>
-          <a:chExt cx="0" cy="0"/>
-        </a:xfrm>
-      </p:grpSpPr>
-      <p:sp>
-        <p:nvSpPr>
-          <p:cNvPr id="2" name="Title 1"/>
-          <p:cNvSpPr>
-            <a:spLocks noGrp="1"/>
-          </p:cNvSpPr>
-          <p:nvPr>
-            <p:ph type="title"/>
-          </p:nvPr>
-        </p:nvSpPr>
-        <p:spPr>
-          <a:xfrm>
             <a:off x="1666844" y="0"/>
             <a:ext cx="8986011" cy="523220"/>
           </a:xfrm>
@@ -16320,7 +15639,7 @@
                   <a:spcPts val="40"/>
                 </a:spcBef>
               </a:pPr>
-              <a:t>13</a:t>
+              <a:t>11</a:t>
             </a:fld>
             <a:endParaRPr spc="-5" dirty="0"/>
           </a:p>
@@ -16344,7 +15663,7 @@
 </p:sld>
 </file>
 
-<file path=ppt/slides/slide14.xml><?xml version="1.0" encoding="utf-8"?>
+<file path=ppt/slides/slide12.xml><?xml version="1.0" encoding="utf-8"?>
 <p:sld xmlns:a="http://schemas.openxmlformats.org/drawingml/2006/main" xmlns:r="http://schemas.openxmlformats.org/officeDocument/2006/relationships" xmlns:p="http://schemas.openxmlformats.org/presentationml/2006/main" showMasterSp="0">
   <p:cSld>
     <p:spTree>
@@ -20129,7 +19448,7 @@
                   <a:spcPts val="40"/>
                 </a:spcBef>
               </a:pPr>
-              <a:t>14</a:t>
+              <a:t>12</a:t>
             </a:fld>
             <a:endParaRPr spc="-5" dirty="0"/>
           </a:p>
@@ -20360,7 +19679,202 @@
 </p:sld>
 </file>
 
-<file path=ppt/slides/slide15.xml><?xml version="1.0" encoding="utf-8"?>
+<file path=ppt/slides/slide13.xml><?xml version="1.0" encoding="utf-8"?>
+<p:sld xmlns:a="http://schemas.openxmlformats.org/drawingml/2006/main" xmlns:r="http://schemas.openxmlformats.org/officeDocument/2006/relationships" xmlns:p="http://schemas.openxmlformats.org/presentationml/2006/main">
+  <p:cSld>
+    <p:spTree>
+      <p:nvGrpSpPr>
+        <p:cNvPr id="1" name=""/>
+        <p:cNvGrpSpPr/>
+        <p:nvPr/>
+      </p:nvGrpSpPr>
+      <p:grpSpPr>
+        <a:xfrm>
+          <a:off x="0" y="0"/>
+          <a:ext cx="0" cy="0"/>
+          <a:chOff x="0" y="0"/>
+          <a:chExt cx="0" cy="0"/>
+        </a:xfrm>
+      </p:grpSpPr>
+      <p:sp>
+        <p:nvSpPr>
+          <p:cNvPr id="2" name="Title 1"/>
+          <p:cNvSpPr>
+            <a:spLocks noGrp="1"/>
+          </p:cNvSpPr>
+          <p:nvPr>
+            <p:ph type="title"/>
+          </p:nvPr>
+        </p:nvSpPr>
+        <p:spPr>
+          <a:xfrm>
+            <a:off x="1595406" y="0"/>
+            <a:ext cx="8986011" cy="523220"/>
+          </a:xfrm>
+        </p:spPr>
+        <p:txBody>
+          <a:bodyPr/>
+          <a:lstStyle/>
+          <a:p>
+            <a:pPr algn="ctr"/>
+            <a:r>
+              <a:rPr lang="en-GB" u="sng" dirty="0" smtClean="0">
+                <a:latin typeface="+mn-lt"/>
+              </a:rPr>
+              <a:t>Explanation of</a:t>
+            </a:r>
+            <a:r>
+              <a:rPr lang="en-GB" u="sng" dirty="0" smtClean="0">
+                <a:latin typeface="+mn-lt"/>
+              </a:rPr>
+              <a:t> </a:t>
+            </a:r>
+            <a:r>
+              <a:rPr lang="en-GB" u="sng" dirty="0" smtClean="0">
+                <a:latin typeface="+mn-lt"/>
+              </a:rPr>
+              <a:t>Random Forest Algorithm</a:t>
+            </a:r>
+            <a:endParaRPr lang="en-GB" u="sng" dirty="0">
+              <a:latin typeface="+mn-lt"/>
+            </a:endParaRPr>
+          </a:p>
+        </p:txBody>
+      </p:sp>
+      <p:sp>
+        <p:nvSpPr>
+          <p:cNvPr id="5" name="Rectangle 4"/>
+          <p:cNvSpPr/>
+          <p:nvPr/>
+        </p:nvSpPr>
+        <p:spPr>
+          <a:xfrm>
+            <a:off x="1905000" y="6581001"/>
+            <a:ext cx="1144737" cy="276999"/>
+          </a:xfrm>
+          <a:prstGeom prst="rect">
+            <a:avLst/>
+          </a:prstGeom>
+        </p:spPr>
+        <p:txBody>
+          <a:bodyPr wrap="none">
+            <a:spAutoFit/>
+          </a:bodyPr>
+          <a:lstStyle/>
+          <a:p>
+            <a:pPr marL="12700">
+              <a:lnSpc>
+                <a:spcPct val="100000"/>
+              </a:lnSpc>
+              <a:spcBef>
+                <a:spcPts val="40"/>
+              </a:spcBef>
+            </a:pPr>
+            <a:r>
+              <a:rPr lang="en-GB" sz="1200" spc="-5" dirty="0" err="1"/>
+              <a:t>Hemant</a:t>
+            </a:r>
+            <a:r>
+              <a:rPr lang="en-GB" sz="1200" spc="-5" dirty="0"/>
+              <a:t> &amp; Jane</a:t>
+            </a:r>
+          </a:p>
+        </p:txBody>
+      </p:sp>
+      <p:sp>
+        <p:nvSpPr>
+          <p:cNvPr id="7" name="object 45"/>
+          <p:cNvSpPr txBox="1">
+            <a:spLocks noGrp="1"/>
+          </p:cNvSpPr>
+          <p:nvPr>
+            <p:ph type="sldNum" sz="quarter" idx="7"/>
+          </p:nvPr>
+        </p:nvSpPr>
+        <p:spPr>
+          <a:xfrm>
+            <a:off x="10367518" y="6620937"/>
+            <a:ext cx="244475" cy="204470"/>
+          </a:xfrm>
+          <a:prstGeom prst="rect">
+            <a:avLst/>
+          </a:prstGeom>
+        </p:spPr>
+        <p:txBody>
+          <a:bodyPr vert="horz" wrap="square" lIns="0" tIns="5080" rIns="0" bIns="0" rtlCol="0">
+            <a:spAutoFit/>
+          </a:bodyPr>
+          <a:lstStyle/>
+          <a:p>
+            <a:pPr marL="38100">
+              <a:lnSpc>
+                <a:spcPct val="100000"/>
+              </a:lnSpc>
+              <a:spcBef>
+                <a:spcPts val="40"/>
+              </a:spcBef>
+            </a:pPr>
+            <a:fld id="{81D60167-4931-47E6-BA6A-407CBD079E47}" type="slidenum">
+              <a:rPr spc="-5" dirty="0"/>
+              <a:pPr marL="38100">
+                <a:lnSpc>
+                  <a:spcPct val="100000"/>
+                </a:lnSpc>
+                <a:spcBef>
+                  <a:spcPts val="40"/>
+                </a:spcBef>
+              </a:pPr>
+              <a:t>13</a:t>
+            </a:fld>
+            <a:endParaRPr spc="-5" dirty="0"/>
+          </a:p>
+        </p:txBody>
+      </p:sp>
+      <p:pic>
+        <p:nvPicPr>
+          <p:cNvPr id="1026" name="Picture 2" descr="C:\Users\jane alam\Downloads\Blank Diagram.jpeg"/>
+          <p:cNvPicPr>
+            <a:picLocks noChangeAspect="1" noChangeArrowheads="1"/>
+          </p:cNvPicPr>
+          <p:nvPr/>
+        </p:nvPicPr>
+        <p:blipFill>
+          <a:blip r:embed="rId2"/>
+          <a:srcRect/>
+          <a:stretch>
+            <a:fillRect/>
+          </a:stretch>
+        </p:blipFill>
+        <p:spPr bwMode="auto">
+          <a:xfrm>
+            <a:off x="666712" y="685800"/>
+            <a:ext cx="10801388" cy="5886472"/>
+          </a:xfrm>
+          <a:prstGeom prst="rect">
+            <a:avLst/>
+          </a:prstGeom>
+          <a:noFill/>
+        </p:spPr>
+      </p:pic>
+    </p:spTree>
+  </p:cSld>
+  <p:clrMapOvr>
+    <a:masterClrMapping/>
+  </p:clrMapOvr>
+  <p:transition spd="med">
+    <p:plus/>
+  </p:transition>
+  <p:timing>
+    <p:tnLst>
+      <p:par>
+        <p:cTn id="1" dur="indefinite" restart="never" nodeType="tmRoot"/>
+      </p:par>
+    </p:tnLst>
+  </p:timing>
+</p:sld>
+</file>
+
+<file path=ppt/slides/slide14.xml><?xml version="1.0" encoding="utf-8"?>
 <p:sld xmlns:a="http://schemas.openxmlformats.org/drawingml/2006/main" xmlns:r="http://schemas.openxmlformats.org/officeDocument/2006/relationships" xmlns:p="http://schemas.openxmlformats.org/presentationml/2006/main">
   <p:cSld>
     <p:spTree>
@@ -20680,7 +20194,7 @@
                 <a:tabLst/>
                 <a:defRPr/>
               </a:pPr>
-              <a:t>15</a:t>
+              <a:t>14</a:t>
             </a:fld>
             <a:endParaRPr kumimoji="0" lang="en-GB" sz="1200" b="0" i="0" u="none" strike="noStrike" kern="1200" cap="none" spc="-5" normalizeH="0" baseline="0" noProof="0" dirty="0">
               <a:ln>
@@ -20829,7 +20343,7 @@
 </p:sld>
 </file>
 
-<file path=ppt/slides/slide16.xml><?xml version="1.0" encoding="utf-8"?>
+<file path=ppt/slides/slide15.xml><?xml version="1.0" encoding="utf-8"?>
 <p:sld xmlns:a="http://schemas.openxmlformats.org/drawingml/2006/main" xmlns:r="http://schemas.openxmlformats.org/officeDocument/2006/relationships" xmlns:p="http://schemas.openxmlformats.org/presentationml/2006/main">
   <p:cSld>
     <p:spTree>
@@ -20963,7 +20477,7 @@
                 <a:tabLst/>
                 <a:defRPr/>
               </a:pPr>
-              <a:t>16</a:t>
+              <a:t>15</a:t>
             </a:fld>
             <a:endParaRPr kumimoji="0" lang="en-GB" sz="1200" b="0" i="0" u="none" strike="noStrike" kern="1200" cap="none" spc="-5" normalizeH="0" baseline="0" noProof="0" dirty="0">
               <a:ln>
@@ -21184,7 +20698,7 @@
 </p:sld>
 </file>
 
-<file path=ppt/slides/slide17.xml><?xml version="1.0" encoding="utf-8"?>
+<file path=ppt/slides/slide16.xml><?xml version="1.0" encoding="utf-8"?>
 <p:sld xmlns:a="http://schemas.openxmlformats.org/drawingml/2006/main" xmlns:r="http://schemas.openxmlformats.org/officeDocument/2006/relationships" xmlns:p="http://schemas.openxmlformats.org/presentationml/2006/main">
   <p:cSld>
     <p:spTree>
@@ -21206,7 +20720,7 @@
           <p:cNvPr id="2" name="Title 1">
             <a:extLst>
               <a:ext uri="{FF2B5EF4-FFF2-40B4-BE49-F238E27FC236}">
-                <a16:creationId xmlns="" xmlns:a16="http://schemas.microsoft.com/office/drawing/2014/main" id="{D78755C9-053F-4B06-AC06-F6EB00DB67DB}"/>
+                <a16:creationId xmlns:a16="http://schemas.microsoft.com/office/drawing/2014/main" xmlns="" id="{D78755C9-053F-4B06-AC06-F6EB00DB67DB}"/>
               </a:ext>
             </a:extLst>
           </p:cNvPr>
@@ -21242,7 +20756,7 @@
           <p:cNvPr id="3" name="Text Placeholder 2">
             <a:extLst>
               <a:ext uri="{FF2B5EF4-FFF2-40B4-BE49-F238E27FC236}">
-                <a16:creationId xmlns="" xmlns:a16="http://schemas.microsoft.com/office/drawing/2014/main" id="{2C832020-C767-4F35-BF67-222F39104691}"/>
+                <a16:creationId xmlns:a16="http://schemas.microsoft.com/office/drawing/2014/main" xmlns="" id="{2C832020-C767-4F35-BF67-222F39104691}"/>
               </a:ext>
             </a:extLst>
           </p:cNvPr>
@@ -21521,7 +21035,7 @@
                   <a:spcPts val="40"/>
                 </a:spcBef>
               </a:pPr>
-              <a:t>17</a:t>
+              <a:t>16</a:t>
             </a:fld>
             <a:endParaRPr spc="-5" dirty="0"/>
           </a:p>
@@ -21530,7 +21044,7 @@
     </p:spTree>
     <p:extLst>
       <p:ext uri="{BB962C8B-B14F-4D97-AF65-F5344CB8AC3E}">
-        <p14:creationId xmlns="" xmlns:p14="http://schemas.microsoft.com/office/powerpoint/2010/main" val="242542250"/>
+        <p14:creationId xmlns:p14="http://schemas.microsoft.com/office/powerpoint/2010/main" xmlns="" val="242542250"/>
       </p:ext>
     </p:extLst>
   </p:cSld>
@@ -21550,7 +21064,7 @@
 </p:sld>
 </file>
 
-<file path=ppt/slides/slide18.xml><?xml version="1.0" encoding="utf-8"?>
+<file path=ppt/slides/slide17.xml><?xml version="1.0" encoding="utf-8"?>
 <p:sld xmlns:a="http://schemas.openxmlformats.org/drawingml/2006/main" xmlns:r="http://schemas.openxmlformats.org/officeDocument/2006/relationships" xmlns:p="http://schemas.openxmlformats.org/presentationml/2006/main">
   <p:cSld>
     <p:spTree>
@@ -21825,7 +21339,7 @@
                   <a:spcPts val="40"/>
                 </a:spcBef>
               </a:pPr>
-              <a:t>18</a:t>
+              <a:t>17</a:t>
             </a:fld>
             <a:endParaRPr spc="-5" dirty="0"/>
           </a:p>
@@ -21849,7 +21363,7 @@
 </p:sld>
 </file>
 
-<file path=ppt/slides/slide19.xml><?xml version="1.0" encoding="utf-8"?>
+<file path=ppt/slides/slide18.xml><?xml version="1.0" encoding="utf-8"?>
 <p:sld xmlns:a="http://schemas.openxmlformats.org/drawingml/2006/main" xmlns:r="http://schemas.openxmlformats.org/officeDocument/2006/relationships" xmlns:p="http://schemas.openxmlformats.org/presentationml/2006/main">
   <p:cSld>
     <p:spTree>
@@ -22104,7 +21618,7 @@
                   <a:spcPts val="40"/>
                 </a:spcBef>
               </a:pPr>
-              <a:t>19</a:t>
+              <a:t>18</a:t>
             </a:fld>
             <a:endParaRPr spc="-5" dirty="0"/>
           </a:p>
@@ -22117,6 +21631,376 @@
   </p:clrMapOvr>
   <p:transition spd="med">
     <p:cover dir="u"/>
+  </p:transition>
+  <p:timing>
+    <p:tnLst>
+      <p:par>
+        <p:cTn id="1" dur="indefinite" restart="never" nodeType="tmRoot"/>
+      </p:par>
+    </p:tnLst>
+  </p:timing>
+</p:sld>
+</file>
+
+<file path=ppt/slides/slide19.xml><?xml version="1.0" encoding="utf-8"?>
+<p:sld xmlns:a="http://schemas.openxmlformats.org/drawingml/2006/main" xmlns:r="http://schemas.openxmlformats.org/officeDocument/2006/relationships" xmlns:p="http://schemas.openxmlformats.org/presentationml/2006/main">
+  <p:cSld>
+    <p:spTree>
+      <p:nvGrpSpPr>
+        <p:cNvPr id="1" name=""/>
+        <p:cNvGrpSpPr/>
+        <p:nvPr/>
+      </p:nvGrpSpPr>
+      <p:grpSpPr>
+        <a:xfrm>
+          <a:off x="0" y="0"/>
+          <a:ext cx="0" cy="0"/>
+          <a:chOff x="0" y="0"/>
+          <a:chExt cx="0" cy="0"/>
+        </a:xfrm>
+      </p:grpSpPr>
+      <p:sp>
+        <p:nvSpPr>
+          <p:cNvPr id="2" name="Title 1"/>
+          <p:cNvSpPr>
+            <a:spLocks noGrp="1"/>
+          </p:cNvSpPr>
+          <p:nvPr>
+            <p:ph type="title"/>
+          </p:nvPr>
+        </p:nvSpPr>
+        <p:spPr>
+          <a:xfrm>
+            <a:off x="1602994" y="258825"/>
+            <a:ext cx="8986011" cy="523220"/>
+          </a:xfrm>
+        </p:spPr>
+        <p:txBody>
+          <a:bodyPr/>
+          <a:lstStyle/>
+          <a:p>
+            <a:pPr algn="l"/>
+            <a:r>
+              <a:rPr lang="en-GB" u="sng" dirty="0" smtClean="0">
+                <a:latin typeface="+mn-lt"/>
+              </a:rPr>
+              <a:t>References</a:t>
+            </a:r>
+            <a:endParaRPr lang="en-GB" u="sng" dirty="0">
+              <a:latin typeface="+mn-lt"/>
+            </a:endParaRPr>
+          </a:p>
+        </p:txBody>
+      </p:sp>
+      <p:sp>
+        <p:nvSpPr>
+          <p:cNvPr id="3" name="Text Placeholder 2"/>
+          <p:cNvSpPr>
+            <a:spLocks noGrp="1"/>
+          </p:cNvSpPr>
+          <p:nvPr>
+            <p:ph type="body" idx="1"/>
+          </p:nvPr>
+        </p:nvSpPr>
+        <p:spPr>
+          <a:xfrm>
+            <a:off x="1652524" y="1461262"/>
+            <a:ext cx="8886951" cy="4308872"/>
+          </a:xfrm>
+        </p:spPr>
+        <p:txBody>
+          <a:bodyPr/>
+          <a:lstStyle/>
+          <a:p>
+            <a:pPr>
+              <a:buFont typeface="Wingdings" pitchFamily="2" charset="2"/>
+              <a:buChar char="v"/>
+            </a:pPr>
+            <a:r>
+              <a:rPr lang="en-GB" dirty="0" smtClean="0">
+                <a:latin typeface="+mn-lt"/>
+              </a:rPr>
+              <a:t> 	Ultrasound characterisation of breast masses, The Indian  journal of   	radiology imaging by S. </a:t>
+            </a:r>
+            <a:r>
+              <a:rPr lang="en-GB" dirty="0" err="1" smtClean="0">
+                <a:latin typeface="+mn-lt"/>
+              </a:rPr>
+              <a:t>Gokhale</a:t>
+            </a:r>
+            <a:r>
+              <a:rPr lang="en-GB" dirty="0" smtClean="0">
+                <a:latin typeface="+mn-lt"/>
+              </a:rPr>
+              <a:t>., Vol. 19, pp. 242-249, 2009.</a:t>
+            </a:r>
+          </a:p>
+          <a:p>
+            <a:r>
+              <a:rPr lang="en-GB" dirty="0" smtClean="0">
+                <a:latin typeface="+mn-lt"/>
+              </a:rPr>
+              <a:t>	K. </a:t>
+            </a:r>
+            <a:r>
+              <a:rPr lang="en-GB" dirty="0" err="1" smtClean="0">
+                <a:latin typeface="+mn-lt"/>
+              </a:rPr>
+              <a:t>Elissa</a:t>
+            </a:r>
+            <a:r>
+              <a:rPr lang="en-GB" dirty="0" smtClean="0">
+                <a:latin typeface="+mn-lt"/>
+              </a:rPr>
+              <a:t>, Title of paper if known, unpublished.</a:t>
+            </a:r>
+          </a:p>
+          <a:p>
+            <a:endParaRPr lang="en-GB" dirty="0" smtClean="0">
+              <a:latin typeface="+mn-lt"/>
+            </a:endParaRPr>
+          </a:p>
+          <a:p>
+            <a:pPr>
+              <a:buFont typeface="Wingdings" pitchFamily="2" charset="2"/>
+              <a:buChar char="v"/>
+            </a:pPr>
+            <a:r>
+              <a:rPr lang="en-GB" dirty="0" smtClean="0">
+                <a:latin typeface="+mn-lt"/>
+              </a:rPr>
+              <a:t> 	Breast Cancer Prediction Using Genetic Algorithm Based Ensemble Approach 	by </a:t>
+            </a:r>
+            <a:r>
+              <a:rPr lang="en-GB" dirty="0" err="1" smtClean="0">
+                <a:latin typeface="+mn-lt"/>
+              </a:rPr>
+              <a:t>Pragya</a:t>
+            </a:r>
+            <a:r>
+              <a:rPr lang="en-GB" dirty="0" smtClean="0">
+                <a:latin typeface="+mn-lt"/>
+              </a:rPr>
+              <a:t> </a:t>
+            </a:r>
+            <a:r>
+              <a:rPr lang="en-GB" dirty="0" err="1" smtClean="0">
+                <a:latin typeface="+mn-lt"/>
+              </a:rPr>
+              <a:t>Chauhan</a:t>
+            </a:r>
+            <a:r>
+              <a:rPr lang="en-GB" dirty="0" smtClean="0">
+                <a:latin typeface="+mn-lt"/>
+              </a:rPr>
+              <a:t> and </a:t>
+            </a:r>
+            <a:r>
+              <a:rPr lang="en-GB" dirty="0" err="1" smtClean="0">
+                <a:latin typeface="+mn-lt"/>
+              </a:rPr>
+              <a:t>Amit</a:t>
+            </a:r>
+            <a:r>
+              <a:rPr lang="en-GB" dirty="0" smtClean="0">
+                <a:latin typeface="+mn-lt"/>
+              </a:rPr>
+              <a:t> Swami, 18 October 2018</a:t>
+            </a:r>
+          </a:p>
+          <a:p>
+            <a:pPr>
+              <a:buFont typeface="Wingdings" pitchFamily="2" charset="2"/>
+              <a:buChar char="v"/>
+            </a:pPr>
+            <a:endParaRPr lang="en-GB" dirty="0" smtClean="0">
+              <a:latin typeface="+mn-lt"/>
+            </a:endParaRPr>
+          </a:p>
+          <a:p>
+            <a:pPr>
+              <a:buFont typeface="Wingdings" pitchFamily="2" charset="2"/>
+              <a:buChar char="v"/>
+            </a:pPr>
+            <a:r>
+              <a:rPr lang="en-GB" dirty="0" smtClean="0">
+                <a:latin typeface="+mn-lt"/>
+              </a:rPr>
+              <a:t> 	On Breast Cancer Detection: An Application of Machine Learning 	Algorithms on the Wisconsin Diagnostic Dataset by </a:t>
+            </a:r>
+            <a:r>
+              <a:rPr lang="en-GB" dirty="0" err="1" smtClean="0">
+                <a:latin typeface="+mn-lt"/>
+              </a:rPr>
+              <a:t>Abien</a:t>
+            </a:r>
+            <a:r>
+              <a:rPr lang="en-GB" dirty="0" smtClean="0">
+                <a:latin typeface="+mn-lt"/>
+              </a:rPr>
+              <a:t> Fred  </a:t>
+            </a:r>
+            <a:r>
+              <a:rPr lang="en-GB" dirty="0" err="1" smtClean="0">
+                <a:latin typeface="+mn-lt"/>
+              </a:rPr>
+              <a:t>M.Agarap</a:t>
+            </a:r>
+            <a:r>
+              <a:rPr lang="en-GB" dirty="0" smtClean="0">
+                <a:latin typeface="+mn-lt"/>
+              </a:rPr>
+              <a:t>, 7 	February 2019</a:t>
+            </a:r>
+          </a:p>
+          <a:p>
+            <a:pPr>
+              <a:buFont typeface="Wingdings" pitchFamily="2" charset="2"/>
+              <a:buChar char="v"/>
+            </a:pPr>
+            <a:endParaRPr lang="en-GB" dirty="0" smtClean="0">
+              <a:latin typeface="+mn-lt"/>
+            </a:endParaRPr>
+          </a:p>
+          <a:p>
+            <a:pPr>
+              <a:buFont typeface="Wingdings" pitchFamily="2" charset="2"/>
+              <a:buChar char="v"/>
+            </a:pPr>
+            <a:r>
+              <a:rPr lang="en-GB" dirty="0" smtClean="0">
+                <a:latin typeface="+mn-lt"/>
+              </a:rPr>
+              <a:t> 	Analysis of Machine Learning Techniques for Breast Cancer Prediction by 	the </a:t>
+            </a:r>
+            <a:r>
+              <a:rPr lang="en-GB" dirty="0" err="1" smtClean="0">
+                <a:latin typeface="+mn-lt"/>
+              </a:rPr>
+              <a:t>Priyanka</a:t>
+            </a:r>
+            <a:r>
+              <a:rPr lang="en-GB" dirty="0" smtClean="0">
+                <a:latin typeface="+mn-lt"/>
+              </a:rPr>
+              <a:t> Gupta and Prof. </a:t>
+            </a:r>
+            <a:r>
+              <a:rPr lang="en-GB" dirty="0" err="1" smtClean="0">
+                <a:latin typeface="+mn-lt"/>
+              </a:rPr>
+              <a:t>Shalini</a:t>
+            </a:r>
+            <a:r>
+              <a:rPr lang="en-GB" dirty="0" smtClean="0">
+                <a:latin typeface="+mn-lt"/>
+              </a:rPr>
+              <a:t> L of VIT university, Vellore, 5 May 2018.</a:t>
+            </a:r>
+          </a:p>
+          <a:p>
+            <a:endParaRPr lang="en-GB" dirty="0">
+              <a:latin typeface="+mn-lt"/>
+            </a:endParaRPr>
+          </a:p>
+        </p:txBody>
+      </p:sp>
+      <p:sp>
+        <p:nvSpPr>
+          <p:cNvPr id="4" name="Rectangle 3"/>
+          <p:cNvSpPr/>
+          <p:nvPr/>
+        </p:nvSpPr>
+        <p:spPr>
+          <a:xfrm>
+            <a:off x="1447800" y="6581001"/>
+            <a:ext cx="1144737" cy="276999"/>
+          </a:xfrm>
+          <a:prstGeom prst="rect">
+            <a:avLst/>
+          </a:prstGeom>
+        </p:spPr>
+        <p:txBody>
+          <a:bodyPr wrap="none">
+            <a:spAutoFit/>
+          </a:bodyPr>
+          <a:lstStyle/>
+          <a:p>
+            <a:pPr marL="12700">
+              <a:lnSpc>
+                <a:spcPct val="100000"/>
+              </a:lnSpc>
+              <a:spcBef>
+                <a:spcPts val="40"/>
+              </a:spcBef>
+            </a:pPr>
+            <a:r>
+              <a:rPr lang="en-GB" sz="1200" spc="-5" dirty="0" err="1"/>
+              <a:t>Hemant</a:t>
+            </a:r>
+            <a:r>
+              <a:rPr lang="en-GB" sz="1200" spc="-5" dirty="0"/>
+              <a:t> &amp; Jane</a:t>
+            </a:r>
+          </a:p>
+        </p:txBody>
+      </p:sp>
+      <p:sp>
+        <p:nvSpPr>
+          <p:cNvPr id="5" name="object 45"/>
+          <p:cNvSpPr txBox="1">
+            <a:spLocks noGrp="1"/>
+          </p:cNvSpPr>
+          <p:nvPr>
+            <p:ph type="sldNum" sz="quarter" idx="7"/>
+          </p:nvPr>
+        </p:nvSpPr>
+        <p:spPr>
+          <a:xfrm>
+            <a:off x="10367518" y="6620937"/>
+            <a:ext cx="244475" cy="204470"/>
+          </a:xfrm>
+          <a:prstGeom prst="rect">
+            <a:avLst/>
+          </a:prstGeom>
+        </p:spPr>
+        <p:txBody>
+          <a:bodyPr vert="horz" wrap="square" lIns="0" tIns="5080" rIns="0" bIns="0" rtlCol="0">
+            <a:spAutoFit/>
+          </a:bodyPr>
+          <a:lstStyle/>
+          <a:p>
+            <a:pPr marL="38100">
+              <a:lnSpc>
+                <a:spcPct val="100000"/>
+              </a:lnSpc>
+              <a:spcBef>
+                <a:spcPts val="40"/>
+              </a:spcBef>
+            </a:pPr>
+            <a:fld id="{81D60167-4931-47E6-BA6A-407CBD079E47}" type="slidenum">
+              <a:rPr spc="-5" dirty="0"/>
+              <a:pPr marL="38100">
+                <a:lnSpc>
+                  <a:spcPct val="100000"/>
+                </a:lnSpc>
+                <a:spcBef>
+                  <a:spcPts val="40"/>
+                </a:spcBef>
+              </a:pPr>
+              <a:t>19</a:t>
+            </a:fld>
+            <a:endParaRPr spc="-5" dirty="0"/>
+          </a:p>
+        </p:txBody>
+      </p:sp>
+    </p:spTree>
+  </p:cSld>
+  <p:clrMapOvr>
+    <a:masterClrMapping/>
+  </p:clrMapOvr>
+  <p:transition spd="med">
+    <p:plus/>
   </p:transition>
   <p:timing>
     <p:tnLst>
@@ -22383,293 +22267,7 @@
       </p:grpSpPr>
       <p:sp>
         <p:nvSpPr>
-          <p:cNvPr id="2" name="Title 1"/>
-          <p:cNvSpPr>
-            <a:spLocks noGrp="1"/>
-          </p:cNvSpPr>
-          <p:nvPr>
-            <p:ph type="title"/>
-          </p:nvPr>
-        </p:nvSpPr>
-        <p:spPr>
-          <a:xfrm>
-            <a:off x="1602994" y="258825"/>
-            <a:ext cx="8986011" cy="523220"/>
-          </a:xfrm>
-        </p:spPr>
-        <p:txBody>
-          <a:bodyPr/>
-          <a:lstStyle/>
-          <a:p>
-            <a:pPr algn="l"/>
-            <a:r>
-              <a:rPr lang="en-GB" u="sng" dirty="0" smtClean="0">
-                <a:latin typeface="+mn-lt"/>
-              </a:rPr>
-              <a:t>References</a:t>
-            </a:r>
-            <a:endParaRPr lang="en-GB" u="sng" dirty="0">
-              <a:latin typeface="+mn-lt"/>
-            </a:endParaRPr>
-          </a:p>
-        </p:txBody>
-      </p:sp>
-      <p:sp>
-        <p:nvSpPr>
-          <p:cNvPr id="3" name="Text Placeholder 2"/>
-          <p:cNvSpPr>
-            <a:spLocks noGrp="1"/>
-          </p:cNvSpPr>
-          <p:nvPr>
-            <p:ph type="body" idx="1"/>
-          </p:nvPr>
-        </p:nvSpPr>
-        <p:spPr>
-          <a:xfrm>
-            <a:off x="1652524" y="1461262"/>
-            <a:ext cx="8886951" cy="4308872"/>
-          </a:xfrm>
-        </p:spPr>
-        <p:txBody>
-          <a:bodyPr/>
-          <a:lstStyle/>
-          <a:p>
-            <a:pPr>
-              <a:buFont typeface="Wingdings" pitchFamily="2" charset="2"/>
-              <a:buChar char="v"/>
-            </a:pPr>
-            <a:r>
-              <a:rPr lang="en-GB" dirty="0" smtClean="0">
-                <a:latin typeface="+mn-lt"/>
-              </a:rPr>
-              <a:t> 	Ultrasound characterisation of breast masses, The Indian  journal of   	radiology imaging by S. </a:t>
-            </a:r>
-            <a:r>
-              <a:rPr lang="en-GB" dirty="0" err="1" smtClean="0">
-                <a:latin typeface="+mn-lt"/>
-              </a:rPr>
-              <a:t>Gokhale</a:t>
-            </a:r>
-            <a:r>
-              <a:rPr lang="en-GB" dirty="0" smtClean="0">
-                <a:latin typeface="+mn-lt"/>
-              </a:rPr>
-              <a:t>., Vol. 19, pp. 242-249, 2009.</a:t>
-            </a:r>
-          </a:p>
-          <a:p>
-            <a:r>
-              <a:rPr lang="en-GB" dirty="0" smtClean="0">
-                <a:latin typeface="+mn-lt"/>
-              </a:rPr>
-              <a:t>	K. </a:t>
-            </a:r>
-            <a:r>
-              <a:rPr lang="en-GB" dirty="0" err="1" smtClean="0">
-                <a:latin typeface="+mn-lt"/>
-              </a:rPr>
-              <a:t>Elissa</a:t>
-            </a:r>
-            <a:r>
-              <a:rPr lang="en-GB" dirty="0" smtClean="0">
-                <a:latin typeface="+mn-lt"/>
-              </a:rPr>
-              <a:t>, Title of paper if known, unpublished.</a:t>
-            </a:r>
-          </a:p>
-          <a:p>
-            <a:endParaRPr lang="en-GB" dirty="0" smtClean="0">
-              <a:latin typeface="+mn-lt"/>
-            </a:endParaRPr>
-          </a:p>
-          <a:p>
-            <a:pPr>
-              <a:buFont typeface="Wingdings" pitchFamily="2" charset="2"/>
-              <a:buChar char="v"/>
-            </a:pPr>
-            <a:r>
-              <a:rPr lang="en-GB" dirty="0" smtClean="0">
-                <a:latin typeface="+mn-lt"/>
-              </a:rPr>
-              <a:t> 	Breast Cancer Prediction Using Genetic Algorithm Based Ensemble Approach 	by </a:t>
-            </a:r>
-            <a:r>
-              <a:rPr lang="en-GB" dirty="0" err="1" smtClean="0">
-                <a:latin typeface="+mn-lt"/>
-              </a:rPr>
-              <a:t>Pragya</a:t>
-            </a:r>
-            <a:r>
-              <a:rPr lang="en-GB" dirty="0" smtClean="0">
-                <a:latin typeface="+mn-lt"/>
-              </a:rPr>
-              <a:t> </a:t>
-            </a:r>
-            <a:r>
-              <a:rPr lang="en-GB" dirty="0" err="1" smtClean="0">
-                <a:latin typeface="+mn-lt"/>
-              </a:rPr>
-              <a:t>Chauhan</a:t>
-            </a:r>
-            <a:r>
-              <a:rPr lang="en-GB" dirty="0" smtClean="0">
-                <a:latin typeface="+mn-lt"/>
-              </a:rPr>
-              <a:t> and </a:t>
-            </a:r>
-            <a:r>
-              <a:rPr lang="en-GB" dirty="0" err="1" smtClean="0">
-                <a:latin typeface="+mn-lt"/>
-              </a:rPr>
-              <a:t>Amit</a:t>
-            </a:r>
-            <a:r>
-              <a:rPr lang="en-GB" dirty="0" smtClean="0">
-                <a:latin typeface="+mn-lt"/>
-              </a:rPr>
-              <a:t> Swami, 18 October 2018</a:t>
-            </a:r>
-          </a:p>
-          <a:p>
-            <a:pPr>
-              <a:buFont typeface="Wingdings" pitchFamily="2" charset="2"/>
-              <a:buChar char="v"/>
-            </a:pPr>
-            <a:endParaRPr lang="en-GB" dirty="0" smtClean="0">
-              <a:latin typeface="+mn-lt"/>
-            </a:endParaRPr>
-          </a:p>
-          <a:p>
-            <a:pPr>
-              <a:buFont typeface="Wingdings" pitchFamily="2" charset="2"/>
-              <a:buChar char="v"/>
-            </a:pPr>
-            <a:r>
-              <a:rPr lang="en-GB" dirty="0" smtClean="0">
-                <a:latin typeface="+mn-lt"/>
-              </a:rPr>
-              <a:t> 	On Breast Cancer Detection: An Application of Machine Learning 	Algorithms on the Wisconsin Diagnostic Dataset by </a:t>
-            </a:r>
-            <a:r>
-              <a:rPr lang="en-GB" dirty="0" err="1" smtClean="0">
-                <a:latin typeface="+mn-lt"/>
-              </a:rPr>
-              <a:t>Abien</a:t>
-            </a:r>
-            <a:r>
-              <a:rPr lang="en-GB" dirty="0" smtClean="0">
-                <a:latin typeface="+mn-lt"/>
-              </a:rPr>
-              <a:t> Fred  </a:t>
-            </a:r>
-            <a:r>
-              <a:rPr lang="en-GB" dirty="0" err="1" smtClean="0">
-                <a:latin typeface="+mn-lt"/>
-              </a:rPr>
-              <a:t>M.Agarap</a:t>
-            </a:r>
-            <a:r>
-              <a:rPr lang="en-GB" dirty="0" smtClean="0">
-                <a:latin typeface="+mn-lt"/>
-              </a:rPr>
-              <a:t>, 7 	February 2019</a:t>
-            </a:r>
-          </a:p>
-          <a:p>
-            <a:pPr>
-              <a:buFont typeface="Wingdings" pitchFamily="2" charset="2"/>
-              <a:buChar char="v"/>
-            </a:pPr>
-            <a:endParaRPr lang="en-GB" dirty="0" smtClean="0">
-              <a:latin typeface="+mn-lt"/>
-            </a:endParaRPr>
-          </a:p>
-          <a:p>
-            <a:pPr>
-              <a:buFont typeface="Wingdings" pitchFamily="2" charset="2"/>
-              <a:buChar char="v"/>
-            </a:pPr>
-            <a:r>
-              <a:rPr lang="en-GB" dirty="0" smtClean="0">
-                <a:latin typeface="+mn-lt"/>
-              </a:rPr>
-              <a:t> 	Analysis of Machine Learning Techniques for Breast Cancer Prediction by 	the </a:t>
-            </a:r>
-            <a:r>
-              <a:rPr lang="en-GB" dirty="0" err="1" smtClean="0">
-                <a:latin typeface="+mn-lt"/>
-              </a:rPr>
-              <a:t>Priyanka</a:t>
-            </a:r>
-            <a:r>
-              <a:rPr lang="en-GB" dirty="0" smtClean="0">
-                <a:latin typeface="+mn-lt"/>
-              </a:rPr>
-              <a:t> Gupta and Prof. </a:t>
-            </a:r>
-            <a:r>
-              <a:rPr lang="en-GB" dirty="0" err="1" smtClean="0">
-                <a:latin typeface="+mn-lt"/>
-              </a:rPr>
-              <a:t>Shalini</a:t>
-            </a:r>
-            <a:r>
-              <a:rPr lang="en-GB" dirty="0" smtClean="0">
-                <a:latin typeface="+mn-lt"/>
-              </a:rPr>
-              <a:t> L of VIT university, Vellore, 5 May 2018.</a:t>
-            </a:r>
-          </a:p>
-          <a:p>
-            <a:endParaRPr lang="en-GB" dirty="0">
-              <a:latin typeface="+mn-lt"/>
-            </a:endParaRPr>
-          </a:p>
-        </p:txBody>
-      </p:sp>
-      <p:sp>
-        <p:nvSpPr>
-          <p:cNvPr id="4" name="Rectangle 3"/>
-          <p:cNvSpPr/>
-          <p:nvPr/>
-        </p:nvSpPr>
-        <p:spPr>
-          <a:xfrm>
-            <a:off x="1447800" y="6581001"/>
-            <a:ext cx="1144737" cy="276999"/>
-          </a:xfrm>
-          <a:prstGeom prst="rect">
-            <a:avLst/>
-          </a:prstGeom>
-        </p:spPr>
-        <p:txBody>
-          <a:bodyPr wrap="none">
-            <a:spAutoFit/>
-          </a:bodyPr>
-          <a:lstStyle/>
-          <a:p>
-            <a:pPr marL="12700">
-              <a:lnSpc>
-                <a:spcPct val="100000"/>
-              </a:lnSpc>
-              <a:spcBef>
-                <a:spcPts val="40"/>
-              </a:spcBef>
-            </a:pPr>
-            <a:r>
-              <a:rPr lang="en-GB" sz="1200" spc="-5" dirty="0" err="1"/>
-              <a:t>Hemant</a:t>
-            </a:r>
-            <a:r>
-              <a:rPr lang="en-GB" sz="1200" spc="-5" dirty="0"/>
-              <a:t> &amp; Jane</a:t>
-            </a:r>
-          </a:p>
-        </p:txBody>
-      </p:sp>
-      <p:sp>
-        <p:nvSpPr>
-          <p:cNvPr id="5" name="object 45"/>
+          <p:cNvPr id="4" name="object 4"/>
           <p:cNvSpPr txBox="1">
             <a:spLocks noGrp="1"/>
           </p:cNvSpPr>
@@ -22678,10 +22276,6 @@
           </p:nvPr>
         </p:nvSpPr>
         <p:spPr>
-          <a:xfrm>
-            <a:off x="10367518" y="6620937"/>
-            <a:ext cx="244475" cy="204470"/>
-          </a:xfrm>
           <a:prstGeom prst="rect">
             <a:avLst/>
           </a:prstGeom>
@@ -22711,86 +22305,6 @@
                 </a:spcBef>
               </a:pPr>
               <a:t>20</a:t>
-            </a:fld>
-            <a:endParaRPr spc="-5" dirty="0"/>
-          </a:p>
-        </p:txBody>
-      </p:sp>
-    </p:spTree>
-  </p:cSld>
-  <p:clrMapOvr>
-    <a:masterClrMapping/>
-  </p:clrMapOvr>
-  <p:transition spd="med">
-    <p:plus/>
-  </p:transition>
-  <p:timing>
-    <p:tnLst>
-      <p:par>
-        <p:cTn id="1" dur="indefinite" restart="never" nodeType="tmRoot"/>
-      </p:par>
-    </p:tnLst>
-  </p:timing>
-</p:sld>
-</file>
-
-<file path=ppt/slides/slide21.xml><?xml version="1.0" encoding="utf-8"?>
-<p:sld xmlns:a="http://schemas.openxmlformats.org/drawingml/2006/main" xmlns:r="http://schemas.openxmlformats.org/officeDocument/2006/relationships" xmlns:p="http://schemas.openxmlformats.org/presentationml/2006/main">
-  <p:cSld>
-    <p:spTree>
-      <p:nvGrpSpPr>
-        <p:cNvPr id="1" name=""/>
-        <p:cNvGrpSpPr/>
-        <p:nvPr/>
-      </p:nvGrpSpPr>
-      <p:grpSpPr>
-        <a:xfrm>
-          <a:off x="0" y="0"/>
-          <a:ext cx="0" cy="0"/>
-          <a:chOff x="0" y="0"/>
-          <a:chExt cx="0" cy="0"/>
-        </a:xfrm>
-      </p:grpSpPr>
-      <p:sp>
-        <p:nvSpPr>
-          <p:cNvPr id="4" name="object 4"/>
-          <p:cNvSpPr txBox="1">
-            <a:spLocks noGrp="1"/>
-          </p:cNvSpPr>
-          <p:nvPr>
-            <p:ph type="sldNum" sz="quarter" idx="7"/>
-          </p:nvPr>
-        </p:nvSpPr>
-        <p:spPr>
-          <a:prstGeom prst="rect">
-            <a:avLst/>
-          </a:prstGeom>
-        </p:spPr>
-        <p:txBody>
-          <a:bodyPr vert="horz" wrap="square" lIns="0" tIns="5080" rIns="0" bIns="0" rtlCol="0">
-            <a:spAutoFit/>
-          </a:bodyPr>
-          <a:lstStyle/>
-          <a:p>
-            <a:pPr marL="38100">
-              <a:lnSpc>
-                <a:spcPct val="100000"/>
-              </a:lnSpc>
-              <a:spcBef>
-                <a:spcPts val="40"/>
-              </a:spcBef>
-            </a:pPr>
-            <a:fld id="{81D60167-4931-47E6-BA6A-407CBD079E47}" type="slidenum">
-              <a:rPr spc="-5" dirty="0"/>
-              <a:pPr marL="38100">
-                <a:lnSpc>
-                  <a:spcPct val="100000"/>
-                </a:lnSpc>
-                <a:spcBef>
-                  <a:spcPts val="40"/>
-                </a:spcBef>
-              </a:pPr>
-              <a:t>21</a:t>
             </a:fld>
             <a:endParaRPr spc="-5" dirty="0"/>
           </a:p>
@@ -23904,7 +23418,7 @@
           <p:cNvPr id="3" name="Text Placeholder 2">
             <a:extLst>
               <a:ext uri="{FF2B5EF4-FFF2-40B4-BE49-F238E27FC236}">
-                <a16:creationId xmlns="" xmlns:a16="http://schemas.microsoft.com/office/drawing/2014/main" id="{D03B2B98-9CBB-42B4-97D6-2030004BE74B}"/>
+                <a16:creationId xmlns:a16="http://schemas.microsoft.com/office/drawing/2014/main" xmlns="" id="{D03B2B98-9CBB-42B4-97D6-2030004BE74B}"/>
               </a:ext>
             </a:extLst>
           </p:cNvPr>
@@ -24087,7 +23601,7 @@
           <p:cNvPr id="4" name="Title 1">
             <a:extLst>
               <a:ext uri="{FF2B5EF4-FFF2-40B4-BE49-F238E27FC236}">
-                <a16:creationId xmlns="" xmlns:a16="http://schemas.microsoft.com/office/drawing/2014/main" id="{5115E20E-D4AE-4AEF-A001-3A2C9C8BE74B}"/>
+                <a16:creationId xmlns:a16="http://schemas.microsoft.com/office/drawing/2014/main" xmlns="" id="{5115E20E-D4AE-4AEF-A001-3A2C9C8BE74B}"/>
               </a:ext>
             </a:extLst>
           </p:cNvPr>
@@ -24241,7 +23755,7 @@
     </p:spTree>
     <p:extLst>
       <p:ext uri="{BB962C8B-B14F-4D97-AF65-F5344CB8AC3E}">
-        <p14:creationId xmlns="" xmlns:p14="http://schemas.microsoft.com/office/powerpoint/2010/main" val="3590634898"/>
+        <p14:creationId xmlns:p14="http://schemas.microsoft.com/office/powerpoint/2010/main" xmlns="" val="3590634898"/>
       </p:ext>
     </p:extLst>
   </p:cSld>
@@ -28412,7 +27926,7 @@
           <a:blip r:embed="rId2">
             <a:extLst>
               <a:ext uri="{28A0092B-C50C-407E-A947-70E740481C1C}">
-                <a14:useLocalDpi xmlns="" xmlns:wpc="http://schemas.microsoft.com/office/word/2010/wordprocessingCanvas" xmlns:cx="http://schemas.microsoft.com/office/drawing/2014/chartex" xmlns:cx1="http://schemas.microsoft.com/office/drawing/2015/9/8/chartex" xmlns:cx2="http://schemas.microsoft.com/office/drawing/2015/10/21/chartex" xmlns:cx3="http://schemas.microsoft.com/office/drawing/2016/5/9/chartex" xmlns:cx4="http://schemas.microsoft.com/office/drawing/2016/5/10/chartex" xmlns:cx5="http://schemas.microsoft.com/office/drawing/2016/5/11/chartex" xmlns:cx6="http://schemas.microsoft.com/office/drawing/2016/5/12/chartex" xmlns:cx7="http://schemas.microsoft.com/office/drawing/2016/5/13/chartex" xmlns:cx8="http://schemas.microsoft.com/office/drawing/2016/5/14/chartex" xmlns:mc="http://schemas.openxmlformats.org/markup-compatibility/2006" xmlns:aink="http://schemas.microsoft.com/office/drawing/2016/ink" xmlns:am3d="http://schemas.microsoft.com/office/drawing/2017/model3d" xmlns:o="urn:schemas-microsoft-com:office:office" xmlns:m="http://schemas.openxmlformats.org/officeDocument/2006/math" xmlns:v="urn:schemas-microsoft-com:vml" xmlns:wp14="http://schemas.microsoft.com/office/word/2010/wordprocessingDrawing" xmlns:wp="http://schemas.openxmlformats.org/drawingml/2006/wordprocessingDrawing" xmlns:w10="urn:schemas-microsoft-com:office:word" xmlns:w="http://schemas.openxmlformats.org/wordprocessingml/2006/main" xmlns:w14="http://schemas.microsoft.com/office/word/2010/wordml" xmlns:w15="http://schemas.microsoft.com/office/word/2012/wordml" xmlns:w16cid="http://schemas.microsoft.com/office/word/2016/wordml/cid" xmlns:w16se="http://schemas.microsoft.com/office/word/2015/wordml/symex" xmlns:wpg="http://schemas.microsoft.com/office/word/2010/wordprocessingGroup" xmlns:wpi="http://schemas.microsoft.com/office/word/2010/wordprocessingInk" xmlns:wne="http://schemas.microsoft.com/office/word/2006/wordml" xmlns:wps="http://schemas.microsoft.com/office/word/2010/wordprocessingShape" xmlns:a14="http://schemas.microsoft.com/office/drawing/2010/main" xmlns:pic="http://schemas.openxmlformats.org/drawingml/2006/picture" xmlns:lc="http://schemas.openxmlformats.org/drawingml/2006/lockedCanvas" val="0"/>
+                <a14:useLocalDpi xmlns:lc="http://schemas.openxmlformats.org/drawingml/2006/lockedCanvas" xmlns:pic="http://schemas.openxmlformats.org/drawingml/2006/picture" xmlns:a14="http://schemas.microsoft.com/office/drawing/2010/main" xmlns:wps="http://schemas.microsoft.com/office/word/2010/wordprocessingShape" xmlns:wne="http://schemas.microsoft.com/office/word/2006/wordml" xmlns:wpi="http://schemas.microsoft.com/office/word/2010/wordprocessingInk" xmlns:wpg="http://schemas.microsoft.com/office/word/2010/wordprocessingGroup" xmlns:w16se="http://schemas.microsoft.com/office/word/2015/wordml/symex" xmlns:w16cid="http://schemas.microsoft.com/office/word/2016/wordml/cid" xmlns:w15="http://schemas.microsoft.com/office/word/2012/wordml" xmlns:w14="http://schemas.microsoft.com/office/word/2010/wordml" xmlns:w="http://schemas.openxmlformats.org/wordprocessingml/2006/main" xmlns:w10="urn:schemas-microsoft-com:office:word" xmlns:wp="http://schemas.openxmlformats.org/drawingml/2006/wordprocessingDrawing" xmlns:wp14="http://schemas.microsoft.com/office/word/2010/wordprocessingDrawing" xmlns:v="urn:schemas-microsoft-com:vml" xmlns:m="http://schemas.openxmlformats.org/officeDocument/2006/math" xmlns:o="urn:schemas-microsoft-com:office:office" xmlns:am3d="http://schemas.microsoft.com/office/drawing/2017/model3d" xmlns:aink="http://schemas.microsoft.com/office/drawing/2016/ink" xmlns:mc="http://schemas.openxmlformats.org/markup-compatibility/2006" xmlns:cx8="http://schemas.microsoft.com/office/drawing/2016/5/14/chartex" xmlns:cx7="http://schemas.microsoft.com/office/drawing/2016/5/13/chartex" xmlns:cx6="http://schemas.microsoft.com/office/drawing/2016/5/12/chartex" xmlns:cx5="http://schemas.microsoft.com/office/drawing/2016/5/11/chartex" xmlns:cx4="http://schemas.microsoft.com/office/drawing/2016/5/10/chartex" xmlns:cx3="http://schemas.microsoft.com/office/drawing/2016/5/9/chartex" xmlns:cx2="http://schemas.microsoft.com/office/drawing/2015/10/21/chartex" xmlns:cx1="http://schemas.microsoft.com/office/drawing/2015/9/8/chartex" xmlns:cx="http://schemas.microsoft.com/office/drawing/2014/chartex" xmlns:wpc="http://schemas.microsoft.com/office/word/2010/wordprocessingCanvas" xmlns="" val="0"/>
               </a:ext>
             </a:extLst>
           </a:blip>
